--- a/Docs/MidtermPresentationHireHawk.pptx
+++ b/Docs/MidtermPresentationHireHawk.pptx
@@ -15,12 +15,22 @@
     <p:sldId id="261" r:id="rId9"/>
     <p:sldId id="262" r:id="rId10"/>
     <p:sldId id="268" r:id="rId11"/>
-    <p:sldId id="263" r:id="rId12"/>
-    <p:sldId id="270" r:id="rId13"/>
-    <p:sldId id="271" r:id="rId14"/>
-    <p:sldId id="264" r:id="rId15"/>
-    <p:sldId id="265" r:id="rId16"/>
-    <p:sldId id="266" r:id="rId17"/>
+    <p:sldId id="277" r:id="rId12"/>
+    <p:sldId id="278" r:id="rId13"/>
+    <p:sldId id="279" r:id="rId14"/>
+    <p:sldId id="280" r:id="rId15"/>
+    <p:sldId id="281" r:id="rId16"/>
+    <p:sldId id="272" r:id="rId17"/>
+    <p:sldId id="273" r:id="rId18"/>
+    <p:sldId id="263" r:id="rId19"/>
+    <p:sldId id="270" r:id="rId20"/>
+    <p:sldId id="274" r:id="rId21"/>
+    <p:sldId id="275" r:id="rId22"/>
+    <p:sldId id="276" r:id="rId23"/>
+    <p:sldId id="271" r:id="rId24"/>
+    <p:sldId id="264" r:id="rId25"/>
+    <p:sldId id="265" r:id="rId26"/>
+    <p:sldId id="266" r:id="rId27"/>
   </p:sldIdLst>
   <p:sldSz cx="12192000" cy="6858000"/>
   <p:notesSz cx="6858000" cy="9144000"/>
@@ -3203,7 +3213,7 @@
         </p:nvSpPr>
         <p:spPr>
           <a:xfrm>
-            <a:off x="460822" y="3837444"/>
+            <a:off x="499074" y="3866831"/>
             <a:ext cx="2874739" cy="627839"/>
           </a:xfrm>
           <a:prstGeom prst="rect">
@@ -3766,56 +3776,474 @@
       </p:sp>
       <p:sp>
         <p:nvSpPr>
-          <p:cNvPr id="3" name="Content Placeholder 2"/>
-          <p:cNvSpPr>
-            <a:spLocks noGrp="1"/>
-          </p:cNvSpPr>
-          <p:nvPr>
-            <p:ph idx="1"/>
-          </p:nvPr>
-        </p:nvSpPr>
-        <p:spPr>
-          <a:xfrm>
-            <a:off x="838200" y="1139825"/>
-            <a:ext cx="10515600" cy="4351338"/>
-          </a:xfrm>
-        </p:spPr>
-        <p:txBody>
-          <a:bodyPr/>
-          <a:lstStyle/>
-          <a:p>
-            <a:r>
-              <a:rPr lang="en-GB" dirty="0" smtClean="0">
+          <p:cNvPr id="4" name="Rectangle 3"/>
+          <p:cNvSpPr/>
+          <p:nvPr/>
+        </p:nvSpPr>
+        <p:spPr>
+          <a:xfrm>
+            <a:off x="310243" y="1469570"/>
+            <a:ext cx="2628899" cy="2449288"/>
+          </a:xfrm>
+          <a:prstGeom prst="rect">
+            <a:avLst/>
+          </a:prstGeom>
+          <a:solidFill>
+            <a:srgbClr val="7030A0"/>
+          </a:solidFill>
+        </p:spPr>
+        <p:style>
+          <a:lnRef idx="2">
+            <a:schemeClr val="accent1">
+              <a:shade val="50000"/>
+            </a:schemeClr>
+          </a:lnRef>
+          <a:fillRef idx="1">
+            <a:schemeClr val="accent1"/>
+          </a:fillRef>
+          <a:effectRef idx="0">
+            <a:schemeClr val="accent1"/>
+          </a:effectRef>
+          <a:fontRef idx="minor">
+            <a:schemeClr val="lt1"/>
+          </a:fontRef>
+        </p:style>
+        <p:txBody>
+          <a:bodyPr rtlCol="0" anchor="ctr"/>
+          <a:lstStyle/>
+          <a:p>
+            <a:pPr algn="ctr"/>
+            <a:r>
+              <a:rPr lang="en-GB" sz="2400" b="1" dirty="0" smtClean="0">
                 <a:latin typeface="Times New Roman" panose="02020603050405020304" pitchFamily="18" charset="0"/>
                 <a:cs typeface="Times New Roman" panose="02020603050405020304" pitchFamily="18" charset="0"/>
               </a:rPr>
-              <a:t>Tools Used</a:t>
-            </a:r>
-          </a:p>
-          <a:p>
-            <a:r>
-              <a:rPr lang="en-GB" dirty="0" smtClean="0">
+              <a:t>Determine</a:t>
+            </a:r>
+          </a:p>
+          <a:p>
+            <a:pPr algn="ctr"/>
+            <a:r>
+              <a:rPr lang="en-GB" sz="2400" b="1" dirty="0" smtClean="0">
                 <a:latin typeface="Times New Roman" panose="02020603050405020304" pitchFamily="18" charset="0"/>
                 <a:cs typeface="Times New Roman" panose="02020603050405020304" pitchFamily="18" charset="0"/>
               </a:rPr>
-              <a:t>Proposed System Model</a:t>
-            </a:r>
-          </a:p>
-          <a:p>
-            <a:r>
-              <a:rPr lang="en-GB" dirty="0" smtClean="0">
-                <a:latin typeface="Times New Roman" panose="02020603050405020304" pitchFamily="18" charset="0"/>
-                <a:cs typeface="Times New Roman" panose="02020603050405020304" pitchFamily="18" charset="0"/>
-              </a:rPr>
-              <a:t>Flowchart*</a:t>
-            </a:r>
-            <a:endParaRPr lang="en-GB" dirty="0">
+              <a:t>Project Vision</a:t>
+            </a:r>
+            <a:endParaRPr lang="en-GB" sz="2400" b="1" dirty="0">
               <a:latin typeface="Times New Roman" panose="02020603050405020304" pitchFamily="18" charset="0"/>
               <a:cs typeface="Times New Roman" panose="02020603050405020304" pitchFamily="18" charset="0"/>
             </a:endParaRPr>
           </a:p>
         </p:txBody>
       </p:sp>
+      <p:sp>
+        <p:nvSpPr>
+          <p:cNvPr id="5" name="Rectangle 4"/>
+          <p:cNvSpPr/>
+          <p:nvPr/>
+        </p:nvSpPr>
+        <p:spPr>
+          <a:xfrm>
+            <a:off x="3320143" y="1469571"/>
+            <a:ext cx="2628899" cy="2449288"/>
+          </a:xfrm>
+          <a:prstGeom prst="rect">
+            <a:avLst/>
+          </a:prstGeom>
+          <a:solidFill>
+            <a:srgbClr val="7030A0"/>
+          </a:solidFill>
+        </p:spPr>
+        <p:style>
+          <a:lnRef idx="2">
+            <a:schemeClr val="accent1">
+              <a:shade val="50000"/>
+            </a:schemeClr>
+          </a:lnRef>
+          <a:fillRef idx="1">
+            <a:schemeClr val="accent1"/>
+          </a:fillRef>
+          <a:effectRef idx="0">
+            <a:schemeClr val="accent1"/>
+          </a:effectRef>
+          <a:fontRef idx="minor">
+            <a:schemeClr val="lt1"/>
+          </a:fontRef>
+        </p:style>
+        <p:txBody>
+          <a:bodyPr rtlCol="0" anchor="ctr"/>
+          <a:lstStyle/>
+          <a:p>
+            <a:pPr algn="ctr"/>
+            <a:r>
+              <a:rPr lang="en-GB" sz="2800" dirty="0" smtClean="0">
+                <a:latin typeface="Times New Roman" panose="02020603050405020304" pitchFamily="18" charset="0"/>
+                <a:cs typeface="Times New Roman" panose="02020603050405020304" pitchFamily="18" charset="0"/>
+              </a:rPr>
+              <a:t>Planning</a:t>
+            </a:r>
+            <a:endParaRPr lang="en-GB" sz="2800" dirty="0">
+              <a:latin typeface="Times New Roman" panose="02020603050405020304" pitchFamily="18" charset="0"/>
+              <a:cs typeface="Times New Roman" panose="02020603050405020304" pitchFamily="18" charset="0"/>
+            </a:endParaRPr>
+          </a:p>
+        </p:txBody>
+      </p:sp>
+      <p:sp>
+        <p:nvSpPr>
+          <p:cNvPr id="6" name="Rectangle 5"/>
+          <p:cNvSpPr/>
+          <p:nvPr/>
+        </p:nvSpPr>
+        <p:spPr>
+          <a:xfrm>
+            <a:off x="6330043" y="1469571"/>
+            <a:ext cx="2628899" cy="2449288"/>
+          </a:xfrm>
+          <a:prstGeom prst="rect">
+            <a:avLst/>
+          </a:prstGeom>
+          <a:solidFill>
+            <a:srgbClr val="7030A0"/>
+          </a:solidFill>
+        </p:spPr>
+        <p:style>
+          <a:lnRef idx="2">
+            <a:schemeClr val="accent1">
+              <a:shade val="50000"/>
+            </a:schemeClr>
+          </a:lnRef>
+          <a:fillRef idx="1">
+            <a:schemeClr val="accent1"/>
+          </a:fillRef>
+          <a:effectRef idx="0">
+            <a:schemeClr val="accent1"/>
+          </a:effectRef>
+          <a:fontRef idx="minor">
+            <a:schemeClr val="lt1"/>
+          </a:fontRef>
+        </p:style>
+        <p:txBody>
+          <a:bodyPr rtlCol="0" anchor="ctr"/>
+          <a:lstStyle/>
+          <a:p>
+            <a:pPr algn="ctr"/>
+            <a:r>
+              <a:rPr lang="en-GB" sz="2800" dirty="0" smtClean="0">
+                <a:latin typeface="Times New Roman" panose="02020603050405020304" pitchFamily="18" charset="0"/>
+                <a:cs typeface="Times New Roman" panose="02020603050405020304" pitchFamily="18" charset="0"/>
+              </a:rPr>
+              <a:t>Algorithm Implementation</a:t>
+            </a:r>
+            <a:endParaRPr lang="en-GB" sz="2800" dirty="0">
+              <a:latin typeface="Times New Roman" panose="02020603050405020304" pitchFamily="18" charset="0"/>
+              <a:cs typeface="Times New Roman" panose="02020603050405020304" pitchFamily="18" charset="0"/>
+            </a:endParaRPr>
+          </a:p>
+        </p:txBody>
+      </p:sp>
+      <p:sp>
+        <p:nvSpPr>
+          <p:cNvPr id="7" name="Rectangle 6"/>
+          <p:cNvSpPr/>
+          <p:nvPr/>
+        </p:nvSpPr>
+        <p:spPr>
+          <a:xfrm>
+            <a:off x="9344264" y="1469570"/>
+            <a:ext cx="2628899" cy="2449288"/>
+          </a:xfrm>
+          <a:prstGeom prst="rect">
+            <a:avLst/>
+          </a:prstGeom>
+          <a:solidFill>
+            <a:srgbClr val="7030A0"/>
+          </a:solidFill>
+        </p:spPr>
+        <p:style>
+          <a:lnRef idx="2">
+            <a:schemeClr val="accent1">
+              <a:shade val="50000"/>
+            </a:schemeClr>
+          </a:lnRef>
+          <a:fillRef idx="1">
+            <a:schemeClr val="accent1"/>
+          </a:fillRef>
+          <a:effectRef idx="0">
+            <a:schemeClr val="accent1"/>
+          </a:effectRef>
+          <a:fontRef idx="minor">
+            <a:schemeClr val="lt1"/>
+          </a:fontRef>
+        </p:style>
+        <p:txBody>
+          <a:bodyPr rtlCol="0" anchor="ctr"/>
+          <a:lstStyle/>
+          <a:p>
+            <a:pPr algn="ctr"/>
+            <a:r>
+              <a:rPr lang="en-GB" sz="2800" dirty="0" smtClean="0">
+                <a:latin typeface="Times New Roman" panose="02020603050405020304" pitchFamily="18" charset="0"/>
+                <a:cs typeface="Times New Roman" panose="02020603050405020304" pitchFamily="18" charset="0"/>
+              </a:rPr>
+              <a:t>Review</a:t>
+            </a:r>
+            <a:endParaRPr lang="en-GB" sz="2800" dirty="0">
+              <a:latin typeface="Times New Roman" panose="02020603050405020304" pitchFamily="18" charset="0"/>
+              <a:cs typeface="Times New Roman" panose="02020603050405020304" pitchFamily="18" charset="0"/>
+            </a:endParaRPr>
+          </a:p>
+        </p:txBody>
+      </p:sp>
+      <p:cxnSp>
+        <p:nvCxnSpPr>
+          <p:cNvPr id="10" name="Straight Arrow Connector 9"/>
+          <p:cNvCxnSpPr>
+            <a:stCxn id="4" idx="3"/>
+            <a:endCxn id="5" idx="1"/>
+          </p:cNvCxnSpPr>
+          <p:nvPr/>
+        </p:nvCxnSpPr>
+        <p:spPr>
+          <a:xfrm>
+            <a:off x="2939142" y="2694214"/>
+            <a:ext cx="381001" cy="1"/>
+          </a:xfrm>
+          <a:prstGeom prst="straightConnector1">
+            <a:avLst/>
+          </a:prstGeom>
+          <a:ln w="57150">
+            <a:solidFill>
+              <a:srgbClr val="7030A0"/>
+            </a:solidFill>
+            <a:tailEnd type="triangle"/>
+          </a:ln>
+        </p:spPr>
+        <p:style>
+          <a:lnRef idx="1">
+            <a:schemeClr val="accent1"/>
+          </a:lnRef>
+          <a:fillRef idx="0">
+            <a:schemeClr val="accent1"/>
+          </a:fillRef>
+          <a:effectRef idx="0">
+            <a:schemeClr val="accent1"/>
+          </a:effectRef>
+          <a:fontRef idx="minor">
+            <a:schemeClr val="tx1"/>
+          </a:fontRef>
+        </p:style>
+      </p:cxnSp>
+      <p:cxnSp>
+        <p:nvCxnSpPr>
+          <p:cNvPr id="12" name="Straight Arrow Connector 11"/>
+          <p:cNvCxnSpPr>
+            <a:stCxn id="5" idx="3"/>
+            <a:endCxn id="6" idx="1"/>
+          </p:cNvCxnSpPr>
+          <p:nvPr/>
+        </p:nvCxnSpPr>
+        <p:spPr>
+          <a:xfrm>
+            <a:off x="5949042" y="2694215"/>
+            <a:ext cx="381001" cy="0"/>
+          </a:xfrm>
+          <a:prstGeom prst="straightConnector1">
+            <a:avLst/>
+          </a:prstGeom>
+          <a:ln w="57150">
+            <a:solidFill>
+              <a:srgbClr val="7030A0"/>
+            </a:solidFill>
+            <a:tailEnd type="triangle"/>
+          </a:ln>
+        </p:spPr>
+        <p:style>
+          <a:lnRef idx="1">
+            <a:schemeClr val="accent1"/>
+          </a:lnRef>
+          <a:fillRef idx="0">
+            <a:schemeClr val="accent1"/>
+          </a:fillRef>
+          <a:effectRef idx="0">
+            <a:schemeClr val="accent1"/>
+          </a:effectRef>
+          <a:fontRef idx="minor">
+            <a:schemeClr val="tx1"/>
+          </a:fontRef>
+        </p:style>
+      </p:cxnSp>
+      <p:cxnSp>
+        <p:nvCxnSpPr>
+          <p:cNvPr id="14" name="Straight Arrow Connector 13"/>
+          <p:cNvCxnSpPr>
+            <a:stCxn id="6" idx="3"/>
+            <a:endCxn id="7" idx="1"/>
+          </p:cNvCxnSpPr>
+          <p:nvPr/>
+        </p:nvCxnSpPr>
+        <p:spPr>
+          <a:xfrm flipV="1">
+            <a:off x="8958942" y="2694214"/>
+            <a:ext cx="385322" cy="1"/>
+          </a:xfrm>
+          <a:prstGeom prst="straightConnector1">
+            <a:avLst/>
+          </a:prstGeom>
+          <a:ln w="57150">
+            <a:solidFill>
+              <a:srgbClr val="7030A0"/>
+            </a:solidFill>
+            <a:tailEnd type="triangle"/>
+          </a:ln>
+        </p:spPr>
+        <p:style>
+          <a:lnRef idx="1">
+            <a:schemeClr val="accent1"/>
+          </a:lnRef>
+          <a:fillRef idx="0">
+            <a:schemeClr val="accent1"/>
+          </a:fillRef>
+          <a:effectRef idx="0">
+            <a:schemeClr val="accent1"/>
+          </a:effectRef>
+          <a:fontRef idx="minor">
+            <a:schemeClr val="tx1"/>
+          </a:fontRef>
+        </p:style>
+      </p:cxnSp>
+      <p:sp>
+        <p:nvSpPr>
+          <p:cNvPr id="19" name="Rectangle 18"/>
+          <p:cNvSpPr/>
+          <p:nvPr/>
+        </p:nvSpPr>
+        <p:spPr>
+          <a:xfrm>
+            <a:off x="6330043" y="4209140"/>
+            <a:ext cx="2628899" cy="2449288"/>
+          </a:xfrm>
+          <a:prstGeom prst="rect">
+            <a:avLst/>
+          </a:prstGeom>
+          <a:solidFill>
+            <a:srgbClr val="7030A0"/>
+          </a:solidFill>
+        </p:spPr>
+        <p:style>
+          <a:lnRef idx="2">
+            <a:schemeClr val="accent1">
+              <a:shade val="50000"/>
+            </a:schemeClr>
+          </a:lnRef>
+          <a:fillRef idx="1">
+            <a:schemeClr val="accent1"/>
+          </a:fillRef>
+          <a:effectRef idx="0">
+            <a:schemeClr val="accent1"/>
+          </a:effectRef>
+          <a:fontRef idx="minor">
+            <a:schemeClr val="lt1"/>
+          </a:fontRef>
+        </p:style>
+        <p:txBody>
+          <a:bodyPr rtlCol="0" anchor="ctr"/>
+          <a:lstStyle/>
+          <a:p>
+            <a:pPr algn="ctr"/>
+            <a:r>
+              <a:rPr lang="en-GB" sz="2800" dirty="0" smtClean="0">
+                <a:latin typeface="Times New Roman" panose="02020603050405020304" pitchFamily="18" charset="0"/>
+                <a:cs typeface="Times New Roman" panose="02020603050405020304" pitchFamily="18" charset="0"/>
+              </a:rPr>
+              <a:t>Retrospect</a:t>
+            </a:r>
+            <a:endParaRPr lang="en-GB" sz="2800" dirty="0">
+              <a:latin typeface="Times New Roman" panose="02020603050405020304" pitchFamily="18" charset="0"/>
+              <a:cs typeface="Times New Roman" panose="02020603050405020304" pitchFamily="18" charset="0"/>
+            </a:endParaRPr>
+          </a:p>
+        </p:txBody>
+      </p:sp>
+      <p:cxnSp>
+        <p:nvCxnSpPr>
+          <p:cNvPr id="27" name="Elbow Connector 26"/>
+          <p:cNvCxnSpPr>
+            <a:stCxn id="7" idx="2"/>
+            <a:endCxn id="19" idx="3"/>
+          </p:cNvCxnSpPr>
+          <p:nvPr/>
+        </p:nvCxnSpPr>
+        <p:spPr>
+          <a:xfrm rot="5400000">
+            <a:off x="9051365" y="3826435"/>
+            <a:ext cx="1514926" cy="1699772"/>
+          </a:xfrm>
+          <a:prstGeom prst="bentConnector2">
+            <a:avLst/>
+          </a:prstGeom>
+          <a:ln w="57150">
+            <a:solidFill>
+              <a:srgbClr val="7030A0"/>
+            </a:solidFill>
+            <a:tailEnd type="triangle"/>
+          </a:ln>
+        </p:spPr>
+        <p:style>
+          <a:lnRef idx="1">
+            <a:schemeClr val="accent1"/>
+          </a:lnRef>
+          <a:fillRef idx="0">
+            <a:schemeClr val="accent1"/>
+          </a:fillRef>
+          <a:effectRef idx="0">
+            <a:schemeClr val="accent1"/>
+          </a:effectRef>
+          <a:fontRef idx="minor">
+            <a:schemeClr val="tx1"/>
+          </a:fontRef>
+        </p:style>
+      </p:cxnSp>
+      <p:cxnSp>
+        <p:nvCxnSpPr>
+          <p:cNvPr id="29" name="Elbow Connector 28"/>
+          <p:cNvCxnSpPr>
+            <a:stCxn id="19" idx="1"/>
+            <a:endCxn id="5" idx="2"/>
+          </p:cNvCxnSpPr>
+          <p:nvPr/>
+        </p:nvCxnSpPr>
+        <p:spPr>
+          <a:xfrm rot="10800000">
+            <a:off x="4634593" y="3918860"/>
+            <a:ext cx="1695450" cy="1514925"/>
+          </a:xfrm>
+          <a:prstGeom prst="bentConnector2">
+            <a:avLst/>
+          </a:prstGeom>
+          <a:ln w="57150">
+            <a:solidFill>
+              <a:srgbClr val="7030A0"/>
+            </a:solidFill>
+            <a:tailEnd type="triangle"/>
+          </a:ln>
+        </p:spPr>
+        <p:style>
+          <a:lnRef idx="1">
+            <a:schemeClr val="accent1"/>
+          </a:lnRef>
+          <a:fillRef idx="0">
+            <a:schemeClr val="accent1"/>
+          </a:fillRef>
+          <a:effectRef idx="0">
+            <a:schemeClr val="accent1"/>
+          </a:effectRef>
+          <a:fontRef idx="minor">
+            <a:schemeClr val="tx1"/>
+          </a:fontRef>
+        </p:style>
+      </p:cxnSp>
     </p:spTree>
     <p:extLst>
       <p:ext uri="{BB962C8B-B14F-4D97-AF65-F5344CB8AC3E}">
@@ -3878,7 +4306,7 @@
                 <a:latin typeface="Times New Roman" panose="02020603050405020304" pitchFamily="18" charset="0"/>
                 <a:cs typeface="Times New Roman" panose="02020603050405020304" pitchFamily="18" charset="0"/>
               </a:rPr>
-              <a:t>Functional Requirement</a:t>
+              <a:t>Determine Project Vision</a:t>
             </a:r>
             <a:endParaRPr lang="en-GB" dirty="0">
               <a:latin typeface="Times New Roman" panose="02020603050405020304" pitchFamily="18" charset="0"/>
@@ -3889,35 +4317,168 @@
       </p:sp>
       <p:sp>
         <p:nvSpPr>
-          <p:cNvPr id="3" name="Content Placeholder 2"/>
-          <p:cNvSpPr>
-            <a:spLocks noGrp="1"/>
-          </p:cNvSpPr>
-          <p:nvPr>
-            <p:ph idx="1"/>
-          </p:nvPr>
-        </p:nvSpPr>
-        <p:spPr>
-          <a:xfrm>
-            <a:off x="838200" y="1139825"/>
-            <a:ext cx="10515600" cy="4351338"/>
-          </a:xfrm>
-        </p:spPr>
-        <p:txBody>
-          <a:bodyPr/>
-          <a:lstStyle/>
-          <a:p>
-            <a:endParaRPr lang="en-GB" dirty="0">
+          <p:cNvPr id="4" name="Rectangle 3"/>
+          <p:cNvSpPr/>
+          <p:nvPr/>
+        </p:nvSpPr>
+        <p:spPr>
+          <a:xfrm>
+            <a:off x="838200" y="1431470"/>
+            <a:ext cx="2628899" cy="3775530"/>
+          </a:xfrm>
+          <a:prstGeom prst="rect">
+            <a:avLst/>
+          </a:prstGeom>
+          <a:solidFill>
+            <a:srgbClr val="7030A0"/>
+          </a:solidFill>
+        </p:spPr>
+        <p:style>
+          <a:lnRef idx="2">
+            <a:schemeClr val="accent1">
+              <a:shade val="50000"/>
+            </a:schemeClr>
+          </a:lnRef>
+          <a:fillRef idx="1">
+            <a:schemeClr val="accent1"/>
+          </a:fillRef>
+          <a:effectRef idx="0">
+            <a:schemeClr val="accent1"/>
+          </a:effectRef>
+          <a:fontRef idx="minor">
+            <a:schemeClr val="lt1"/>
+          </a:fontRef>
+        </p:style>
+        <p:txBody>
+          <a:bodyPr rtlCol="0" anchor="ctr"/>
+          <a:lstStyle/>
+          <a:p>
+            <a:pPr algn="ctr"/>
+            <a:r>
+              <a:rPr lang="en-GB" sz="2800" b="1" dirty="0" smtClean="0">
+                <a:latin typeface="Times New Roman" panose="02020603050405020304" pitchFamily="18" charset="0"/>
+                <a:cs typeface="Times New Roman" panose="02020603050405020304" pitchFamily="18" charset="0"/>
+              </a:rPr>
+              <a:t>Determine</a:t>
+            </a:r>
+          </a:p>
+          <a:p>
+            <a:pPr algn="ctr"/>
+            <a:r>
+              <a:rPr lang="en-GB" sz="2800" b="1" dirty="0" smtClean="0">
+                <a:latin typeface="Times New Roman" panose="02020603050405020304" pitchFamily="18" charset="0"/>
+                <a:cs typeface="Times New Roman" panose="02020603050405020304" pitchFamily="18" charset="0"/>
+              </a:rPr>
+              <a:t>Project Vision</a:t>
+            </a:r>
+            <a:endParaRPr lang="en-GB" sz="2800" b="1" dirty="0">
               <a:latin typeface="Times New Roman" panose="02020603050405020304" pitchFamily="18" charset="0"/>
               <a:cs typeface="Times New Roman" panose="02020603050405020304" pitchFamily="18" charset="0"/>
             </a:endParaRPr>
           </a:p>
         </p:txBody>
       </p:sp>
+      <p:sp>
+        <p:nvSpPr>
+          <p:cNvPr id="3" name="TextBox 2"/>
+          <p:cNvSpPr txBox="1"/>
+          <p:nvPr/>
+        </p:nvSpPr>
+        <p:spPr>
+          <a:xfrm>
+            <a:off x="4114801" y="1633989"/>
+            <a:ext cx="7531099" cy="3108543"/>
+          </a:xfrm>
+          <a:prstGeom prst="rect">
+            <a:avLst/>
+          </a:prstGeom>
+          <a:noFill/>
+        </p:spPr>
+        <p:txBody>
+          <a:bodyPr wrap="square" rtlCol="0">
+            <a:spAutoFit/>
+          </a:bodyPr>
+          <a:lstStyle/>
+          <a:p>
+            <a:pPr marL="285750" indent="-285750">
+              <a:buFont typeface="Arial" panose="020B0604020202020204" pitchFamily="34" charset="0"/>
+              <a:buChar char="•"/>
+            </a:pPr>
+            <a:r>
+              <a:rPr lang="en-GB" sz="2800" dirty="0">
+                <a:latin typeface="Times New Roman" panose="02020603050405020304" pitchFamily="18" charset="0"/>
+                <a:cs typeface="Times New Roman" panose="02020603050405020304" pitchFamily="18" charset="0"/>
+              </a:rPr>
+              <a:t>T</a:t>
+            </a:r>
+            <a:r>
+              <a:rPr lang="en-GB" sz="2800" dirty="0" smtClean="0">
+                <a:latin typeface="Times New Roman" panose="02020603050405020304" pitchFamily="18" charset="0"/>
+                <a:cs typeface="Times New Roman" panose="02020603050405020304" pitchFamily="18" charset="0"/>
+              </a:rPr>
+              <a:t>o </a:t>
+            </a:r>
+            <a:r>
+              <a:rPr lang="en-GB" sz="2800" dirty="0">
+                <a:latin typeface="Times New Roman" panose="02020603050405020304" pitchFamily="18" charset="0"/>
+                <a:cs typeface="Times New Roman" panose="02020603050405020304" pitchFamily="18" charset="0"/>
+              </a:rPr>
+              <a:t>create a transparent, accessible, and equitable platform for both employers and job seekers. </a:t>
+            </a:r>
+            <a:endParaRPr lang="en-GB" sz="2800" dirty="0" smtClean="0">
+              <a:latin typeface="Times New Roman" panose="02020603050405020304" pitchFamily="18" charset="0"/>
+              <a:cs typeface="Times New Roman" panose="02020603050405020304" pitchFamily="18" charset="0"/>
+            </a:endParaRPr>
+          </a:p>
+          <a:p>
+            <a:pPr marL="285750" indent="-285750">
+              <a:buFont typeface="Arial" panose="020B0604020202020204" pitchFamily="34" charset="0"/>
+              <a:buChar char="•"/>
+            </a:pPr>
+            <a:endParaRPr lang="en-GB" sz="2800" dirty="0" smtClean="0">
+              <a:latin typeface="Times New Roman" panose="02020603050405020304" pitchFamily="18" charset="0"/>
+              <a:cs typeface="Times New Roman" panose="02020603050405020304" pitchFamily="18" charset="0"/>
+            </a:endParaRPr>
+          </a:p>
+          <a:p>
+            <a:pPr marL="285750" indent="-285750">
+              <a:buFont typeface="Arial" panose="020B0604020202020204" pitchFamily="34" charset="0"/>
+              <a:buChar char="•"/>
+            </a:pPr>
+            <a:r>
+              <a:rPr lang="en-GB" sz="2800" dirty="0" smtClean="0">
+                <a:latin typeface="Times New Roman" panose="02020603050405020304" pitchFamily="18" charset="0"/>
+                <a:cs typeface="Times New Roman" panose="02020603050405020304" pitchFamily="18" charset="0"/>
+              </a:rPr>
+              <a:t>To save </a:t>
+            </a:r>
+            <a:r>
+              <a:rPr lang="en-GB" sz="2800" dirty="0">
+                <a:latin typeface="Times New Roman" panose="02020603050405020304" pitchFamily="18" charset="0"/>
+                <a:cs typeface="Times New Roman" panose="02020603050405020304" pitchFamily="18" charset="0"/>
+              </a:rPr>
+              <a:t>time for recruiters, empower applicants to showcase their skills effectively, and foster a more efficient and accurate matching of </a:t>
+            </a:r>
+            <a:r>
+              <a:rPr lang="en-GB" sz="2800" dirty="0" smtClean="0">
+                <a:latin typeface="Times New Roman" panose="02020603050405020304" pitchFamily="18" charset="0"/>
+                <a:cs typeface="Times New Roman" panose="02020603050405020304" pitchFamily="18" charset="0"/>
+              </a:rPr>
+              <a:t>skills.</a:t>
+            </a:r>
+          </a:p>
+          <a:p>
+            <a:endParaRPr lang="en-GB" sz="2800" dirty="0">
+              <a:latin typeface="Times New Roman" panose="02020603050405020304" pitchFamily="18" charset="0"/>
+              <a:cs typeface="Times New Roman" panose="02020603050405020304" pitchFamily="18" charset="0"/>
+            </a:endParaRPr>
+          </a:p>
+        </p:txBody>
+      </p:sp>
     </p:spTree>
     <p:extLst>
       <p:ext uri="{BB962C8B-B14F-4D97-AF65-F5344CB8AC3E}">
-        <p14:creationId xmlns:p14="http://schemas.microsoft.com/office/powerpoint/2010/main" val="3275510606"/>
+        <p14:creationId xmlns:p14="http://schemas.microsoft.com/office/powerpoint/2010/main" val="3925347034"/>
       </p:ext>
     </p:extLst>
   </p:cSld>
@@ -3976,7 +4537,7 @@
                 <a:latin typeface="Times New Roman" panose="02020603050405020304" pitchFamily="18" charset="0"/>
                 <a:cs typeface="Times New Roman" panose="02020603050405020304" pitchFamily="18" charset="0"/>
               </a:rPr>
-              <a:t>Diagrams</a:t>
+              <a:t>Planning</a:t>
             </a:r>
             <a:endParaRPr lang="en-GB" dirty="0">
               <a:latin typeface="Times New Roman" panose="02020603050405020304" pitchFamily="18" charset="0"/>
@@ -3987,35 +4548,92 @@
       </p:sp>
       <p:sp>
         <p:nvSpPr>
-          <p:cNvPr id="3" name="Content Placeholder 2"/>
-          <p:cNvSpPr>
-            <a:spLocks noGrp="1"/>
-          </p:cNvSpPr>
-          <p:nvPr>
-            <p:ph idx="1"/>
-          </p:nvPr>
-        </p:nvSpPr>
-        <p:spPr>
-          <a:xfrm>
-            <a:off x="838200" y="1139825"/>
-            <a:ext cx="10515600" cy="4351338"/>
-          </a:xfrm>
-        </p:spPr>
-        <p:txBody>
-          <a:bodyPr/>
-          <a:lstStyle/>
-          <a:p>
-            <a:endParaRPr lang="en-GB" dirty="0">
+          <p:cNvPr id="5" name="Rectangle 4"/>
+          <p:cNvSpPr/>
+          <p:nvPr/>
+        </p:nvSpPr>
+        <p:spPr>
+          <a:xfrm>
+            <a:off x="838200" y="1393370"/>
+            <a:ext cx="2628899" cy="4143829"/>
+          </a:xfrm>
+          <a:prstGeom prst="rect">
+            <a:avLst/>
+          </a:prstGeom>
+          <a:solidFill>
+            <a:srgbClr val="7030A0"/>
+          </a:solidFill>
+        </p:spPr>
+        <p:style>
+          <a:lnRef idx="2">
+            <a:schemeClr val="accent1">
+              <a:shade val="50000"/>
+            </a:schemeClr>
+          </a:lnRef>
+          <a:fillRef idx="1">
+            <a:schemeClr val="accent1"/>
+          </a:fillRef>
+          <a:effectRef idx="0">
+            <a:schemeClr val="accent1"/>
+          </a:effectRef>
+          <a:fontRef idx="minor">
+            <a:schemeClr val="lt1"/>
+          </a:fontRef>
+        </p:style>
+        <p:txBody>
+          <a:bodyPr rtlCol="0" anchor="ctr"/>
+          <a:lstStyle/>
+          <a:p>
+            <a:pPr algn="ctr"/>
+            <a:r>
+              <a:rPr lang="en-GB" sz="2800" b="1" dirty="0" smtClean="0">
+                <a:latin typeface="Times New Roman" panose="02020603050405020304" pitchFamily="18" charset="0"/>
+                <a:cs typeface="Times New Roman" panose="02020603050405020304" pitchFamily="18" charset="0"/>
+              </a:rPr>
+              <a:t>Planning</a:t>
+            </a:r>
+            <a:endParaRPr lang="en-GB" sz="2800" b="1" dirty="0">
               <a:latin typeface="Times New Roman" panose="02020603050405020304" pitchFamily="18" charset="0"/>
               <a:cs typeface="Times New Roman" panose="02020603050405020304" pitchFamily="18" charset="0"/>
             </a:endParaRPr>
           </a:p>
         </p:txBody>
       </p:sp>
+      <p:sp>
+        <p:nvSpPr>
+          <p:cNvPr id="8" name="Rectangle 7"/>
+          <p:cNvSpPr/>
+          <p:nvPr/>
+        </p:nvSpPr>
+        <p:spPr>
+          <a:xfrm>
+            <a:off x="3924300" y="1576685"/>
+            <a:ext cx="6096000" cy="923330"/>
+          </a:xfrm>
+          <a:prstGeom prst="rect">
+            <a:avLst/>
+          </a:prstGeom>
+        </p:spPr>
+        <p:txBody>
+          <a:bodyPr>
+            <a:spAutoFit/>
+          </a:bodyPr>
+          <a:lstStyle/>
+          <a:p>
+            <a:r>
+              <a:rPr lang="en-GB" dirty="0">
+                <a:latin typeface="Söhne"/>
+              </a:rPr>
+              <a:t>The project is systematically broken down into iterative cycles, known as sprints, allowing for regular reassessment and adaptation</a:t>
+            </a:r>
+            <a:endParaRPr lang="en-GB" dirty="0"/>
+          </a:p>
+        </p:txBody>
+      </p:sp>
     </p:spTree>
     <p:extLst>
       <p:ext uri="{BB962C8B-B14F-4D97-AF65-F5344CB8AC3E}">
-        <p14:creationId xmlns:p14="http://schemas.microsoft.com/office/powerpoint/2010/main" val="1222762119"/>
+        <p14:creationId xmlns:p14="http://schemas.microsoft.com/office/powerpoint/2010/main" val="196761670"/>
       </p:ext>
     </p:extLst>
   </p:cSld>
@@ -4074,7 +4692,7 @@
                 <a:latin typeface="Times New Roman" panose="02020603050405020304" pitchFamily="18" charset="0"/>
                 <a:cs typeface="Times New Roman" panose="02020603050405020304" pitchFamily="18" charset="0"/>
               </a:rPr>
-              <a:t>Result</a:t>
+              <a:t>Algorithm Implementation</a:t>
             </a:r>
             <a:endParaRPr lang="en-GB" dirty="0">
               <a:latin typeface="Times New Roman" panose="02020603050405020304" pitchFamily="18" charset="0"/>
@@ -4085,35 +4703,262 @@
       </p:sp>
       <p:sp>
         <p:nvSpPr>
-          <p:cNvPr id="3" name="Content Placeholder 2"/>
-          <p:cNvSpPr>
-            <a:spLocks noGrp="1"/>
-          </p:cNvSpPr>
-          <p:nvPr>
-            <p:ph idx="1"/>
-          </p:nvPr>
-        </p:nvSpPr>
-        <p:spPr>
-          <a:xfrm>
-            <a:off x="838200" y="1139825"/>
-            <a:ext cx="10515600" cy="4351338"/>
-          </a:xfrm>
-        </p:spPr>
-        <p:txBody>
-          <a:bodyPr/>
-          <a:lstStyle/>
-          <a:p>
-            <a:endParaRPr lang="en-GB" dirty="0">
+          <p:cNvPr id="3" name="TextBox 2"/>
+          <p:cNvSpPr txBox="1"/>
+          <p:nvPr/>
+        </p:nvSpPr>
+        <p:spPr>
+          <a:xfrm>
+            <a:off x="4171949" y="2305973"/>
+            <a:ext cx="6654800" cy="3416320"/>
+          </a:xfrm>
+          <a:prstGeom prst="rect">
+            <a:avLst/>
+          </a:prstGeom>
+          <a:noFill/>
+        </p:spPr>
+        <p:txBody>
+          <a:bodyPr wrap="square" rtlCol="0">
+            <a:spAutoFit/>
+          </a:bodyPr>
+          <a:lstStyle/>
+          <a:p>
+            <a:pPr marL="285750" indent="-285750">
+              <a:buFont typeface="Arial" panose="020B0604020202020204" pitchFamily="34" charset="0"/>
+              <a:buChar char="•"/>
+            </a:pPr>
+            <a:r>
+              <a:rPr lang="en-GB" sz="2400" b="1" dirty="0">
+                <a:latin typeface="Times New Roman" panose="02020603050405020304" pitchFamily="18" charset="0"/>
+                <a:cs typeface="Times New Roman" panose="02020603050405020304" pitchFamily="18" charset="0"/>
+              </a:rPr>
+              <a:t>Vector </a:t>
+            </a:r>
+            <a:r>
+              <a:rPr lang="en-GB" sz="2400" b="1" dirty="0" smtClean="0">
+                <a:latin typeface="Times New Roman" panose="02020603050405020304" pitchFamily="18" charset="0"/>
+                <a:cs typeface="Times New Roman" panose="02020603050405020304" pitchFamily="18" charset="0"/>
+              </a:rPr>
+              <a:t>Representation</a:t>
+            </a:r>
+            <a:br>
+              <a:rPr lang="en-GB" sz="2400" b="1" dirty="0" smtClean="0">
+                <a:latin typeface="Times New Roman" panose="02020603050405020304" pitchFamily="18" charset="0"/>
+                <a:cs typeface="Times New Roman" panose="02020603050405020304" pitchFamily="18" charset="0"/>
+              </a:rPr>
+            </a:br>
+            <a:endParaRPr lang="en-GB" sz="2400" b="1" dirty="0" smtClean="0">
               <a:latin typeface="Times New Roman" panose="02020603050405020304" pitchFamily="18" charset="0"/>
               <a:cs typeface="Times New Roman" panose="02020603050405020304" pitchFamily="18" charset="0"/>
             </a:endParaRPr>
           </a:p>
-        </p:txBody>
-      </p:sp>
+          <a:p>
+            <a:pPr marL="285750" indent="-285750">
+              <a:buFont typeface="Arial" panose="020B0604020202020204" pitchFamily="34" charset="0"/>
+              <a:buChar char="•"/>
+            </a:pPr>
+            <a:r>
+              <a:rPr lang="en-GB" sz="2400" b="1" dirty="0">
+                <a:latin typeface="Times New Roman" panose="02020603050405020304" pitchFamily="18" charset="0"/>
+                <a:cs typeface="Times New Roman" panose="02020603050405020304" pitchFamily="18" charset="0"/>
+              </a:rPr>
+              <a:t>Dot </a:t>
+            </a:r>
+            <a:r>
+              <a:rPr lang="en-GB" sz="2400" b="1" dirty="0" smtClean="0">
+                <a:latin typeface="Times New Roman" panose="02020603050405020304" pitchFamily="18" charset="0"/>
+                <a:cs typeface="Times New Roman" panose="02020603050405020304" pitchFamily="18" charset="0"/>
+              </a:rPr>
+              <a:t>Product</a:t>
+            </a:r>
+          </a:p>
+          <a:p>
+            <a:pPr marL="285750" indent="-285750">
+              <a:buFont typeface="Arial" panose="020B0604020202020204" pitchFamily="34" charset="0"/>
+              <a:buChar char="•"/>
+            </a:pPr>
+            <a:endParaRPr lang="en-GB" sz="2400" b="1" dirty="0">
+              <a:latin typeface="Times New Roman" panose="02020603050405020304" pitchFamily="18" charset="0"/>
+              <a:cs typeface="Times New Roman" panose="02020603050405020304" pitchFamily="18" charset="0"/>
+            </a:endParaRPr>
+          </a:p>
+          <a:p>
+            <a:pPr marL="285750" indent="-285750">
+              <a:buFont typeface="Arial" panose="020B0604020202020204" pitchFamily="34" charset="0"/>
+              <a:buChar char="•"/>
+            </a:pPr>
+            <a:r>
+              <a:rPr lang="en-GB" sz="2400" b="1" dirty="0" smtClean="0">
+                <a:latin typeface="Times New Roman" panose="02020603050405020304" pitchFamily="18" charset="0"/>
+                <a:cs typeface="Times New Roman" panose="02020603050405020304" pitchFamily="18" charset="0"/>
+              </a:rPr>
+              <a:t>Normalization</a:t>
+            </a:r>
+          </a:p>
+          <a:p>
+            <a:pPr marL="285750" indent="-285750">
+              <a:buFont typeface="Arial" panose="020B0604020202020204" pitchFamily="34" charset="0"/>
+              <a:buChar char="•"/>
+            </a:pPr>
+            <a:endParaRPr lang="en-GB" sz="2400" b="1" dirty="0">
+              <a:latin typeface="Times New Roman" panose="02020603050405020304" pitchFamily="18" charset="0"/>
+              <a:cs typeface="Times New Roman" panose="02020603050405020304" pitchFamily="18" charset="0"/>
+            </a:endParaRPr>
+          </a:p>
+          <a:p>
+            <a:pPr marL="285750" indent="-285750">
+              <a:buFont typeface="Arial" panose="020B0604020202020204" pitchFamily="34" charset="0"/>
+              <a:buChar char="•"/>
+            </a:pPr>
+            <a:r>
+              <a:rPr lang="en-GB" sz="2400" b="1" dirty="0">
+                <a:latin typeface="Times New Roman" panose="02020603050405020304" pitchFamily="18" charset="0"/>
+                <a:cs typeface="Times New Roman" panose="02020603050405020304" pitchFamily="18" charset="0"/>
+              </a:rPr>
+              <a:t>Angle </a:t>
+            </a:r>
+            <a:r>
+              <a:rPr lang="en-GB" sz="2400" b="1" dirty="0" smtClean="0">
+                <a:latin typeface="Times New Roman" panose="02020603050405020304" pitchFamily="18" charset="0"/>
+                <a:cs typeface="Times New Roman" panose="02020603050405020304" pitchFamily="18" charset="0"/>
+              </a:rPr>
+              <a:t>Calculation</a:t>
+            </a:r>
+          </a:p>
+          <a:p>
+            <a:pPr marL="285750" indent="-285750">
+              <a:buFont typeface="Arial" panose="020B0604020202020204" pitchFamily="34" charset="0"/>
+              <a:buChar char="•"/>
+            </a:pPr>
+            <a:endParaRPr lang="en-GB" sz="2400" b="1" dirty="0">
+              <a:latin typeface="Times New Roman" panose="02020603050405020304" pitchFamily="18" charset="0"/>
+              <a:cs typeface="Times New Roman" panose="02020603050405020304" pitchFamily="18" charset="0"/>
+            </a:endParaRPr>
+          </a:p>
+          <a:p>
+            <a:pPr marL="285750" indent="-285750">
+              <a:buFont typeface="Arial" panose="020B0604020202020204" pitchFamily="34" charset="0"/>
+              <a:buChar char="•"/>
+            </a:pPr>
+            <a:r>
+              <a:rPr lang="en-GB" sz="2400" b="1" dirty="0" smtClean="0">
+                <a:latin typeface="Times New Roman" panose="02020603050405020304" pitchFamily="18" charset="0"/>
+                <a:cs typeface="Times New Roman" panose="02020603050405020304" pitchFamily="18" charset="0"/>
+              </a:rPr>
+              <a:t>Similarity Value Calculation</a:t>
+            </a:r>
+            <a:endParaRPr lang="en-GB" sz="2400" dirty="0">
+              <a:latin typeface="Times New Roman" panose="02020603050405020304" pitchFamily="18" charset="0"/>
+              <a:cs typeface="Times New Roman" panose="02020603050405020304" pitchFamily="18" charset="0"/>
+            </a:endParaRPr>
+          </a:p>
+        </p:txBody>
+      </p:sp>
+      <p:sp>
+        <p:nvSpPr>
+          <p:cNvPr id="6" name="Rectangle 5"/>
+          <p:cNvSpPr/>
+          <p:nvPr/>
+        </p:nvSpPr>
+        <p:spPr>
+          <a:xfrm>
+            <a:off x="838200" y="1393370"/>
+            <a:ext cx="2628899" cy="4410530"/>
+          </a:xfrm>
+          <a:prstGeom prst="rect">
+            <a:avLst/>
+          </a:prstGeom>
+          <a:solidFill>
+            <a:srgbClr val="7030A0"/>
+          </a:solidFill>
+        </p:spPr>
+        <p:style>
+          <a:lnRef idx="2">
+            <a:schemeClr val="accent1">
+              <a:shade val="50000"/>
+            </a:schemeClr>
+          </a:lnRef>
+          <a:fillRef idx="1">
+            <a:schemeClr val="accent1"/>
+          </a:fillRef>
+          <a:effectRef idx="0">
+            <a:schemeClr val="accent1"/>
+          </a:effectRef>
+          <a:fontRef idx="minor">
+            <a:schemeClr val="lt1"/>
+          </a:fontRef>
+        </p:style>
+        <p:txBody>
+          <a:bodyPr rtlCol="0" anchor="ctr"/>
+          <a:lstStyle/>
+          <a:p>
+            <a:pPr algn="ctr"/>
+            <a:r>
+              <a:rPr lang="en-GB" sz="2800" b="1" dirty="0" smtClean="0">
+                <a:latin typeface="Times New Roman" panose="02020603050405020304" pitchFamily="18" charset="0"/>
+                <a:cs typeface="Times New Roman" panose="02020603050405020304" pitchFamily="18" charset="0"/>
+              </a:rPr>
+              <a:t>Algorithm Implementation</a:t>
+            </a:r>
+            <a:endParaRPr lang="en-GB" sz="2800" b="1" dirty="0">
+              <a:latin typeface="Times New Roman" panose="02020603050405020304" pitchFamily="18" charset="0"/>
+              <a:cs typeface="Times New Roman" panose="02020603050405020304" pitchFamily="18" charset="0"/>
+            </a:endParaRPr>
+          </a:p>
+        </p:txBody>
+      </p:sp>
+      <p:pic>
+        <p:nvPicPr>
+          <p:cNvPr id="4" name="Picture 3"/>
+          <p:cNvPicPr>
+            <a:picLocks noChangeAspect="1"/>
+          </p:cNvPicPr>
+          <p:nvPr/>
+        </p:nvPicPr>
+        <p:blipFill>
+          <a:blip r:embed="rId2"/>
+          <a:stretch>
+            <a:fillRect/>
+          </a:stretch>
+        </p:blipFill>
+        <p:spPr>
+          <a:xfrm>
+            <a:off x="3977998" y="1016000"/>
+            <a:ext cx="4637031" cy="1396827"/>
+          </a:xfrm>
+          <a:prstGeom prst="rect">
+            <a:avLst/>
+          </a:prstGeom>
+        </p:spPr>
+      </p:pic>
+      <p:pic>
+        <p:nvPicPr>
+          <p:cNvPr id="7" name="Picture 6"/>
+          <p:cNvPicPr>
+            <a:picLocks noChangeAspect="1"/>
+          </p:cNvPicPr>
+          <p:nvPr/>
+        </p:nvPicPr>
+        <p:blipFill>
+          <a:blip r:embed="rId3"/>
+          <a:stretch>
+            <a:fillRect/>
+          </a:stretch>
+        </p:blipFill>
+        <p:spPr>
+          <a:xfrm>
+            <a:off x="8807449" y="614362"/>
+            <a:ext cx="3283119" cy="1695537"/>
+          </a:xfrm>
+          <a:prstGeom prst="rect">
+            <a:avLst/>
+          </a:prstGeom>
+        </p:spPr>
+      </p:pic>
     </p:spTree>
     <p:extLst>
       <p:ext uri="{BB962C8B-B14F-4D97-AF65-F5344CB8AC3E}">
-        <p14:creationId xmlns:p14="http://schemas.microsoft.com/office/powerpoint/2010/main" val="2009084186"/>
+        <p14:creationId xmlns:p14="http://schemas.microsoft.com/office/powerpoint/2010/main" val="478258107"/>
       </p:ext>
     </p:extLst>
   </p:cSld>
@@ -4172,7 +5017,7 @@
                 <a:latin typeface="Times New Roman" panose="02020603050405020304" pitchFamily="18" charset="0"/>
                 <a:cs typeface="Times New Roman" panose="02020603050405020304" pitchFamily="18" charset="0"/>
               </a:rPr>
-              <a:t>Task Remaining</a:t>
+              <a:t>Review</a:t>
             </a:r>
             <a:endParaRPr lang="en-GB" dirty="0">
               <a:latin typeface="Times New Roman" panose="02020603050405020304" pitchFamily="18" charset="0"/>
@@ -4183,35 +5028,171 @@
       </p:sp>
       <p:sp>
         <p:nvSpPr>
-          <p:cNvPr id="3" name="Content Placeholder 2"/>
-          <p:cNvSpPr>
-            <a:spLocks noGrp="1"/>
-          </p:cNvSpPr>
-          <p:nvPr>
-            <p:ph idx="1"/>
-          </p:nvPr>
-        </p:nvSpPr>
-        <p:spPr>
-          <a:xfrm>
-            <a:off x="838200" y="1139825"/>
-            <a:ext cx="10515600" cy="4351338"/>
-          </a:xfrm>
-        </p:spPr>
-        <p:txBody>
-          <a:bodyPr/>
-          <a:lstStyle/>
-          <a:p>
-            <a:endParaRPr lang="en-GB" dirty="0">
+          <p:cNvPr id="3" name="TextBox 2"/>
+          <p:cNvSpPr txBox="1"/>
+          <p:nvPr/>
+        </p:nvSpPr>
+        <p:spPr>
+          <a:xfrm>
+            <a:off x="4133849" y="1151811"/>
+            <a:ext cx="6654800" cy="4893647"/>
+          </a:xfrm>
+          <a:prstGeom prst="rect">
+            <a:avLst/>
+          </a:prstGeom>
+          <a:noFill/>
+        </p:spPr>
+        <p:txBody>
+          <a:bodyPr wrap="square" rtlCol="0">
+            <a:spAutoFit/>
+          </a:bodyPr>
+          <a:lstStyle/>
+          <a:p>
+            <a:pPr marL="285750" indent="-285750">
+              <a:buFont typeface="Arial" panose="020B0604020202020204" pitchFamily="34" charset="0"/>
+              <a:buChar char="•"/>
+            </a:pPr>
+            <a:r>
+              <a:rPr lang="en-GB" sz="2400" dirty="0" smtClean="0"/>
+              <a:t>This phase </a:t>
+            </a:r>
+            <a:r>
+              <a:rPr lang="en-GB" sz="2400" dirty="0"/>
+              <a:t>serves as a checkpoint for reflecting on challenges faced, adapting to evolving project requirements, and identifying opportunities for </a:t>
+            </a:r>
+            <a:r>
+              <a:rPr lang="en-GB" sz="2400" dirty="0" smtClean="0"/>
+              <a:t>refinement</a:t>
+            </a:r>
+          </a:p>
+          <a:p>
+            <a:pPr marL="285750" indent="-285750">
+              <a:buFont typeface="Arial" panose="020B0604020202020204" pitchFamily="34" charset="0"/>
+              <a:buChar char="•"/>
+            </a:pPr>
+            <a:endParaRPr lang="en-GB" sz="2400" dirty="0" smtClean="0"/>
+          </a:p>
+          <a:p>
+            <a:pPr marL="285750" indent="-285750">
+              <a:buFont typeface="Arial" panose="020B0604020202020204" pitchFamily="34" charset="0"/>
+              <a:buChar char="•"/>
+            </a:pPr>
+            <a:r>
+              <a:rPr lang="en-GB" sz="2400" dirty="0" smtClean="0"/>
+              <a:t>Regular </a:t>
+            </a:r>
+            <a:r>
+              <a:rPr lang="en-GB" sz="2400" dirty="0"/>
+              <a:t>reviews are conducted to assess the progress made during each iteration and </a:t>
+            </a:r>
+            <a:r>
+              <a:rPr lang="en-GB" sz="2400" dirty="0" smtClean="0"/>
+              <a:t>phase</a:t>
+            </a:r>
+          </a:p>
+          <a:p>
+            <a:pPr marL="285750" indent="-285750">
+              <a:buFont typeface="Arial" panose="020B0604020202020204" pitchFamily="34" charset="0"/>
+              <a:buChar char="•"/>
+            </a:pPr>
+            <a:endParaRPr lang="en-GB" sz="2400" dirty="0">
               <a:latin typeface="Times New Roman" panose="02020603050405020304" pitchFamily="18" charset="0"/>
               <a:cs typeface="Times New Roman" panose="02020603050405020304" pitchFamily="18" charset="0"/>
             </a:endParaRPr>
           </a:p>
+          <a:p>
+            <a:pPr marL="285750" indent="-285750">
+              <a:buFont typeface="Arial" panose="020B0604020202020204" pitchFamily="34" charset="0"/>
+              <a:buChar char="•"/>
+            </a:pPr>
+            <a:r>
+              <a:rPr lang="en-GB" sz="2400" dirty="0"/>
+              <a:t>technical reviews ensure that the implemented algorithms, such as the cosine similarity for resume analysis, are performing </a:t>
+            </a:r>
+            <a:r>
+              <a:rPr lang="en-GB" sz="2400" dirty="0" smtClean="0"/>
+              <a:t>optimally</a:t>
+            </a:r>
+          </a:p>
+          <a:p>
+            <a:pPr marL="285750" indent="-285750">
+              <a:buFont typeface="Arial" panose="020B0604020202020204" pitchFamily="34" charset="0"/>
+              <a:buChar char="•"/>
+            </a:pPr>
+            <a:endParaRPr lang="en-GB" sz="2400" dirty="0">
+              <a:latin typeface="Times New Roman" panose="02020603050405020304" pitchFamily="18" charset="0"/>
+              <a:cs typeface="Times New Roman" panose="02020603050405020304" pitchFamily="18" charset="0"/>
+            </a:endParaRPr>
+          </a:p>
+          <a:p>
+            <a:pPr marL="285750" indent="-285750">
+              <a:buFont typeface="Arial" panose="020B0604020202020204" pitchFamily="34" charset="0"/>
+              <a:buChar char="•"/>
+            </a:pPr>
+            <a:endParaRPr lang="en-GB" sz="2400" dirty="0">
+              <a:latin typeface="Times New Roman" panose="02020603050405020304" pitchFamily="18" charset="0"/>
+              <a:cs typeface="Times New Roman" panose="02020603050405020304" pitchFamily="18" charset="0"/>
+            </a:endParaRPr>
+          </a:p>
+        </p:txBody>
+      </p:sp>
+      <p:sp>
+        <p:nvSpPr>
+          <p:cNvPr id="6" name="Rectangle 5"/>
+          <p:cNvSpPr/>
+          <p:nvPr/>
+        </p:nvSpPr>
+        <p:spPr>
+          <a:xfrm>
+            <a:off x="838200" y="1393370"/>
+            <a:ext cx="2628899" cy="4410530"/>
+          </a:xfrm>
+          <a:prstGeom prst="rect">
+            <a:avLst/>
+          </a:prstGeom>
+          <a:solidFill>
+            <a:srgbClr val="7030A0"/>
+          </a:solidFill>
+        </p:spPr>
+        <p:style>
+          <a:lnRef idx="2">
+            <a:schemeClr val="accent1">
+              <a:shade val="50000"/>
+            </a:schemeClr>
+          </a:lnRef>
+          <a:fillRef idx="1">
+            <a:schemeClr val="accent1"/>
+          </a:fillRef>
+          <a:effectRef idx="0">
+            <a:schemeClr val="accent1"/>
+          </a:effectRef>
+          <a:fontRef idx="minor">
+            <a:schemeClr val="lt1"/>
+          </a:fontRef>
+        </p:style>
+        <p:txBody>
+          <a:bodyPr rtlCol="0" anchor="ctr"/>
+          <a:lstStyle/>
+          <a:p>
+            <a:pPr algn="ctr"/>
+            <a:r>
+              <a:rPr lang="en-GB" sz="2800" b="1" dirty="0" smtClean="0">
+                <a:latin typeface="Times New Roman" panose="02020603050405020304" pitchFamily="18" charset="0"/>
+                <a:cs typeface="Times New Roman" panose="02020603050405020304" pitchFamily="18" charset="0"/>
+              </a:rPr>
+              <a:t>Review</a:t>
+            </a:r>
+            <a:endParaRPr lang="en-GB" sz="2800" b="1" dirty="0">
+              <a:latin typeface="Times New Roman" panose="02020603050405020304" pitchFamily="18" charset="0"/>
+              <a:cs typeface="Times New Roman" panose="02020603050405020304" pitchFamily="18" charset="0"/>
+            </a:endParaRPr>
+          </a:p>
         </p:txBody>
       </p:sp>
     </p:spTree>
     <p:extLst>
       <p:ext uri="{BB962C8B-B14F-4D97-AF65-F5344CB8AC3E}">
-        <p14:creationId xmlns:p14="http://schemas.microsoft.com/office/powerpoint/2010/main" val="3442637903"/>
+        <p14:creationId xmlns:p14="http://schemas.microsoft.com/office/powerpoint/2010/main" val="1267560294"/>
       </p:ext>
     </p:extLst>
   </p:cSld>
@@ -4270,7 +5251,7 @@
                 <a:latin typeface="Times New Roman" panose="02020603050405020304" pitchFamily="18" charset="0"/>
                 <a:cs typeface="Times New Roman" panose="02020603050405020304" pitchFamily="18" charset="0"/>
               </a:rPr>
-              <a:t>References</a:t>
+              <a:t>Retrospect</a:t>
             </a:r>
             <a:endParaRPr lang="en-GB" dirty="0">
               <a:latin typeface="Times New Roman" panose="02020603050405020304" pitchFamily="18" charset="0"/>
@@ -4281,35 +5262,166 @@
       </p:sp>
       <p:sp>
         <p:nvSpPr>
-          <p:cNvPr id="3" name="Content Placeholder 2"/>
-          <p:cNvSpPr>
-            <a:spLocks noGrp="1"/>
-          </p:cNvSpPr>
-          <p:nvPr>
-            <p:ph idx="1"/>
-          </p:nvPr>
-        </p:nvSpPr>
-        <p:spPr>
-          <a:xfrm>
-            <a:off x="838200" y="1139825"/>
-            <a:ext cx="10515600" cy="4351338"/>
-          </a:xfrm>
-        </p:spPr>
-        <p:txBody>
-          <a:bodyPr/>
-          <a:lstStyle/>
-          <a:p>
-            <a:endParaRPr lang="en-GB" dirty="0">
+          <p:cNvPr id="3" name="TextBox 2"/>
+          <p:cNvSpPr txBox="1"/>
+          <p:nvPr/>
+        </p:nvSpPr>
+        <p:spPr>
+          <a:xfrm>
+            <a:off x="4171949" y="1393370"/>
+            <a:ext cx="6654800" cy="4524315"/>
+          </a:xfrm>
+          <a:prstGeom prst="rect">
+            <a:avLst/>
+          </a:prstGeom>
+          <a:noFill/>
+        </p:spPr>
+        <p:txBody>
+          <a:bodyPr wrap="square" rtlCol="0">
+            <a:spAutoFit/>
+          </a:bodyPr>
+          <a:lstStyle/>
+          <a:p>
+            <a:pPr marL="285750" indent="-285750">
+              <a:buFont typeface="Arial" panose="020B0604020202020204" pitchFamily="34" charset="0"/>
+              <a:buChar char="•"/>
+            </a:pPr>
+            <a:r>
+              <a:rPr lang="en-GB" sz="2400" dirty="0"/>
+              <a:t>This phase is crucial for understanding what worked well, identifying areas for improvement, and capturing lessons </a:t>
+            </a:r>
+            <a:r>
+              <a:rPr lang="en-GB" sz="2400" dirty="0" smtClean="0"/>
+              <a:t>learned</a:t>
+            </a:r>
+          </a:p>
+          <a:p>
+            <a:pPr marL="285750" indent="-285750">
+              <a:buFont typeface="Arial" panose="020B0604020202020204" pitchFamily="34" charset="0"/>
+              <a:buChar char="•"/>
+            </a:pPr>
+            <a:endParaRPr lang="en-GB" sz="2400" dirty="0">
               <a:latin typeface="Times New Roman" panose="02020603050405020304" pitchFamily="18" charset="0"/>
               <a:cs typeface="Times New Roman" panose="02020603050405020304" pitchFamily="18" charset="0"/>
             </a:endParaRPr>
           </a:p>
+          <a:p>
+            <a:pPr marL="285750" indent="-285750">
+              <a:buFont typeface="Arial" panose="020B0604020202020204" pitchFamily="34" charset="0"/>
+              <a:buChar char="•"/>
+            </a:pPr>
+            <a:r>
+              <a:rPr lang="en-GB" sz="2400" dirty="0"/>
+              <a:t>the team reflects on project milestones, collaboration effectiveness, and the implementation of </a:t>
+            </a:r>
+            <a:r>
+              <a:rPr lang="en-GB" sz="2400" dirty="0" smtClean="0"/>
+              <a:t>features</a:t>
+            </a:r>
+          </a:p>
+          <a:p>
+            <a:pPr marL="285750" indent="-285750">
+              <a:buFont typeface="Arial" panose="020B0604020202020204" pitchFamily="34" charset="0"/>
+              <a:buChar char="•"/>
+            </a:pPr>
+            <a:endParaRPr lang="en-GB" sz="2400" dirty="0">
+              <a:latin typeface="Times New Roman" panose="02020603050405020304" pitchFamily="18" charset="0"/>
+              <a:cs typeface="Times New Roman" panose="02020603050405020304" pitchFamily="18" charset="0"/>
+            </a:endParaRPr>
+          </a:p>
+          <a:p>
+            <a:pPr marL="285750" indent="-285750">
+              <a:buFont typeface="Arial" panose="020B0604020202020204" pitchFamily="34" charset="0"/>
+              <a:buChar char="•"/>
+            </a:pPr>
+            <a:r>
+              <a:rPr lang="en-GB" sz="2400" dirty="0"/>
+              <a:t>reviews are incorporated into future plans, enhancing the system's overall </a:t>
+            </a:r>
+            <a:r>
+              <a:rPr lang="en-GB" sz="2400" dirty="0" smtClean="0"/>
+              <a:t>performance</a:t>
+            </a:r>
+          </a:p>
+          <a:p>
+            <a:pPr marL="285750" indent="-285750">
+              <a:buFont typeface="Arial" panose="020B0604020202020204" pitchFamily="34" charset="0"/>
+              <a:buChar char="•"/>
+            </a:pPr>
+            <a:endParaRPr lang="en-GB" sz="2400" dirty="0">
+              <a:latin typeface="Times New Roman" panose="02020603050405020304" pitchFamily="18" charset="0"/>
+              <a:cs typeface="Times New Roman" panose="02020603050405020304" pitchFamily="18" charset="0"/>
+            </a:endParaRPr>
+          </a:p>
+          <a:p>
+            <a:pPr marL="285750" indent="-285750">
+              <a:buFont typeface="Arial" panose="020B0604020202020204" pitchFamily="34" charset="0"/>
+              <a:buChar char="•"/>
+            </a:pPr>
+            <a:endParaRPr lang="en-GB" sz="2400" dirty="0">
+              <a:latin typeface="Times New Roman" panose="02020603050405020304" pitchFamily="18" charset="0"/>
+              <a:cs typeface="Times New Roman" panose="02020603050405020304" pitchFamily="18" charset="0"/>
+            </a:endParaRPr>
+          </a:p>
+        </p:txBody>
+      </p:sp>
+      <p:sp>
+        <p:nvSpPr>
+          <p:cNvPr id="6" name="Rectangle 5"/>
+          <p:cNvSpPr/>
+          <p:nvPr/>
+        </p:nvSpPr>
+        <p:spPr>
+          <a:xfrm>
+            <a:off x="838200" y="1393370"/>
+            <a:ext cx="2628899" cy="4410530"/>
+          </a:xfrm>
+          <a:prstGeom prst="rect">
+            <a:avLst/>
+          </a:prstGeom>
+          <a:solidFill>
+            <a:srgbClr val="7030A0"/>
+          </a:solidFill>
+        </p:spPr>
+        <p:style>
+          <a:lnRef idx="2">
+            <a:schemeClr val="accent1">
+              <a:shade val="50000"/>
+            </a:schemeClr>
+          </a:lnRef>
+          <a:fillRef idx="1">
+            <a:schemeClr val="accent1"/>
+          </a:fillRef>
+          <a:effectRef idx="0">
+            <a:schemeClr val="accent1"/>
+          </a:effectRef>
+          <a:fontRef idx="minor">
+            <a:schemeClr val="lt1"/>
+          </a:fontRef>
+        </p:style>
+        <p:txBody>
+          <a:bodyPr rtlCol="0" anchor="ctr"/>
+          <a:lstStyle/>
+          <a:p>
+            <a:pPr algn="ctr"/>
+            <a:r>
+              <a:rPr lang="en-GB" sz="2800" b="1" dirty="0" smtClean="0">
+                <a:latin typeface="Times New Roman" panose="02020603050405020304" pitchFamily="18" charset="0"/>
+                <a:cs typeface="Times New Roman" panose="02020603050405020304" pitchFamily="18" charset="0"/>
+              </a:rPr>
+              <a:t>Retrospect</a:t>
+            </a:r>
+            <a:endParaRPr lang="en-GB" sz="2800" b="1" dirty="0">
+              <a:latin typeface="Times New Roman" panose="02020603050405020304" pitchFamily="18" charset="0"/>
+              <a:cs typeface="Times New Roman" panose="02020603050405020304" pitchFamily="18" charset="0"/>
+            </a:endParaRPr>
+          </a:p>
         </p:txBody>
       </p:sp>
     </p:spTree>
     <p:extLst>
       <p:ext uri="{BB962C8B-B14F-4D97-AF65-F5344CB8AC3E}">
-        <p14:creationId xmlns:p14="http://schemas.microsoft.com/office/powerpoint/2010/main" val="3204088024"/>
+        <p14:creationId xmlns:p14="http://schemas.microsoft.com/office/powerpoint/2010/main" val="2902815381"/>
       </p:ext>
     </p:extLst>
   </p:cSld>
@@ -4343,116 +5455,296 @@
           <a:chExt cx="0" cy="0"/>
         </a:xfrm>
       </p:grpSpPr>
+      <p:sp>
+        <p:nvSpPr>
+          <p:cNvPr id="2" name="Title 1"/>
+          <p:cNvSpPr>
+            <a:spLocks noGrp="1"/>
+          </p:cNvSpPr>
+          <p:nvPr>
+            <p:ph type="title"/>
+          </p:nvPr>
+        </p:nvSpPr>
+        <p:spPr>
+          <a:xfrm>
+            <a:off x="838200" y="212725"/>
+            <a:ext cx="10515600" cy="803275"/>
+          </a:xfrm>
+        </p:spPr>
+        <p:txBody>
+          <a:bodyPr/>
+          <a:lstStyle/>
+          <a:p>
+            <a:r>
+              <a:rPr lang="en-GB" dirty="0" smtClean="0">
+                <a:latin typeface="Times New Roman" panose="02020603050405020304" pitchFamily="18" charset="0"/>
+                <a:cs typeface="Times New Roman" panose="02020603050405020304" pitchFamily="18" charset="0"/>
+              </a:rPr>
+              <a:t>Tools Used</a:t>
+            </a:r>
+            <a:endParaRPr lang="en-GB" dirty="0">
+              <a:latin typeface="Times New Roman" panose="02020603050405020304" pitchFamily="18" charset="0"/>
+              <a:cs typeface="Times New Roman" panose="02020603050405020304" pitchFamily="18" charset="0"/>
+            </a:endParaRPr>
+          </a:p>
+        </p:txBody>
+      </p:sp>
+      <p:sp>
+        <p:nvSpPr>
+          <p:cNvPr id="3" name="Content Placeholder 2"/>
+          <p:cNvSpPr>
+            <a:spLocks noGrp="1"/>
+          </p:cNvSpPr>
+          <p:nvPr>
+            <p:ph idx="1"/>
+          </p:nvPr>
+        </p:nvSpPr>
+        <p:spPr>
+          <a:xfrm>
+            <a:off x="838200" y="1139825"/>
+            <a:ext cx="10515600" cy="4351338"/>
+          </a:xfrm>
+        </p:spPr>
+        <p:txBody>
+          <a:bodyPr/>
+          <a:lstStyle/>
+          <a:p>
+            <a:r>
+              <a:rPr lang="en-GB" dirty="0" err="1" smtClean="0">
+                <a:latin typeface="Times New Roman" panose="02020603050405020304" pitchFamily="18" charset="0"/>
+                <a:cs typeface="Times New Roman" panose="02020603050405020304" pitchFamily="18" charset="0"/>
+              </a:rPr>
+              <a:t>Django</a:t>
+            </a:r>
+            <a:endParaRPr lang="en-GB" dirty="0" smtClean="0">
+              <a:latin typeface="Times New Roman" panose="02020603050405020304" pitchFamily="18" charset="0"/>
+              <a:cs typeface="Times New Roman" panose="02020603050405020304" pitchFamily="18" charset="0"/>
+            </a:endParaRPr>
+          </a:p>
+          <a:p>
+            <a:r>
+              <a:rPr lang="en-GB" dirty="0" err="1" smtClean="0">
+                <a:latin typeface="Times New Roman" panose="02020603050405020304" pitchFamily="18" charset="0"/>
+                <a:cs typeface="Times New Roman" panose="02020603050405020304" pitchFamily="18" charset="0"/>
+              </a:rPr>
+              <a:t>Github</a:t>
+            </a:r>
+            <a:endParaRPr lang="en-GB" dirty="0" smtClean="0">
+              <a:latin typeface="Times New Roman" panose="02020603050405020304" pitchFamily="18" charset="0"/>
+              <a:cs typeface="Times New Roman" panose="02020603050405020304" pitchFamily="18" charset="0"/>
+            </a:endParaRPr>
+          </a:p>
+          <a:p>
+            <a:r>
+              <a:rPr lang="en-GB" dirty="0" smtClean="0">
+                <a:latin typeface="Times New Roman" panose="02020603050405020304" pitchFamily="18" charset="0"/>
+                <a:cs typeface="Times New Roman" panose="02020603050405020304" pitchFamily="18" charset="0"/>
+              </a:rPr>
+              <a:t>Visual Studio Code</a:t>
+            </a:r>
+          </a:p>
+          <a:p>
+            <a:r>
+              <a:rPr lang="en-GB" dirty="0" err="1" smtClean="0">
+                <a:latin typeface="Times New Roman" panose="02020603050405020304" pitchFamily="18" charset="0"/>
+                <a:cs typeface="Times New Roman" panose="02020603050405020304" pitchFamily="18" charset="0"/>
+              </a:rPr>
+              <a:t>Figma</a:t>
+            </a:r>
+            <a:endParaRPr lang="en-GB" dirty="0" smtClean="0">
+              <a:latin typeface="Times New Roman" panose="02020603050405020304" pitchFamily="18" charset="0"/>
+              <a:cs typeface="Times New Roman" panose="02020603050405020304" pitchFamily="18" charset="0"/>
+            </a:endParaRPr>
+          </a:p>
+          <a:p>
+            <a:r>
+              <a:rPr lang="en-GB" dirty="0" smtClean="0">
+                <a:latin typeface="Times New Roman" panose="02020603050405020304" pitchFamily="18" charset="0"/>
+                <a:cs typeface="Times New Roman" panose="02020603050405020304" pitchFamily="18" charset="0"/>
+              </a:rPr>
+              <a:t>Draw.io</a:t>
+            </a:r>
+          </a:p>
+          <a:p>
+            <a:r>
+              <a:rPr lang="en-GB" dirty="0" smtClean="0">
+                <a:latin typeface="Times New Roman" panose="02020603050405020304" pitchFamily="18" charset="0"/>
+                <a:cs typeface="Times New Roman" panose="02020603050405020304" pitchFamily="18" charset="0"/>
+              </a:rPr>
+              <a:t>Overleaf</a:t>
+            </a:r>
+            <a:endParaRPr lang="en-GB" dirty="0">
+              <a:latin typeface="Times New Roman" panose="02020603050405020304" pitchFamily="18" charset="0"/>
+              <a:cs typeface="Times New Roman" panose="02020603050405020304" pitchFamily="18" charset="0"/>
+            </a:endParaRPr>
+          </a:p>
+        </p:txBody>
+      </p:sp>
+    </p:spTree>
+    <p:extLst>
+      <p:ext uri="{BB962C8B-B14F-4D97-AF65-F5344CB8AC3E}">
+        <p14:creationId xmlns:p14="http://schemas.microsoft.com/office/powerpoint/2010/main" val="2721276856"/>
+      </p:ext>
+    </p:extLst>
+  </p:cSld>
+  <p:clrMapOvr>
+    <a:masterClrMapping/>
+  </p:clrMapOvr>
+  <p:timing>
+    <p:tnLst>
+      <p:par>
+        <p:cTn id="1" dur="indefinite" restart="never" nodeType="tmRoot"/>
+      </p:par>
+    </p:tnLst>
+  </p:timing>
+</p:sld>
+</file>
+
+<file path=ppt/slides/slide17.xml><?xml version="1.0" encoding="utf-8"?>
+<p:sld xmlns:a="http://schemas.openxmlformats.org/drawingml/2006/main" xmlns:r="http://schemas.openxmlformats.org/officeDocument/2006/relationships" xmlns:p="http://schemas.openxmlformats.org/presentationml/2006/main">
+  <p:cSld>
+    <p:spTree>
+      <p:nvGrpSpPr>
+        <p:cNvPr id="1" name=""/>
+        <p:cNvGrpSpPr/>
+        <p:nvPr/>
+      </p:nvGrpSpPr>
+      <p:grpSpPr>
+        <a:xfrm>
+          <a:off x="0" y="0"/>
+          <a:ext cx="0" cy="0"/>
+          <a:chOff x="0" y="0"/>
+          <a:chExt cx="0" cy="0"/>
+        </a:xfrm>
+      </p:grpSpPr>
+      <p:sp>
+        <p:nvSpPr>
+          <p:cNvPr id="2" name="Title 1"/>
+          <p:cNvSpPr>
+            <a:spLocks noGrp="1"/>
+          </p:cNvSpPr>
+          <p:nvPr>
+            <p:ph type="title"/>
+          </p:nvPr>
+        </p:nvSpPr>
+        <p:spPr>
+          <a:xfrm>
+            <a:off x="838200" y="212725"/>
+            <a:ext cx="10515600" cy="803275"/>
+          </a:xfrm>
+        </p:spPr>
+        <p:txBody>
+          <a:bodyPr/>
+          <a:lstStyle/>
+          <a:p>
+            <a:r>
+              <a:rPr lang="en-GB" dirty="0" smtClean="0">
+                <a:latin typeface="Times New Roman" panose="02020603050405020304" pitchFamily="18" charset="0"/>
+                <a:cs typeface="Times New Roman" panose="02020603050405020304" pitchFamily="18" charset="0"/>
+              </a:rPr>
+              <a:t>Proposed System Model</a:t>
+            </a:r>
+            <a:endParaRPr lang="en-GB" dirty="0">
+              <a:latin typeface="Times New Roman" panose="02020603050405020304" pitchFamily="18" charset="0"/>
+              <a:cs typeface="Times New Roman" panose="02020603050405020304" pitchFamily="18" charset="0"/>
+            </a:endParaRPr>
+          </a:p>
+        </p:txBody>
+      </p:sp>
       <p:pic>
         <p:nvPicPr>
-          <p:cNvPr id="2050" name="Picture 2" descr="Thank You Slides for PowerPoint and Google Slides Presentations"/>
+          <p:cNvPr id="14" name="Picture 13"/>
           <p:cNvPicPr>
-            <a:picLocks noChangeAspect="1" noChangeArrowheads="1"/>
+            <a:picLocks noChangeAspect="1"/>
           </p:cNvPicPr>
           <p:nvPr/>
         </p:nvPicPr>
         <p:blipFill>
-          <a:blip r:embed="rId2">
+          <a:blip r:embed="rId2" cstate="print">
             <a:extLst>
               <a:ext uri="{28A0092B-C50C-407E-A947-70E740481C1C}">
                 <a14:useLocalDpi xmlns:a14="http://schemas.microsoft.com/office/drawing/2010/main" val="0"/>
               </a:ext>
             </a:extLst>
           </a:blip>
-          <a:srcRect/>
           <a:stretch>
             <a:fillRect/>
           </a:stretch>
         </p:blipFill>
-        <p:spPr bwMode="auto">
-          <a:xfrm>
-            <a:off x="0" y="-355600"/>
-            <a:ext cx="12187146" cy="6858000"/>
+        <p:spPr>
+          <a:xfrm>
+            <a:off x="3324708" y="1016000"/>
+            <a:ext cx="3138981" cy="5504056"/>
           </a:xfrm>
           <a:prstGeom prst="rect">
             <a:avLst/>
           </a:prstGeom>
-          <a:noFill/>
-          <a:extLst>
-            <a:ext uri="{909E8E84-426E-40DD-AFC4-6F175D3DCCD1}">
-              <a14:hiddenFill xmlns:a14="http://schemas.microsoft.com/office/drawing/2010/main">
-                <a:solidFill>
-                  <a:srgbClr val="FFFFFF"/>
-                </a:solidFill>
-              </a14:hiddenFill>
-            </a:ext>
-          </a:extLst>
         </p:spPr>
       </p:pic>
       <p:sp>
         <p:nvSpPr>
-          <p:cNvPr id="6" name="Wave 5"/>
-          <p:cNvSpPr/>
+          <p:cNvPr id="15" name="Title 1"/>
+          <p:cNvSpPr txBox="1">
+            <a:spLocks/>
+          </p:cNvSpPr>
           <p:nvPr/>
         </p:nvSpPr>
         <p:spPr>
           <a:xfrm>
-            <a:off x="2474073" y="4749800"/>
-            <a:ext cx="7239000" cy="1828800"/>
-          </a:xfrm>
-          <a:prstGeom prst="wave">
+            <a:off x="9256060" y="5026771"/>
+            <a:ext cx="2460812" cy="638923"/>
+          </a:xfrm>
+          <a:prstGeom prst="rect">
             <a:avLst/>
           </a:prstGeom>
-          <a:ln>
-            <a:noFill/>
-          </a:ln>
-          <a:effectLst>
-            <a:outerShdw blurRad="190500" dist="228600" dir="2700000" algn="ctr">
-              <a:srgbClr val="000000">
-                <a:alpha val="30000"/>
-              </a:srgbClr>
-            </a:outerShdw>
-          </a:effectLst>
-          <a:scene3d>
-            <a:camera prst="orthographicFront">
-              <a:rot lat="0" lon="0" rev="0"/>
-            </a:camera>
-            <a:lightRig rig="glow" dir="t">
-              <a:rot lat="0" lon="0" rev="4800000"/>
-            </a:lightRig>
-          </a:scene3d>
-          <a:sp3d prstMaterial="matte">
-            <a:bevelT w="127000" h="63500"/>
-          </a:sp3d>
-        </p:spPr>
-        <p:style>
-          <a:lnRef idx="2">
-            <a:schemeClr val="dk1"/>
-          </a:lnRef>
-          <a:fillRef idx="1">
-            <a:schemeClr val="lt1"/>
-          </a:fillRef>
-          <a:effectRef idx="0">
-            <a:schemeClr val="dk1"/>
-          </a:effectRef>
-          <a:fontRef idx="minor">
-            <a:schemeClr val="dk1"/>
-          </a:fontRef>
-        </p:style>
-        <p:txBody>
-          <a:bodyPr rtlCol="0" anchor="ctr"/>
-          <a:lstStyle/>
-          <a:p>
-            <a:pPr algn="ctr"/>
-            <a:r>
-              <a:rPr lang="en-GB" sz="4400" b="1" dirty="0" smtClean="0">
+        </p:spPr>
+        <p:txBody>
+          <a:bodyPr vert="horz" lIns="91440" tIns="45720" rIns="91440" bIns="45720" rtlCol="0" anchor="ctr">
+            <a:normAutofit/>
+          </a:bodyPr>
+          <a:lstStyle>
+            <a:lvl1pPr algn="l" defTabSz="914400" rtl="0" eaLnBrk="1" latinLnBrk="0" hangingPunct="1">
+              <a:lnSpc>
+                <a:spcPct val="90000"/>
+              </a:lnSpc>
+              <a:spcBef>
+                <a:spcPct val="0"/>
+              </a:spcBef>
+              <a:buNone/>
+              <a:defRPr sz="4400" kern="1200">
                 <a:solidFill>
-                  <a:srgbClr val="383F76"/>
+                  <a:schemeClr val="tx1"/>
                 </a:solidFill>
+                <a:latin typeface="+mj-lt"/>
+                <a:ea typeface="+mj-ea"/>
+                <a:cs typeface="+mj-cs"/>
+              </a:defRPr>
+            </a:lvl1pPr>
+          </a:lstStyle>
+          <a:p>
+            <a:r>
+              <a:rPr lang="en-GB" sz="2000" u="sng" dirty="0" smtClean="0">
+                <a:effectLst>
+                  <a:outerShdw blurRad="38100" dist="38100" dir="2700000" algn="tl">
+                    <a:srgbClr val="000000">
+                      <a:alpha val="43137"/>
+                    </a:srgbClr>
+                  </a:outerShdw>
+                </a:effectLst>
                 <a:latin typeface="Times New Roman" panose="02020603050405020304" pitchFamily="18" charset="0"/>
                 <a:cs typeface="Times New Roman" panose="02020603050405020304" pitchFamily="18" charset="0"/>
-              </a:rPr>
-              <a:t>Questions?</a:t>
-            </a:r>
-            <a:endParaRPr lang="en-GB" sz="4400" b="1" dirty="0">
-              <a:solidFill>
-                <a:srgbClr val="383F76"/>
-              </a:solidFill>
+                <a:hlinkClick r:id="rId3" action="ppaction://hlinkfile"/>
+              </a:rPr>
+              <a:t>Tap to Open Diagram</a:t>
+            </a:r>
+            <a:endParaRPr lang="en-GB" sz="2000" u="sng" dirty="0">
+              <a:effectLst>
+                <a:outerShdw blurRad="38100" dist="38100" dir="2700000" algn="tl">
+                  <a:srgbClr val="000000">
+                    <a:alpha val="43137"/>
+                  </a:srgbClr>
+                </a:outerShdw>
+              </a:effectLst>
               <a:latin typeface="Times New Roman" panose="02020603050405020304" pitchFamily="18" charset="0"/>
               <a:cs typeface="Times New Roman" panose="02020603050405020304" pitchFamily="18" charset="0"/>
             </a:endParaRPr>
@@ -4462,7 +5754,394 @@
     </p:spTree>
     <p:extLst>
       <p:ext uri="{BB962C8B-B14F-4D97-AF65-F5344CB8AC3E}">
-        <p14:creationId xmlns:p14="http://schemas.microsoft.com/office/powerpoint/2010/main" val="2856582278"/>
+        <p14:creationId xmlns:p14="http://schemas.microsoft.com/office/powerpoint/2010/main" val="938341062"/>
+      </p:ext>
+    </p:extLst>
+  </p:cSld>
+  <p:clrMapOvr>
+    <a:masterClrMapping/>
+  </p:clrMapOvr>
+  <p:timing>
+    <p:tnLst>
+      <p:par>
+        <p:cTn id="1" dur="indefinite" restart="never" nodeType="tmRoot"/>
+      </p:par>
+    </p:tnLst>
+  </p:timing>
+</p:sld>
+</file>
+
+<file path=ppt/slides/slide18.xml><?xml version="1.0" encoding="utf-8"?>
+<p:sld xmlns:a="http://schemas.openxmlformats.org/drawingml/2006/main" xmlns:r="http://schemas.openxmlformats.org/officeDocument/2006/relationships" xmlns:p="http://schemas.openxmlformats.org/presentationml/2006/main">
+  <p:cSld>
+    <p:spTree>
+      <p:nvGrpSpPr>
+        <p:cNvPr id="1" name=""/>
+        <p:cNvGrpSpPr/>
+        <p:nvPr/>
+      </p:nvGrpSpPr>
+      <p:grpSpPr>
+        <a:xfrm>
+          <a:off x="0" y="0"/>
+          <a:ext cx="0" cy="0"/>
+          <a:chOff x="0" y="0"/>
+          <a:chExt cx="0" cy="0"/>
+        </a:xfrm>
+      </p:grpSpPr>
+      <p:sp>
+        <p:nvSpPr>
+          <p:cNvPr id="2" name="Title 1"/>
+          <p:cNvSpPr>
+            <a:spLocks noGrp="1"/>
+          </p:cNvSpPr>
+          <p:nvPr>
+            <p:ph type="title"/>
+          </p:nvPr>
+        </p:nvSpPr>
+        <p:spPr>
+          <a:xfrm>
+            <a:off x="838200" y="212725"/>
+            <a:ext cx="10515600" cy="803275"/>
+          </a:xfrm>
+        </p:spPr>
+        <p:txBody>
+          <a:bodyPr/>
+          <a:lstStyle/>
+          <a:p>
+            <a:r>
+              <a:rPr lang="en-GB" dirty="0" smtClean="0">
+                <a:latin typeface="Times New Roman" panose="02020603050405020304" pitchFamily="18" charset="0"/>
+                <a:cs typeface="Times New Roman" panose="02020603050405020304" pitchFamily="18" charset="0"/>
+              </a:rPr>
+              <a:t>Functional Requirement</a:t>
+            </a:r>
+            <a:endParaRPr lang="en-GB" dirty="0">
+              <a:latin typeface="Times New Roman" panose="02020603050405020304" pitchFamily="18" charset="0"/>
+              <a:cs typeface="Times New Roman" panose="02020603050405020304" pitchFamily="18" charset="0"/>
+            </a:endParaRPr>
+          </a:p>
+        </p:txBody>
+      </p:sp>
+      <p:sp>
+        <p:nvSpPr>
+          <p:cNvPr id="3" name="Content Placeholder 2"/>
+          <p:cNvSpPr>
+            <a:spLocks noGrp="1"/>
+          </p:cNvSpPr>
+          <p:nvPr>
+            <p:ph idx="1"/>
+          </p:nvPr>
+        </p:nvSpPr>
+        <p:spPr>
+          <a:xfrm>
+            <a:off x="838200" y="1139824"/>
+            <a:ext cx="10515600" cy="5718175"/>
+          </a:xfrm>
+        </p:spPr>
+        <p:txBody>
+          <a:bodyPr>
+            <a:normAutofit/>
+          </a:bodyPr>
+          <a:lstStyle/>
+          <a:p>
+            <a:r>
+              <a:rPr lang="en-GB" dirty="0">
+                <a:latin typeface="Times New Roman" panose="02020603050405020304" pitchFamily="18" charset="0"/>
+                <a:cs typeface="Times New Roman" panose="02020603050405020304" pitchFamily="18" charset="0"/>
+              </a:rPr>
+              <a:t>Authentication </a:t>
+            </a:r>
+            <a:r>
+              <a:rPr lang="en-GB" dirty="0" smtClean="0">
+                <a:latin typeface="Times New Roman" panose="02020603050405020304" pitchFamily="18" charset="0"/>
+                <a:cs typeface="Times New Roman" panose="02020603050405020304" pitchFamily="18" charset="0"/>
+              </a:rPr>
+              <a:t>System</a:t>
+            </a:r>
+          </a:p>
+          <a:p>
+            <a:endParaRPr lang="en-GB" dirty="0" smtClean="0">
+              <a:latin typeface="Times New Roman" panose="02020603050405020304" pitchFamily="18" charset="0"/>
+              <a:cs typeface="Times New Roman" panose="02020603050405020304" pitchFamily="18" charset="0"/>
+            </a:endParaRPr>
+          </a:p>
+          <a:p>
+            <a:r>
+              <a:rPr lang="en-GB" dirty="0" smtClean="0">
+                <a:latin typeface="Times New Roman" panose="02020603050405020304" pitchFamily="18" charset="0"/>
+                <a:cs typeface="Times New Roman" panose="02020603050405020304" pitchFamily="18" charset="0"/>
+              </a:rPr>
+              <a:t>User Dashboard</a:t>
+            </a:r>
+          </a:p>
+          <a:p>
+            <a:endParaRPr lang="en-GB" dirty="0">
+              <a:latin typeface="Times New Roman" panose="02020603050405020304" pitchFamily="18" charset="0"/>
+              <a:cs typeface="Times New Roman" panose="02020603050405020304" pitchFamily="18" charset="0"/>
+            </a:endParaRPr>
+          </a:p>
+          <a:p>
+            <a:r>
+              <a:rPr lang="en-GB" dirty="0" smtClean="0">
+                <a:latin typeface="Times New Roman" panose="02020603050405020304" pitchFamily="18" charset="0"/>
+                <a:cs typeface="Times New Roman" panose="02020603050405020304" pitchFamily="18" charset="0"/>
+              </a:rPr>
+              <a:t>Vacancy </a:t>
+            </a:r>
+            <a:r>
+              <a:rPr lang="en-GB" dirty="0">
+                <a:latin typeface="Times New Roman" panose="02020603050405020304" pitchFamily="18" charset="0"/>
+                <a:cs typeface="Times New Roman" panose="02020603050405020304" pitchFamily="18" charset="0"/>
+              </a:rPr>
+              <a:t>Announcement </a:t>
+            </a:r>
+            <a:r>
+              <a:rPr lang="en-GB" dirty="0" smtClean="0">
+                <a:latin typeface="Times New Roman" panose="02020603050405020304" pitchFamily="18" charset="0"/>
+                <a:cs typeface="Times New Roman" panose="02020603050405020304" pitchFamily="18" charset="0"/>
+              </a:rPr>
+              <a:t>Platform</a:t>
+            </a:r>
+          </a:p>
+          <a:p>
+            <a:endParaRPr lang="en-GB" dirty="0" smtClean="0">
+              <a:latin typeface="Times New Roman" panose="02020603050405020304" pitchFamily="18" charset="0"/>
+              <a:cs typeface="Times New Roman" panose="02020603050405020304" pitchFamily="18" charset="0"/>
+            </a:endParaRPr>
+          </a:p>
+          <a:p>
+            <a:r>
+              <a:rPr lang="en-GB" dirty="0" smtClean="0">
+                <a:latin typeface="Times New Roman" panose="02020603050405020304" pitchFamily="18" charset="0"/>
+                <a:cs typeface="Times New Roman" panose="02020603050405020304" pitchFamily="18" charset="0"/>
+              </a:rPr>
+              <a:t>Job </a:t>
+            </a:r>
+            <a:r>
+              <a:rPr lang="en-GB" dirty="0">
+                <a:latin typeface="Times New Roman" panose="02020603050405020304" pitchFamily="18" charset="0"/>
+                <a:cs typeface="Times New Roman" panose="02020603050405020304" pitchFamily="18" charset="0"/>
+              </a:rPr>
+              <a:t>Application with Resume </a:t>
+            </a:r>
+            <a:r>
+              <a:rPr lang="en-GB" dirty="0" smtClean="0">
+                <a:latin typeface="Times New Roman" panose="02020603050405020304" pitchFamily="18" charset="0"/>
+                <a:cs typeface="Times New Roman" panose="02020603050405020304" pitchFamily="18" charset="0"/>
+              </a:rPr>
+              <a:t>Submission</a:t>
+            </a:r>
+          </a:p>
+          <a:p>
+            <a:endParaRPr lang="en-GB" dirty="0" smtClean="0">
+              <a:latin typeface="Times New Roman" panose="02020603050405020304" pitchFamily="18" charset="0"/>
+              <a:cs typeface="Times New Roman" panose="02020603050405020304" pitchFamily="18" charset="0"/>
+            </a:endParaRPr>
+          </a:p>
+          <a:p>
+            <a:r>
+              <a:rPr lang="en-GB" dirty="0" smtClean="0">
+                <a:latin typeface="Times New Roman" panose="02020603050405020304" pitchFamily="18" charset="0"/>
+                <a:cs typeface="Times New Roman" panose="02020603050405020304" pitchFamily="18" charset="0"/>
+              </a:rPr>
+              <a:t>Score </a:t>
+            </a:r>
+            <a:r>
+              <a:rPr lang="en-GB" dirty="0">
+                <a:latin typeface="Times New Roman" panose="02020603050405020304" pitchFamily="18" charset="0"/>
+                <a:cs typeface="Times New Roman" panose="02020603050405020304" pitchFamily="18" charset="0"/>
+              </a:rPr>
+              <a:t>Generator and Hiring </a:t>
+            </a:r>
+            <a:r>
+              <a:rPr lang="en-GB" dirty="0" smtClean="0">
+                <a:latin typeface="Times New Roman" panose="02020603050405020304" pitchFamily="18" charset="0"/>
+                <a:cs typeface="Times New Roman" panose="02020603050405020304" pitchFamily="18" charset="0"/>
+              </a:rPr>
+              <a:t>Assistance</a:t>
+            </a:r>
+            <a:endParaRPr lang="en-GB" dirty="0">
+              <a:latin typeface="Times New Roman" panose="02020603050405020304" pitchFamily="18" charset="0"/>
+              <a:cs typeface="Times New Roman" panose="02020603050405020304" pitchFamily="18" charset="0"/>
+            </a:endParaRPr>
+          </a:p>
+        </p:txBody>
+      </p:sp>
+    </p:spTree>
+    <p:extLst>
+      <p:ext uri="{BB962C8B-B14F-4D97-AF65-F5344CB8AC3E}">
+        <p14:creationId xmlns:p14="http://schemas.microsoft.com/office/powerpoint/2010/main" val="3275510606"/>
+      </p:ext>
+    </p:extLst>
+  </p:cSld>
+  <p:clrMapOvr>
+    <a:masterClrMapping/>
+  </p:clrMapOvr>
+  <p:timing>
+    <p:tnLst>
+      <p:par>
+        <p:cTn id="1" dur="indefinite" restart="never" nodeType="tmRoot"/>
+      </p:par>
+    </p:tnLst>
+  </p:timing>
+</p:sld>
+</file>
+
+<file path=ppt/slides/slide19.xml><?xml version="1.0" encoding="utf-8"?>
+<p:sld xmlns:a="http://schemas.openxmlformats.org/drawingml/2006/main" xmlns:r="http://schemas.openxmlformats.org/officeDocument/2006/relationships" xmlns:p="http://schemas.openxmlformats.org/presentationml/2006/main">
+  <p:cSld>
+    <p:spTree>
+      <p:nvGrpSpPr>
+        <p:cNvPr id="1" name=""/>
+        <p:cNvGrpSpPr/>
+        <p:nvPr/>
+      </p:nvGrpSpPr>
+      <p:grpSpPr>
+        <a:xfrm>
+          <a:off x="0" y="0"/>
+          <a:ext cx="0" cy="0"/>
+          <a:chOff x="0" y="0"/>
+          <a:chExt cx="0" cy="0"/>
+        </a:xfrm>
+      </p:grpSpPr>
+      <p:sp>
+        <p:nvSpPr>
+          <p:cNvPr id="2" name="Title 1"/>
+          <p:cNvSpPr>
+            <a:spLocks noGrp="1"/>
+          </p:cNvSpPr>
+          <p:nvPr>
+            <p:ph type="title"/>
+          </p:nvPr>
+        </p:nvSpPr>
+        <p:spPr>
+          <a:xfrm>
+            <a:off x="838200" y="212725"/>
+            <a:ext cx="10515600" cy="803275"/>
+          </a:xfrm>
+        </p:spPr>
+        <p:txBody>
+          <a:bodyPr/>
+          <a:lstStyle/>
+          <a:p>
+            <a:r>
+              <a:rPr lang="en-GB" dirty="0" smtClean="0">
+                <a:latin typeface="Times New Roman" panose="02020603050405020304" pitchFamily="18" charset="0"/>
+                <a:cs typeface="Times New Roman" panose="02020603050405020304" pitchFamily="18" charset="0"/>
+              </a:rPr>
+              <a:t>Diagrams</a:t>
+            </a:r>
+            <a:endParaRPr lang="en-GB" dirty="0">
+              <a:latin typeface="Times New Roman" panose="02020603050405020304" pitchFamily="18" charset="0"/>
+              <a:cs typeface="Times New Roman" panose="02020603050405020304" pitchFamily="18" charset="0"/>
+            </a:endParaRPr>
+          </a:p>
+        </p:txBody>
+      </p:sp>
+      <p:sp>
+        <p:nvSpPr>
+          <p:cNvPr id="3" name="Content Placeholder 2"/>
+          <p:cNvSpPr>
+            <a:spLocks noGrp="1"/>
+          </p:cNvSpPr>
+          <p:nvPr>
+            <p:ph idx="1"/>
+          </p:nvPr>
+        </p:nvSpPr>
+        <p:spPr>
+          <a:xfrm>
+            <a:off x="838200" y="940616"/>
+            <a:ext cx="7212106" cy="827951"/>
+          </a:xfrm>
+        </p:spPr>
+        <p:txBody>
+          <a:bodyPr/>
+          <a:lstStyle/>
+          <a:p>
+            <a:pPr marL="0" indent="0">
+              <a:buNone/>
+            </a:pPr>
+            <a:r>
+              <a:rPr lang="en-GB" dirty="0" smtClean="0">
+                <a:latin typeface="Times New Roman" panose="02020603050405020304" pitchFamily="18" charset="0"/>
+                <a:cs typeface="Times New Roman" panose="02020603050405020304" pitchFamily="18" charset="0"/>
+              </a:rPr>
+              <a:t>ER-Diagram of HireHawk System</a:t>
+            </a:r>
+            <a:endParaRPr lang="en-GB" dirty="0">
+              <a:latin typeface="Times New Roman" panose="02020603050405020304" pitchFamily="18" charset="0"/>
+              <a:cs typeface="Times New Roman" panose="02020603050405020304" pitchFamily="18" charset="0"/>
+            </a:endParaRPr>
+          </a:p>
+        </p:txBody>
+      </p:sp>
+      <p:sp>
+        <p:nvSpPr>
+          <p:cNvPr id="5" name="Rectangle 4"/>
+          <p:cNvSpPr/>
+          <p:nvPr/>
+        </p:nvSpPr>
+        <p:spPr>
+          <a:xfrm>
+            <a:off x="10021088" y="5019346"/>
+            <a:ext cx="1797287" cy="338554"/>
+          </a:xfrm>
+          <a:prstGeom prst="rect">
+            <a:avLst/>
+          </a:prstGeom>
+        </p:spPr>
+        <p:txBody>
+          <a:bodyPr wrap="none">
+            <a:spAutoFit/>
+          </a:bodyPr>
+          <a:lstStyle/>
+          <a:p>
+            <a:r>
+              <a:rPr lang="en-GB" sz="1600" u="sng" dirty="0" smtClean="0">
+                <a:latin typeface="Times New Roman" panose="02020603050405020304" pitchFamily="18" charset="0"/>
+                <a:cs typeface="Times New Roman" panose="02020603050405020304" pitchFamily="18" charset="0"/>
+                <a:hlinkClick r:id="rId2" action="ppaction://hlinkfile"/>
+              </a:rPr>
+              <a:t>Click to Open ERD</a:t>
+            </a:r>
+            <a:endParaRPr lang="en-GB" sz="1600" u="sng" dirty="0"/>
+          </a:p>
+        </p:txBody>
+      </p:sp>
+      <p:pic>
+        <p:nvPicPr>
+          <p:cNvPr id="6" name="Picture 5"/>
+          <p:cNvPicPr>
+            <a:picLocks noChangeAspect="1"/>
+          </p:cNvPicPr>
+          <p:nvPr/>
+        </p:nvPicPr>
+        <p:blipFill>
+          <a:blip r:embed="rId3">
+            <a:extLst>
+              <a:ext uri="{28A0092B-C50C-407E-A947-70E740481C1C}">
+                <a14:useLocalDpi xmlns:a14="http://schemas.microsoft.com/office/drawing/2010/main" val="0"/>
+              </a:ext>
+            </a:extLst>
+          </a:blip>
+          <a:stretch>
+            <a:fillRect/>
+          </a:stretch>
+        </p:blipFill>
+        <p:spPr>
+          <a:xfrm>
+            <a:off x="558280" y="1581711"/>
+            <a:ext cx="8047837" cy="4831918"/>
+          </a:xfrm>
+          <a:prstGeom prst="rect">
+            <a:avLst/>
+          </a:prstGeom>
+        </p:spPr>
+      </p:pic>
+    </p:spTree>
+    <p:extLst>
+      <p:ext uri="{BB962C8B-B14F-4D97-AF65-F5344CB8AC3E}">
+        <p14:creationId xmlns:p14="http://schemas.microsoft.com/office/powerpoint/2010/main" val="1222762119"/>
       </p:ext>
     </p:extLst>
   </p:cSld>
@@ -4564,7 +6243,7 @@
           <p:nvPr>
             <p:extLst>
               <p:ext uri="{D42A27DB-BD31-4B8C-83A1-F6EECF244321}">
-                <p14:modId xmlns:p14="http://schemas.microsoft.com/office/powerpoint/2010/main" val="2553031361"/>
+                <p14:modId xmlns:p14="http://schemas.microsoft.com/office/powerpoint/2010/main" val="2041742714"/>
               </p:ext>
             </p:extLst>
           </p:nvPr>
@@ -4787,7 +6466,17 @@
                     <a:bodyPr/>
                     <a:lstStyle/>
                     <a:p>
-                      <a:endParaRPr lang="en-GB" sz="2100">
+                      <a:r>
+                        <a:rPr lang="en-GB" sz="2100" b="1" dirty="0" smtClean="0">
+                          <a:solidFill>
+                            <a:schemeClr val="tx1"/>
+                          </a:solidFill>
+                          <a:latin typeface="Times New Roman" panose="02020603050405020304" pitchFamily="18" charset="0"/>
+                          <a:cs typeface="Times New Roman" panose="02020603050405020304" pitchFamily="18" charset="0"/>
+                        </a:rPr>
+                        <a:t>03</a:t>
+                      </a:r>
+                      <a:endParaRPr lang="en-GB" sz="2100" b="1" dirty="0">
                         <a:solidFill>
                           <a:schemeClr val="tx1"/>
                         </a:solidFill>
@@ -6139,6 +7828,1109 @@
 </p:sld>
 </file>
 
+<file path=ppt/slides/slide20.xml><?xml version="1.0" encoding="utf-8"?>
+<p:sld xmlns:a="http://schemas.openxmlformats.org/drawingml/2006/main" xmlns:r="http://schemas.openxmlformats.org/officeDocument/2006/relationships" xmlns:p="http://schemas.openxmlformats.org/presentationml/2006/main">
+  <p:cSld>
+    <p:spTree>
+      <p:nvGrpSpPr>
+        <p:cNvPr id="1" name=""/>
+        <p:cNvGrpSpPr/>
+        <p:nvPr/>
+      </p:nvGrpSpPr>
+      <p:grpSpPr>
+        <a:xfrm>
+          <a:off x="0" y="0"/>
+          <a:ext cx="0" cy="0"/>
+          <a:chOff x="0" y="0"/>
+          <a:chExt cx="0" cy="0"/>
+        </a:xfrm>
+      </p:grpSpPr>
+      <p:sp>
+        <p:nvSpPr>
+          <p:cNvPr id="2" name="Title 1"/>
+          <p:cNvSpPr>
+            <a:spLocks noGrp="1"/>
+          </p:cNvSpPr>
+          <p:nvPr>
+            <p:ph type="title"/>
+          </p:nvPr>
+        </p:nvSpPr>
+        <p:spPr>
+          <a:xfrm>
+            <a:off x="838200" y="212725"/>
+            <a:ext cx="10515600" cy="803275"/>
+          </a:xfrm>
+        </p:spPr>
+        <p:txBody>
+          <a:bodyPr/>
+          <a:lstStyle/>
+          <a:p>
+            <a:r>
+              <a:rPr lang="en-GB" dirty="0" smtClean="0">
+                <a:latin typeface="Times New Roman" panose="02020603050405020304" pitchFamily="18" charset="0"/>
+                <a:cs typeface="Times New Roman" panose="02020603050405020304" pitchFamily="18" charset="0"/>
+              </a:rPr>
+              <a:t>Diagrams</a:t>
+            </a:r>
+            <a:endParaRPr lang="en-GB" dirty="0">
+              <a:latin typeface="Times New Roman" panose="02020603050405020304" pitchFamily="18" charset="0"/>
+              <a:cs typeface="Times New Roman" panose="02020603050405020304" pitchFamily="18" charset="0"/>
+            </a:endParaRPr>
+          </a:p>
+        </p:txBody>
+      </p:sp>
+      <p:sp>
+        <p:nvSpPr>
+          <p:cNvPr id="3" name="Content Placeholder 2"/>
+          <p:cNvSpPr>
+            <a:spLocks noGrp="1"/>
+          </p:cNvSpPr>
+          <p:nvPr>
+            <p:ph idx="1"/>
+          </p:nvPr>
+        </p:nvSpPr>
+        <p:spPr>
+          <a:xfrm>
+            <a:off x="838200" y="1016000"/>
+            <a:ext cx="2900082" cy="827951"/>
+          </a:xfrm>
+        </p:spPr>
+        <p:txBody>
+          <a:bodyPr/>
+          <a:lstStyle/>
+          <a:p>
+            <a:pPr marL="0" indent="0">
+              <a:buNone/>
+            </a:pPr>
+            <a:r>
+              <a:rPr lang="en-GB" dirty="0" smtClean="0">
+                <a:latin typeface="Times New Roman" panose="02020603050405020304" pitchFamily="18" charset="0"/>
+                <a:cs typeface="Times New Roman" panose="02020603050405020304" pitchFamily="18" charset="0"/>
+              </a:rPr>
+              <a:t>Use Case Diagram</a:t>
+            </a:r>
+            <a:endParaRPr lang="en-GB" dirty="0">
+              <a:latin typeface="Times New Roman" panose="02020603050405020304" pitchFamily="18" charset="0"/>
+              <a:cs typeface="Times New Roman" panose="02020603050405020304" pitchFamily="18" charset="0"/>
+            </a:endParaRPr>
+          </a:p>
+        </p:txBody>
+      </p:sp>
+      <p:sp>
+        <p:nvSpPr>
+          <p:cNvPr id="5" name="Rectangle 4"/>
+          <p:cNvSpPr/>
+          <p:nvPr/>
+        </p:nvSpPr>
+        <p:spPr>
+          <a:xfrm>
+            <a:off x="9262993" y="4956593"/>
+            <a:ext cx="2929007" cy="338554"/>
+          </a:xfrm>
+          <a:prstGeom prst="rect">
+            <a:avLst/>
+          </a:prstGeom>
+        </p:spPr>
+        <p:txBody>
+          <a:bodyPr wrap="none">
+            <a:spAutoFit/>
+          </a:bodyPr>
+          <a:lstStyle/>
+          <a:p>
+            <a:r>
+              <a:rPr lang="en-GB" sz="1600" u="sng" dirty="0" smtClean="0">
+                <a:latin typeface="Times New Roman" panose="02020603050405020304" pitchFamily="18" charset="0"/>
+                <a:cs typeface="Times New Roman" panose="02020603050405020304" pitchFamily="18" charset="0"/>
+                <a:hlinkClick r:id="rId2" action="ppaction://hlinkfile"/>
+              </a:rPr>
+              <a:t>Click to Open Use Case Diagram</a:t>
+            </a:r>
+            <a:endParaRPr lang="en-GB" sz="1600" u="sng" dirty="0"/>
+          </a:p>
+        </p:txBody>
+      </p:sp>
+      <p:pic>
+        <p:nvPicPr>
+          <p:cNvPr id="6" name="Picture 5"/>
+          <p:cNvPicPr>
+            <a:picLocks noChangeAspect="1"/>
+          </p:cNvPicPr>
+          <p:nvPr/>
+        </p:nvPicPr>
+        <p:blipFill>
+          <a:blip r:embed="rId3">
+            <a:extLst>
+              <a:ext uri="{28A0092B-C50C-407E-A947-70E740481C1C}">
+                <a14:useLocalDpi xmlns:a14="http://schemas.microsoft.com/office/drawing/2010/main" val="0"/>
+              </a:ext>
+            </a:extLst>
+          </a:blip>
+          <a:stretch>
+            <a:fillRect/>
+          </a:stretch>
+        </p:blipFill>
+        <p:spPr>
+          <a:xfrm>
+            <a:off x="2903515" y="1505613"/>
+            <a:ext cx="4648844" cy="5280670"/>
+          </a:xfrm>
+          <a:prstGeom prst="rect">
+            <a:avLst/>
+          </a:prstGeom>
+        </p:spPr>
+      </p:pic>
+    </p:spTree>
+    <p:extLst>
+      <p:ext uri="{BB962C8B-B14F-4D97-AF65-F5344CB8AC3E}">
+        <p14:creationId xmlns:p14="http://schemas.microsoft.com/office/powerpoint/2010/main" val="1649537400"/>
+      </p:ext>
+    </p:extLst>
+  </p:cSld>
+  <p:clrMapOvr>
+    <a:masterClrMapping/>
+  </p:clrMapOvr>
+  <p:timing>
+    <p:tnLst>
+      <p:par>
+        <p:cTn id="1" dur="indefinite" restart="never" nodeType="tmRoot"/>
+      </p:par>
+    </p:tnLst>
+  </p:timing>
+</p:sld>
+</file>
+
+<file path=ppt/slides/slide21.xml><?xml version="1.0" encoding="utf-8"?>
+<p:sld xmlns:a="http://schemas.openxmlformats.org/drawingml/2006/main" xmlns:r="http://schemas.openxmlformats.org/officeDocument/2006/relationships" xmlns:p="http://schemas.openxmlformats.org/presentationml/2006/main">
+  <p:cSld>
+    <p:spTree>
+      <p:nvGrpSpPr>
+        <p:cNvPr id="1" name=""/>
+        <p:cNvGrpSpPr/>
+        <p:nvPr/>
+      </p:nvGrpSpPr>
+      <p:grpSpPr>
+        <a:xfrm>
+          <a:off x="0" y="0"/>
+          <a:ext cx="0" cy="0"/>
+          <a:chOff x="0" y="0"/>
+          <a:chExt cx="0" cy="0"/>
+        </a:xfrm>
+      </p:grpSpPr>
+      <p:sp>
+        <p:nvSpPr>
+          <p:cNvPr id="2" name="Title 1"/>
+          <p:cNvSpPr>
+            <a:spLocks noGrp="1"/>
+          </p:cNvSpPr>
+          <p:nvPr>
+            <p:ph type="title"/>
+          </p:nvPr>
+        </p:nvSpPr>
+        <p:spPr>
+          <a:xfrm>
+            <a:off x="838200" y="212725"/>
+            <a:ext cx="10515600" cy="803275"/>
+          </a:xfrm>
+        </p:spPr>
+        <p:txBody>
+          <a:bodyPr/>
+          <a:lstStyle/>
+          <a:p>
+            <a:r>
+              <a:rPr lang="en-GB" dirty="0" smtClean="0">
+                <a:latin typeface="Times New Roman" panose="02020603050405020304" pitchFamily="18" charset="0"/>
+                <a:cs typeface="Times New Roman" panose="02020603050405020304" pitchFamily="18" charset="0"/>
+              </a:rPr>
+              <a:t>Diagrams</a:t>
+            </a:r>
+            <a:endParaRPr lang="en-GB" dirty="0">
+              <a:latin typeface="Times New Roman" panose="02020603050405020304" pitchFamily="18" charset="0"/>
+              <a:cs typeface="Times New Roman" panose="02020603050405020304" pitchFamily="18" charset="0"/>
+            </a:endParaRPr>
+          </a:p>
+        </p:txBody>
+      </p:sp>
+      <p:sp>
+        <p:nvSpPr>
+          <p:cNvPr id="3" name="Content Placeholder 2"/>
+          <p:cNvSpPr>
+            <a:spLocks noGrp="1"/>
+          </p:cNvSpPr>
+          <p:nvPr>
+            <p:ph idx="1"/>
+          </p:nvPr>
+        </p:nvSpPr>
+        <p:spPr>
+          <a:xfrm>
+            <a:off x="815196" y="1169589"/>
+            <a:ext cx="2667000" cy="413055"/>
+          </a:xfrm>
+        </p:spPr>
+        <p:txBody>
+          <a:bodyPr>
+            <a:normAutofit fontScale="92500" lnSpcReduction="10000"/>
+          </a:bodyPr>
+          <a:lstStyle/>
+          <a:p>
+            <a:pPr marL="0" indent="0">
+              <a:buNone/>
+            </a:pPr>
+            <a:r>
+              <a:rPr lang="en-GB" dirty="0" smtClean="0">
+                <a:latin typeface="Times New Roman" panose="02020603050405020304" pitchFamily="18" charset="0"/>
+                <a:cs typeface="Times New Roman" panose="02020603050405020304" pitchFamily="18" charset="0"/>
+              </a:rPr>
+              <a:t>Context Diagram:</a:t>
+            </a:r>
+            <a:endParaRPr lang="en-GB" dirty="0">
+              <a:latin typeface="Times New Roman" panose="02020603050405020304" pitchFamily="18" charset="0"/>
+              <a:cs typeface="Times New Roman" panose="02020603050405020304" pitchFamily="18" charset="0"/>
+            </a:endParaRPr>
+          </a:p>
+        </p:txBody>
+      </p:sp>
+      <p:sp>
+        <p:nvSpPr>
+          <p:cNvPr id="5" name="Rectangle 4"/>
+          <p:cNvSpPr/>
+          <p:nvPr/>
+        </p:nvSpPr>
+        <p:spPr>
+          <a:xfrm>
+            <a:off x="9680429" y="5891238"/>
+            <a:ext cx="2367956" cy="338554"/>
+          </a:xfrm>
+          <a:prstGeom prst="rect">
+            <a:avLst/>
+          </a:prstGeom>
+        </p:spPr>
+        <p:txBody>
+          <a:bodyPr wrap="none">
+            <a:spAutoFit/>
+          </a:bodyPr>
+          <a:lstStyle/>
+          <a:p>
+            <a:r>
+              <a:rPr lang="en-GB" sz="1600" u="sng" dirty="0" smtClean="0">
+                <a:latin typeface="Times New Roman" panose="02020603050405020304" pitchFamily="18" charset="0"/>
+                <a:cs typeface="Times New Roman" panose="02020603050405020304" pitchFamily="18" charset="0"/>
+                <a:hlinkClick r:id="rId2" action="ppaction://hlinkfile"/>
+              </a:rPr>
+              <a:t>Click to Open Level0DFD</a:t>
+            </a:r>
+            <a:endParaRPr lang="en-GB" sz="1600" u="sng" dirty="0"/>
+          </a:p>
+        </p:txBody>
+      </p:sp>
+      <p:pic>
+        <p:nvPicPr>
+          <p:cNvPr id="6" name="Picture 5"/>
+          <p:cNvPicPr>
+            <a:picLocks noChangeAspect="1"/>
+          </p:cNvPicPr>
+          <p:nvPr/>
+        </p:nvPicPr>
+        <p:blipFill>
+          <a:blip r:embed="rId3">
+            <a:extLst>
+              <a:ext uri="{28A0092B-C50C-407E-A947-70E740481C1C}">
+                <a14:useLocalDpi xmlns:a14="http://schemas.microsoft.com/office/drawing/2010/main" val="0"/>
+              </a:ext>
+            </a:extLst>
+          </a:blip>
+          <a:stretch>
+            <a:fillRect/>
+          </a:stretch>
+        </p:blipFill>
+        <p:spPr>
+          <a:xfrm>
+            <a:off x="815196" y="2672602"/>
+            <a:ext cx="10538604" cy="1926291"/>
+          </a:xfrm>
+          <a:prstGeom prst="rect">
+            <a:avLst/>
+          </a:prstGeom>
+        </p:spPr>
+      </p:pic>
+    </p:spTree>
+    <p:extLst>
+      <p:ext uri="{BB962C8B-B14F-4D97-AF65-F5344CB8AC3E}">
+        <p14:creationId xmlns:p14="http://schemas.microsoft.com/office/powerpoint/2010/main" val="691391719"/>
+      </p:ext>
+    </p:extLst>
+  </p:cSld>
+  <p:clrMapOvr>
+    <a:masterClrMapping/>
+  </p:clrMapOvr>
+  <p:timing>
+    <p:tnLst>
+      <p:par>
+        <p:cTn id="1" dur="indefinite" restart="never" nodeType="tmRoot"/>
+      </p:par>
+    </p:tnLst>
+  </p:timing>
+</p:sld>
+</file>
+
+<file path=ppt/slides/slide22.xml><?xml version="1.0" encoding="utf-8"?>
+<p:sld xmlns:a="http://schemas.openxmlformats.org/drawingml/2006/main" xmlns:r="http://schemas.openxmlformats.org/officeDocument/2006/relationships" xmlns:p="http://schemas.openxmlformats.org/presentationml/2006/main">
+  <p:cSld>
+    <p:spTree>
+      <p:nvGrpSpPr>
+        <p:cNvPr id="1" name=""/>
+        <p:cNvGrpSpPr/>
+        <p:nvPr/>
+      </p:nvGrpSpPr>
+      <p:grpSpPr>
+        <a:xfrm>
+          <a:off x="0" y="0"/>
+          <a:ext cx="0" cy="0"/>
+          <a:chOff x="0" y="0"/>
+          <a:chExt cx="0" cy="0"/>
+        </a:xfrm>
+      </p:grpSpPr>
+      <p:sp>
+        <p:nvSpPr>
+          <p:cNvPr id="2" name="Title 1"/>
+          <p:cNvSpPr>
+            <a:spLocks noGrp="1"/>
+          </p:cNvSpPr>
+          <p:nvPr>
+            <p:ph type="title"/>
+          </p:nvPr>
+        </p:nvSpPr>
+        <p:spPr>
+          <a:xfrm>
+            <a:off x="838200" y="212725"/>
+            <a:ext cx="10515600" cy="803275"/>
+          </a:xfrm>
+        </p:spPr>
+        <p:txBody>
+          <a:bodyPr/>
+          <a:lstStyle/>
+          <a:p>
+            <a:r>
+              <a:rPr lang="en-GB" dirty="0" smtClean="0">
+                <a:latin typeface="Times New Roman" panose="02020603050405020304" pitchFamily="18" charset="0"/>
+                <a:cs typeface="Times New Roman" panose="02020603050405020304" pitchFamily="18" charset="0"/>
+              </a:rPr>
+              <a:t>Diagrams</a:t>
+            </a:r>
+            <a:endParaRPr lang="en-GB" dirty="0">
+              <a:latin typeface="Times New Roman" panose="02020603050405020304" pitchFamily="18" charset="0"/>
+              <a:cs typeface="Times New Roman" panose="02020603050405020304" pitchFamily="18" charset="0"/>
+            </a:endParaRPr>
+          </a:p>
+        </p:txBody>
+      </p:sp>
+      <p:sp>
+        <p:nvSpPr>
+          <p:cNvPr id="3" name="Content Placeholder 2"/>
+          <p:cNvSpPr>
+            <a:spLocks noGrp="1"/>
+          </p:cNvSpPr>
+          <p:nvPr>
+            <p:ph idx="1"/>
+          </p:nvPr>
+        </p:nvSpPr>
+        <p:spPr>
+          <a:xfrm>
+            <a:off x="838200" y="940616"/>
+            <a:ext cx="7212106" cy="827951"/>
+          </a:xfrm>
+        </p:spPr>
+        <p:txBody>
+          <a:bodyPr/>
+          <a:lstStyle/>
+          <a:p>
+            <a:pPr marL="0" indent="0">
+              <a:buNone/>
+            </a:pPr>
+            <a:r>
+              <a:rPr lang="en-GB" dirty="0" smtClean="0">
+                <a:latin typeface="Times New Roman" panose="02020603050405020304" pitchFamily="18" charset="0"/>
+                <a:cs typeface="Times New Roman" panose="02020603050405020304" pitchFamily="18" charset="0"/>
+              </a:rPr>
+              <a:t>Level 1 DFD</a:t>
+            </a:r>
+            <a:endParaRPr lang="en-GB" dirty="0">
+              <a:latin typeface="Times New Roman" panose="02020603050405020304" pitchFamily="18" charset="0"/>
+              <a:cs typeface="Times New Roman" panose="02020603050405020304" pitchFamily="18" charset="0"/>
+            </a:endParaRPr>
+          </a:p>
+        </p:txBody>
+      </p:sp>
+      <p:sp>
+        <p:nvSpPr>
+          <p:cNvPr id="5" name="Rectangle 4"/>
+          <p:cNvSpPr/>
+          <p:nvPr/>
+        </p:nvSpPr>
+        <p:spPr>
+          <a:xfrm>
+            <a:off x="9563888" y="5386899"/>
+            <a:ext cx="2470548" cy="338554"/>
+          </a:xfrm>
+          <a:prstGeom prst="rect">
+            <a:avLst/>
+          </a:prstGeom>
+        </p:spPr>
+        <p:txBody>
+          <a:bodyPr wrap="none">
+            <a:spAutoFit/>
+          </a:bodyPr>
+          <a:lstStyle/>
+          <a:p>
+            <a:r>
+              <a:rPr lang="en-GB" sz="1600" u="sng" dirty="0" smtClean="0">
+                <a:latin typeface="Times New Roman" panose="02020603050405020304" pitchFamily="18" charset="0"/>
+                <a:cs typeface="Times New Roman" panose="02020603050405020304" pitchFamily="18" charset="0"/>
+                <a:hlinkClick r:id="rId2" action="ppaction://hlinkfile"/>
+              </a:rPr>
+              <a:t>Click to Open Level 1 DFD</a:t>
+            </a:r>
+            <a:endParaRPr lang="en-GB" sz="1600" u="sng" dirty="0"/>
+          </a:p>
+        </p:txBody>
+      </p:sp>
+      <p:pic>
+        <p:nvPicPr>
+          <p:cNvPr id="6" name="Picture 5"/>
+          <p:cNvPicPr>
+            <a:picLocks noChangeAspect="1"/>
+          </p:cNvPicPr>
+          <p:nvPr/>
+        </p:nvPicPr>
+        <p:blipFill>
+          <a:blip r:embed="rId3">
+            <a:extLst>
+              <a:ext uri="{28A0092B-C50C-407E-A947-70E740481C1C}">
+                <a14:useLocalDpi xmlns:a14="http://schemas.microsoft.com/office/drawing/2010/main" val="0"/>
+              </a:ext>
+            </a:extLst>
+          </a:blip>
+          <a:stretch>
+            <a:fillRect/>
+          </a:stretch>
+        </p:blipFill>
+        <p:spPr>
+          <a:xfrm>
+            <a:off x="1597678" y="1432985"/>
+            <a:ext cx="6555449" cy="5200897"/>
+          </a:xfrm>
+          <a:prstGeom prst="rect">
+            <a:avLst/>
+          </a:prstGeom>
+        </p:spPr>
+      </p:pic>
+    </p:spTree>
+    <p:extLst>
+      <p:ext uri="{BB962C8B-B14F-4D97-AF65-F5344CB8AC3E}">
+        <p14:creationId xmlns:p14="http://schemas.microsoft.com/office/powerpoint/2010/main" val="3999013716"/>
+      </p:ext>
+    </p:extLst>
+  </p:cSld>
+  <p:clrMapOvr>
+    <a:masterClrMapping/>
+  </p:clrMapOvr>
+  <p:timing>
+    <p:tnLst>
+      <p:par>
+        <p:cTn id="1" dur="indefinite" restart="never" nodeType="tmRoot"/>
+      </p:par>
+    </p:tnLst>
+  </p:timing>
+</p:sld>
+</file>
+
+<file path=ppt/slides/slide23.xml><?xml version="1.0" encoding="utf-8"?>
+<p:sld xmlns:a="http://schemas.openxmlformats.org/drawingml/2006/main" xmlns:r="http://schemas.openxmlformats.org/officeDocument/2006/relationships" xmlns:p="http://schemas.openxmlformats.org/presentationml/2006/main">
+  <p:cSld>
+    <p:spTree>
+      <p:nvGrpSpPr>
+        <p:cNvPr id="1" name=""/>
+        <p:cNvGrpSpPr/>
+        <p:nvPr/>
+      </p:nvGrpSpPr>
+      <p:grpSpPr>
+        <a:xfrm>
+          <a:off x="0" y="0"/>
+          <a:ext cx="0" cy="0"/>
+          <a:chOff x="0" y="0"/>
+          <a:chExt cx="0" cy="0"/>
+        </a:xfrm>
+      </p:grpSpPr>
+      <p:sp>
+        <p:nvSpPr>
+          <p:cNvPr id="2" name="Title 1"/>
+          <p:cNvSpPr>
+            <a:spLocks noGrp="1"/>
+          </p:cNvSpPr>
+          <p:nvPr>
+            <p:ph type="title"/>
+          </p:nvPr>
+        </p:nvSpPr>
+        <p:spPr>
+          <a:xfrm>
+            <a:off x="838200" y="212725"/>
+            <a:ext cx="10515600" cy="803275"/>
+          </a:xfrm>
+        </p:spPr>
+        <p:txBody>
+          <a:bodyPr/>
+          <a:lstStyle/>
+          <a:p>
+            <a:r>
+              <a:rPr lang="en-GB" dirty="0" smtClean="0">
+                <a:latin typeface="Times New Roman" panose="02020603050405020304" pitchFamily="18" charset="0"/>
+                <a:cs typeface="Times New Roman" panose="02020603050405020304" pitchFamily="18" charset="0"/>
+              </a:rPr>
+              <a:t>Result</a:t>
+            </a:r>
+            <a:endParaRPr lang="en-GB" dirty="0">
+              <a:latin typeface="Times New Roman" panose="02020603050405020304" pitchFamily="18" charset="0"/>
+              <a:cs typeface="Times New Roman" panose="02020603050405020304" pitchFamily="18" charset="0"/>
+            </a:endParaRPr>
+          </a:p>
+        </p:txBody>
+      </p:sp>
+      <p:sp>
+        <p:nvSpPr>
+          <p:cNvPr id="3" name="Content Placeholder 2"/>
+          <p:cNvSpPr>
+            <a:spLocks noGrp="1"/>
+          </p:cNvSpPr>
+          <p:nvPr>
+            <p:ph idx="1"/>
+          </p:nvPr>
+        </p:nvSpPr>
+        <p:spPr>
+          <a:xfrm>
+            <a:off x="838200" y="1139825"/>
+            <a:ext cx="10515600" cy="4351338"/>
+          </a:xfrm>
+        </p:spPr>
+        <p:txBody>
+          <a:bodyPr/>
+          <a:lstStyle/>
+          <a:p>
+            <a:r>
+              <a:rPr lang="en-GB" dirty="0"/>
+              <a:t>Obtain a ranked list of applicants based on the similarity of their resumes to the given job description</a:t>
+            </a:r>
+            <a:r>
+              <a:rPr lang="en-GB" dirty="0" smtClean="0"/>
+              <a:t>.</a:t>
+            </a:r>
+          </a:p>
+          <a:p>
+            <a:endParaRPr lang="en-GB" dirty="0"/>
+          </a:p>
+          <a:p>
+            <a:r>
+              <a:rPr lang="en-GB" dirty="0"/>
+              <a:t>The system provides a more efficient approach to candidate and job description matching, focusing on relevant qualifications.</a:t>
+            </a:r>
+          </a:p>
+          <a:p>
+            <a:endParaRPr lang="en-GB" dirty="0">
+              <a:latin typeface="Times New Roman" panose="02020603050405020304" pitchFamily="18" charset="0"/>
+              <a:cs typeface="Times New Roman" panose="02020603050405020304" pitchFamily="18" charset="0"/>
+            </a:endParaRPr>
+          </a:p>
+        </p:txBody>
+      </p:sp>
+    </p:spTree>
+    <p:extLst>
+      <p:ext uri="{BB962C8B-B14F-4D97-AF65-F5344CB8AC3E}">
+        <p14:creationId xmlns:p14="http://schemas.microsoft.com/office/powerpoint/2010/main" val="2009084186"/>
+      </p:ext>
+    </p:extLst>
+  </p:cSld>
+  <p:clrMapOvr>
+    <a:masterClrMapping/>
+  </p:clrMapOvr>
+  <p:timing>
+    <p:tnLst>
+      <p:par>
+        <p:cTn id="1" dur="indefinite" restart="never" nodeType="tmRoot"/>
+      </p:par>
+    </p:tnLst>
+  </p:timing>
+</p:sld>
+</file>
+
+<file path=ppt/slides/slide24.xml><?xml version="1.0" encoding="utf-8"?>
+<p:sld xmlns:a="http://schemas.openxmlformats.org/drawingml/2006/main" xmlns:r="http://schemas.openxmlformats.org/officeDocument/2006/relationships" xmlns:p="http://schemas.openxmlformats.org/presentationml/2006/main">
+  <p:cSld>
+    <p:spTree>
+      <p:nvGrpSpPr>
+        <p:cNvPr id="1" name=""/>
+        <p:cNvGrpSpPr/>
+        <p:nvPr/>
+      </p:nvGrpSpPr>
+      <p:grpSpPr>
+        <a:xfrm>
+          <a:off x="0" y="0"/>
+          <a:ext cx="0" cy="0"/>
+          <a:chOff x="0" y="0"/>
+          <a:chExt cx="0" cy="0"/>
+        </a:xfrm>
+      </p:grpSpPr>
+      <p:sp>
+        <p:nvSpPr>
+          <p:cNvPr id="2" name="Title 1"/>
+          <p:cNvSpPr>
+            <a:spLocks noGrp="1"/>
+          </p:cNvSpPr>
+          <p:nvPr>
+            <p:ph type="title"/>
+          </p:nvPr>
+        </p:nvSpPr>
+        <p:spPr>
+          <a:xfrm>
+            <a:off x="838200" y="212725"/>
+            <a:ext cx="10515600" cy="803275"/>
+          </a:xfrm>
+        </p:spPr>
+        <p:txBody>
+          <a:bodyPr/>
+          <a:lstStyle/>
+          <a:p>
+            <a:r>
+              <a:rPr lang="en-GB" dirty="0" smtClean="0">
+                <a:latin typeface="Times New Roman" panose="02020603050405020304" pitchFamily="18" charset="0"/>
+                <a:cs typeface="Times New Roman" panose="02020603050405020304" pitchFamily="18" charset="0"/>
+              </a:rPr>
+              <a:t>Task Remaining</a:t>
+            </a:r>
+            <a:endParaRPr lang="en-GB" dirty="0">
+              <a:latin typeface="Times New Roman" panose="02020603050405020304" pitchFamily="18" charset="0"/>
+              <a:cs typeface="Times New Roman" panose="02020603050405020304" pitchFamily="18" charset="0"/>
+            </a:endParaRPr>
+          </a:p>
+        </p:txBody>
+      </p:sp>
+      <p:sp>
+        <p:nvSpPr>
+          <p:cNvPr id="3" name="Content Placeholder 2"/>
+          <p:cNvSpPr>
+            <a:spLocks noGrp="1"/>
+          </p:cNvSpPr>
+          <p:nvPr>
+            <p:ph idx="1"/>
+          </p:nvPr>
+        </p:nvSpPr>
+        <p:spPr>
+          <a:xfrm>
+            <a:off x="838200" y="1139825"/>
+            <a:ext cx="10515600" cy="4351338"/>
+          </a:xfrm>
+        </p:spPr>
+        <p:txBody>
+          <a:bodyPr/>
+          <a:lstStyle/>
+          <a:p>
+            <a:r>
+              <a:rPr lang="en-GB" dirty="0" smtClean="0">
+                <a:latin typeface="Times New Roman" panose="02020603050405020304" pitchFamily="18" charset="0"/>
+                <a:cs typeface="Times New Roman" panose="02020603050405020304" pitchFamily="18" charset="0"/>
+              </a:rPr>
+              <a:t>Supervisor’s Feedback</a:t>
+            </a:r>
+          </a:p>
+          <a:p>
+            <a:endParaRPr lang="en-GB" dirty="0" smtClean="0">
+              <a:latin typeface="Times New Roman" panose="02020603050405020304" pitchFamily="18" charset="0"/>
+              <a:cs typeface="Times New Roman" panose="02020603050405020304" pitchFamily="18" charset="0"/>
+            </a:endParaRPr>
+          </a:p>
+          <a:p>
+            <a:r>
+              <a:rPr lang="en-GB" dirty="0" smtClean="0">
+                <a:latin typeface="Times New Roman" panose="02020603050405020304" pitchFamily="18" charset="0"/>
+                <a:cs typeface="Times New Roman" panose="02020603050405020304" pitchFamily="18" charset="0"/>
+              </a:rPr>
+              <a:t>Certain Bug Fixes</a:t>
+            </a:r>
+          </a:p>
+          <a:p>
+            <a:endParaRPr lang="en-GB" dirty="0">
+              <a:latin typeface="Times New Roman" panose="02020603050405020304" pitchFamily="18" charset="0"/>
+              <a:cs typeface="Times New Roman" panose="02020603050405020304" pitchFamily="18" charset="0"/>
+            </a:endParaRPr>
+          </a:p>
+        </p:txBody>
+      </p:sp>
+    </p:spTree>
+    <p:extLst>
+      <p:ext uri="{BB962C8B-B14F-4D97-AF65-F5344CB8AC3E}">
+        <p14:creationId xmlns:p14="http://schemas.microsoft.com/office/powerpoint/2010/main" val="3442637903"/>
+      </p:ext>
+    </p:extLst>
+  </p:cSld>
+  <p:clrMapOvr>
+    <a:masterClrMapping/>
+  </p:clrMapOvr>
+  <p:timing>
+    <p:tnLst>
+      <p:par>
+        <p:cTn id="1" dur="indefinite" restart="never" nodeType="tmRoot"/>
+      </p:par>
+    </p:tnLst>
+  </p:timing>
+</p:sld>
+</file>
+
+<file path=ppt/slides/slide25.xml><?xml version="1.0" encoding="utf-8"?>
+<p:sld xmlns:a="http://schemas.openxmlformats.org/drawingml/2006/main" xmlns:r="http://schemas.openxmlformats.org/officeDocument/2006/relationships" xmlns:p="http://schemas.openxmlformats.org/presentationml/2006/main">
+  <p:cSld>
+    <p:spTree>
+      <p:nvGrpSpPr>
+        <p:cNvPr id="1" name=""/>
+        <p:cNvGrpSpPr/>
+        <p:nvPr/>
+      </p:nvGrpSpPr>
+      <p:grpSpPr>
+        <a:xfrm>
+          <a:off x="0" y="0"/>
+          <a:ext cx="0" cy="0"/>
+          <a:chOff x="0" y="0"/>
+          <a:chExt cx="0" cy="0"/>
+        </a:xfrm>
+      </p:grpSpPr>
+      <p:sp>
+        <p:nvSpPr>
+          <p:cNvPr id="2" name="Title 1"/>
+          <p:cNvSpPr>
+            <a:spLocks noGrp="1"/>
+          </p:cNvSpPr>
+          <p:nvPr>
+            <p:ph type="title"/>
+          </p:nvPr>
+        </p:nvSpPr>
+        <p:spPr>
+          <a:xfrm>
+            <a:off x="838200" y="212725"/>
+            <a:ext cx="10515600" cy="803275"/>
+          </a:xfrm>
+        </p:spPr>
+        <p:txBody>
+          <a:bodyPr/>
+          <a:lstStyle/>
+          <a:p>
+            <a:r>
+              <a:rPr lang="en-GB" dirty="0" smtClean="0">
+                <a:latin typeface="Times New Roman" panose="02020603050405020304" pitchFamily="18" charset="0"/>
+                <a:cs typeface="Times New Roman" panose="02020603050405020304" pitchFamily="18" charset="0"/>
+              </a:rPr>
+              <a:t>References</a:t>
+            </a:r>
+            <a:endParaRPr lang="en-GB" dirty="0">
+              <a:latin typeface="Times New Roman" panose="02020603050405020304" pitchFamily="18" charset="0"/>
+              <a:cs typeface="Times New Roman" panose="02020603050405020304" pitchFamily="18" charset="0"/>
+            </a:endParaRPr>
+          </a:p>
+        </p:txBody>
+      </p:sp>
+      <p:sp>
+        <p:nvSpPr>
+          <p:cNvPr id="3" name="Content Placeholder 2"/>
+          <p:cNvSpPr>
+            <a:spLocks noGrp="1"/>
+          </p:cNvSpPr>
+          <p:nvPr>
+            <p:ph idx="1"/>
+          </p:nvPr>
+        </p:nvSpPr>
+        <p:spPr>
+          <a:xfrm>
+            <a:off x="838200" y="1139825"/>
+            <a:ext cx="10515600" cy="4351338"/>
+          </a:xfrm>
+        </p:spPr>
+        <p:txBody>
+          <a:bodyPr/>
+          <a:lstStyle/>
+          <a:p>
+            <a:pPr marL="0" indent="0">
+              <a:buNone/>
+            </a:pPr>
+            <a:r>
+              <a:rPr lang="en-GB" dirty="0" smtClean="0"/>
+              <a:t>[1] C</a:t>
+            </a:r>
+            <a:r>
+              <a:rPr lang="en-GB" dirty="0"/>
+              <a:t>. </a:t>
+            </a:r>
+            <a:r>
+              <a:rPr lang="en-GB" dirty="0" err="1"/>
+              <a:t>Daryani</a:t>
+            </a:r>
+            <a:r>
+              <a:rPr lang="en-GB" dirty="0"/>
+              <a:t>, G. S. </a:t>
+            </a:r>
+            <a:r>
+              <a:rPr lang="en-GB" dirty="0" err="1"/>
+              <a:t>Chhabra</a:t>
+            </a:r>
+            <a:r>
+              <a:rPr lang="en-GB" dirty="0"/>
+              <a:t>, H. Patel, I. K. </a:t>
+            </a:r>
+            <a:r>
+              <a:rPr lang="en-GB" dirty="0" err="1"/>
+              <a:t>Chhabra</a:t>
+            </a:r>
+            <a:r>
+              <a:rPr lang="en-GB" dirty="0"/>
+              <a:t>, and R. Patel, “An automated resume screening system using natural language processing and similarity,” ETHICS AND INFORMATION TECHNOLOGY [Internet]. VOLKSON PRESS, pp. 99–103, </a:t>
+            </a:r>
+            <a:r>
+              <a:rPr lang="en-GB" dirty="0" smtClean="0"/>
+              <a:t>2020</a:t>
+            </a:r>
+          </a:p>
+          <a:p>
+            <a:pPr marL="0" indent="0">
+              <a:buNone/>
+            </a:pPr>
+            <a:r>
+              <a:rPr lang="en-GB" dirty="0" smtClean="0"/>
+              <a:t>[2] H</a:t>
+            </a:r>
+            <a:r>
+              <a:rPr lang="en-GB" dirty="0"/>
+              <a:t>. Braun, “Applying learning-to-rank to human resourcing’s job-candidate matching </a:t>
+            </a:r>
+            <a:r>
+              <a:rPr lang="en-GB" dirty="0" err="1"/>
+              <a:t>problem</a:t>
+            </a:r>
+            <a:r>
+              <a:rPr lang="en-GB" dirty="0"/>
+              <a:t>: A case study.” 2017. </a:t>
+            </a:r>
+            <a:endParaRPr lang="en-GB" dirty="0" smtClean="0"/>
+          </a:p>
+          <a:p>
+            <a:pPr marL="0" indent="0">
+              <a:buNone/>
+            </a:pPr>
+            <a:r>
+              <a:rPr lang="en-GB" dirty="0" smtClean="0"/>
+              <a:t>[3] </a:t>
+            </a:r>
+            <a:r>
+              <a:rPr lang="en-GB" dirty="0"/>
+              <a:t>A. </a:t>
+            </a:r>
+            <a:r>
+              <a:rPr lang="en-GB" dirty="0" err="1"/>
+              <a:t>Zaroor</a:t>
+            </a:r>
+            <a:r>
+              <a:rPr lang="en-GB" dirty="0"/>
+              <a:t>, M. Maree, and M. </a:t>
+            </a:r>
+            <a:r>
+              <a:rPr lang="en-GB" dirty="0" err="1"/>
+              <a:t>Sabha</a:t>
+            </a:r>
+            <a:r>
+              <a:rPr lang="en-GB" dirty="0"/>
+              <a:t>, “</a:t>
+            </a:r>
+            <a:r>
+              <a:rPr lang="en-GB" dirty="0" err="1"/>
+              <a:t>Jrc</a:t>
+            </a:r>
+            <a:r>
+              <a:rPr lang="en-GB" dirty="0"/>
+              <a:t>: a job post and resume classification system for online recruitment,” in 2017 IEEE 29th International Conference on Tools with Artificial Intelligence (ICTAI). IEEE, 2017, pp. 780–787</a:t>
+            </a:r>
+            <a:endParaRPr lang="en-GB" dirty="0">
+              <a:latin typeface="Times New Roman" panose="02020603050405020304" pitchFamily="18" charset="0"/>
+              <a:cs typeface="Times New Roman" panose="02020603050405020304" pitchFamily="18" charset="0"/>
+            </a:endParaRPr>
+          </a:p>
+        </p:txBody>
+      </p:sp>
+    </p:spTree>
+    <p:extLst>
+      <p:ext uri="{BB962C8B-B14F-4D97-AF65-F5344CB8AC3E}">
+        <p14:creationId xmlns:p14="http://schemas.microsoft.com/office/powerpoint/2010/main" val="3204088024"/>
+      </p:ext>
+    </p:extLst>
+  </p:cSld>
+  <p:clrMapOvr>
+    <a:masterClrMapping/>
+  </p:clrMapOvr>
+  <p:timing>
+    <p:tnLst>
+      <p:par>
+        <p:cTn id="1" dur="indefinite" restart="never" nodeType="tmRoot"/>
+      </p:par>
+    </p:tnLst>
+  </p:timing>
+</p:sld>
+</file>
+
+<file path=ppt/slides/slide26.xml><?xml version="1.0" encoding="utf-8"?>
+<p:sld xmlns:a="http://schemas.openxmlformats.org/drawingml/2006/main" xmlns:r="http://schemas.openxmlformats.org/officeDocument/2006/relationships" xmlns:p="http://schemas.openxmlformats.org/presentationml/2006/main">
+  <p:cSld>
+    <p:spTree>
+      <p:nvGrpSpPr>
+        <p:cNvPr id="1" name=""/>
+        <p:cNvGrpSpPr/>
+        <p:nvPr/>
+      </p:nvGrpSpPr>
+      <p:grpSpPr>
+        <a:xfrm>
+          <a:off x="0" y="0"/>
+          <a:ext cx="0" cy="0"/>
+          <a:chOff x="0" y="0"/>
+          <a:chExt cx="0" cy="0"/>
+        </a:xfrm>
+      </p:grpSpPr>
+      <p:pic>
+        <p:nvPicPr>
+          <p:cNvPr id="2050" name="Picture 2" descr="Thank You Slides for PowerPoint and Google Slides Presentations"/>
+          <p:cNvPicPr>
+            <a:picLocks noChangeAspect="1" noChangeArrowheads="1"/>
+          </p:cNvPicPr>
+          <p:nvPr/>
+        </p:nvPicPr>
+        <p:blipFill>
+          <a:blip r:embed="rId2">
+            <a:extLst>
+              <a:ext uri="{28A0092B-C50C-407E-A947-70E740481C1C}">
+                <a14:useLocalDpi xmlns:a14="http://schemas.microsoft.com/office/drawing/2010/main" val="0"/>
+              </a:ext>
+            </a:extLst>
+          </a:blip>
+          <a:srcRect/>
+          <a:stretch>
+            <a:fillRect/>
+          </a:stretch>
+        </p:blipFill>
+        <p:spPr bwMode="auto">
+          <a:xfrm>
+            <a:off x="0" y="-355600"/>
+            <a:ext cx="12187146" cy="6858000"/>
+          </a:xfrm>
+          <a:prstGeom prst="rect">
+            <a:avLst/>
+          </a:prstGeom>
+          <a:noFill/>
+          <a:extLst>
+            <a:ext uri="{909E8E84-426E-40DD-AFC4-6F175D3DCCD1}">
+              <a14:hiddenFill xmlns:a14="http://schemas.microsoft.com/office/drawing/2010/main">
+                <a:solidFill>
+                  <a:srgbClr val="FFFFFF"/>
+                </a:solidFill>
+              </a14:hiddenFill>
+            </a:ext>
+          </a:extLst>
+        </p:spPr>
+      </p:pic>
+      <p:sp>
+        <p:nvSpPr>
+          <p:cNvPr id="6" name="Wave 5"/>
+          <p:cNvSpPr/>
+          <p:nvPr/>
+        </p:nvSpPr>
+        <p:spPr>
+          <a:xfrm>
+            <a:off x="2474073" y="4749800"/>
+            <a:ext cx="7239000" cy="1828800"/>
+          </a:xfrm>
+          <a:prstGeom prst="wave">
+            <a:avLst/>
+          </a:prstGeom>
+          <a:ln>
+            <a:noFill/>
+          </a:ln>
+          <a:effectLst>
+            <a:outerShdw blurRad="190500" dist="228600" dir="2700000" algn="ctr">
+              <a:srgbClr val="000000">
+                <a:alpha val="30000"/>
+              </a:srgbClr>
+            </a:outerShdw>
+          </a:effectLst>
+          <a:scene3d>
+            <a:camera prst="orthographicFront">
+              <a:rot lat="0" lon="0" rev="0"/>
+            </a:camera>
+            <a:lightRig rig="glow" dir="t">
+              <a:rot lat="0" lon="0" rev="4800000"/>
+            </a:lightRig>
+          </a:scene3d>
+          <a:sp3d prstMaterial="matte">
+            <a:bevelT w="127000" h="63500"/>
+          </a:sp3d>
+        </p:spPr>
+        <p:style>
+          <a:lnRef idx="2">
+            <a:schemeClr val="dk1"/>
+          </a:lnRef>
+          <a:fillRef idx="1">
+            <a:schemeClr val="lt1"/>
+          </a:fillRef>
+          <a:effectRef idx="0">
+            <a:schemeClr val="dk1"/>
+          </a:effectRef>
+          <a:fontRef idx="minor">
+            <a:schemeClr val="dk1"/>
+          </a:fontRef>
+        </p:style>
+        <p:txBody>
+          <a:bodyPr rtlCol="0" anchor="ctr"/>
+          <a:lstStyle/>
+          <a:p>
+            <a:pPr algn="ctr"/>
+            <a:r>
+              <a:rPr lang="en-GB" sz="4400" b="1" dirty="0" smtClean="0">
+                <a:solidFill>
+                  <a:srgbClr val="383F76"/>
+                </a:solidFill>
+                <a:latin typeface="Times New Roman" panose="02020603050405020304" pitchFamily="18" charset="0"/>
+                <a:cs typeface="Times New Roman" panose="02020603050405020304" pitchFamily="18" charset="0"/>
+              </a:rPr>
+              <a:t>Questions?</a:t>
+            </a:r>
+            <a:endParaRPr lang="en-GB" sz="4400" b="1" dirty="0">
+              <a:solidFill>
+                <a:srgbClr val="383F76"/>
+              </a:solidFill>
+              <a:latin typeface="Times New Roman" panose="02020603050405020304" pitchFamily="18" charset="0"/>
+              <a:cs typeface="Times New Roman" panose="02020603050405020304" pitchFamily="18" charset="0"/>
+            </a:endParaRPr>
+          </a:p>
+        </p:txBody>
+      </p:sp>
+    </p:spTree>
+    <p:extLst>
+      <p:ext uri="{BB962C8B-B14F-4D97-AF65-F5344CB8AC3E}">
+        <p14:creationId xmlns:p14="http://schemas.microsoft.com/office/powerpoint/2010/main" val="2856582278"/>
+      </p:ext>
+    </p:extLst>
+  </p:cSld>
+  <p:clrMapOvr>
+    <a:masterClrMapping/>
+  </p:clrMapOvr>
+  <p:timing>
+    <p:tnLst>
+      <p:par>
+        <p:cTn id="1" dur="indefinite" restart="never" nodeType="tmRoot"/>
+      </p:par>
+    </p:tnLst>
+  </p:timing>
+</p:sld>
+</file>
+
 <file path=ppt/slides/slide3.xml><?xml version="1.0" encoding="utf-8"?>
 <p:sld xmlns:a="http://schemas.openxmlformats.org/drawingml/2006/main" xmlns:r="http://schemas.openxmlformats.org/officeDocument/2006/relationships" xmlns:p="http://schemas.openxmlformats.org/presentationml/2006/main">
   <p:cSld>
@@ -6168,7 +8960,7 @@
         </p:nvSpPr>
         <p:spPr>
           <a:xfrm>
-            <a:off x="838200" y="212725"/>
+            <a:off x="871817" y="-21542"/>
             <a:ext cx="10515600" cy="803275"/>
           </a:xfrm>
         </p:spPr>
@@ -6192,52 +8984,635 @@
       </p:sp>
       <p:sp>
         <p:nvSpPr>
-          <p:cNvPr id="3" name="Content Placeholder 2"/>
-          <p:cNvSpPr>
-            <a:spLocks noGrp="1"/>
-          </p:cNvSpPr>
-          <p:nvPr>
-            <p:ph idx="1"/>
-          </p:nvPr>
-        </p:nvSpPr>
-        <p:spPr>
-          <a:xfrm>
-            <a:off x="838200" y="1139825"/>
-            <a:ext cx="10515600" cy="4351338"/>
-          </a:xfrm>
-        </p:spPr>
-        <p:txBody>
-          <a:bodyPr/>
-          <a:lstStyle/>
-          <a:p>
+          <p:cNvPr id="4" name="Rounded Rectangle 3"/>
+          <p:cNvSpPr/>
+          <p:nvPr/>
+        </p:nvSpPr>
+        <p:spPr>
+          <a:xfrm>
+            <a:off x="905436" y="1792934"/>
+            <a:ext cx="3388659" cy="4374776"/>
+          </a:xfrm>
+          <a:prstGeom prst="roundRect">
+            <a:avLst/>
+          </a:prstGeom>
+          <a:solidFill>
+            <a:srgbClr val="7030A0"/>
+          </a:solidFill>
+        </p:spPr>
+        <p:style>
+          <a:lnRef idx="2">
+            <a:schemeClr val="accent1">
+              <a:shade val="50000"/>
+            </a:schemeClr>
+          </a:lnRef>
+          <a:fillRef idx="1">
+            <a:schemeClr val="accent1"/>
+          </a:fillRef>
+          <a:effectRef idx="0">
+            <a:schemeClr val="accent1"/>
+          </a:effectRef>
+          <a:fontRef idx="minor">
+            <a:schemeClr val="lt1"/>
+          </a:fontRef>
+        </p:style>
+        <p:txBody>
+          <a:bodyPr rtlCol="0" anchor="t"/>
+          <a:lstStyle/>
+          <a:p>
+            <a:pPr algn="ctr"/>
+            <a:r>
+              <a:rPr lang="en-GB" sz="3200" b="1" dirty="0" smtClean="0">
+                <a:latin typeface="Times New Roman" panose="02020603050405020304" pitchFamily="18" charset="0"/>
+                <a:cs typeface="Times New Roman" panose="02020603050405020304" pitchFamily="18" charset="0"/>
+              </a:rPr>
+              <a:t>Background</a:t>
+            </a:r>
+            <a:endParaRPr lang="en-GB" b="1" dirty="0">
+              <a:latin typeface="Times New Roman" panose="02020603050405020304" pitchFamily="18" charset="0"/>
+              <a:cs typeface="Times New Roman" panose="02020603050405020304" pitchFamily="18" charset="0"/>
+            </a:endParaRPr>
+          </a:p>
+        </p:txBody>
+      </p:sp>
+      <p:sp>
+        <p:nvSpPr>
+          <p:cNvPr id="5" name="Rounded Rectangle 4"/>
+          <p:cNvSpPr/>
+          <p:nvPr/>
+        </p:nvSpPr>
+        <p:spPr>
+          <a:xfrm>
+            <a:off x="4724400" y="1792934"/>
+            <a:ext cx="3388659" cy="4374776"/>
+          </a:xfrm>
+          <a:prstGeom prst="roundRect">
+            <a:avLst/>
+          </a:prstGeom>
+          <a:solidFill>
+            <a:srgbClr val="7030A0"/>
+          </a:solidFill>
+        </p:spPr>
+        <p:style>
+          <a:lnRef idx="2">
+            <a:schemeClr val="accent1">
+              <a:shade val="50000"/>
+            </a:schemeClr>
+          </a:lnRef>
+          <a:fillRef idx="1">
+            <a:schemeClr val="accent1"/>
+          </a:fillRef>
+          <a:effectRef idx="0">
+            <a:schemeClr val="accent1"/>
+          </a:effectRef>
+          <a:fontRef idx="minor">
+            <a:schemeClr val="lt1"/>
+          </a:fontRef>
+        </p:style>
+        <p:txBody>
+          <a:bodyPr rtlCol="0" anchor="t"/>
+          <a:lstStyle/>
+          <a:p>
+            <a:pPr algn="ctr"/>
+            <a:r>
+              <a:rPr lang="en-GB" sz="3200" b="1" dirty="0" smtClean="0">
+                <a:latin typeface="Times New Roman" panose="02020603050405020304" pitchFamily="18" charset="0"/>
+                <a:cs typeface="Times New Roman" panose="02020603050405020304" pitchFamily="18" charset="0"/>
+              </a:rPr>
+              <a:t>Importance</a:t>
+            </a:r>
+            <a:endParaRPr lang="en-GB" sz="3200" b="1" dirty="0">
+              <a:latin typeface="Times New Roman" panose="02020603050405020304" pitchFamily="18" charset="0"/>
+              <a:cs typeface="Times New Roman" panose="02020603050405020304" pitchFamily="18" charset="0"/>
+            </a:endParaRPr>
+          </a:p>
+        </p:txBody>
+      </p:sp>
+      <p:sp>
+        <p:nvSpPr>
+          <p:cNvPr id="6" name="Rounded Rectangle 5"/>
+          <p:cNvSpPr/>
+          <p:nvPr/>
+        </p:nvSpPr>
+        <p:spPr>
+          <a:xfrm>
+            <a:off x="8543364" y="1792934"/>
+            <a:ext cx="3388659" cy="4374776"/>
+          </a:xfrm>
+          <a:prstGeom prst="roundRect">
+            <a:avLst/>
+          </a:prstGeom>
+          <a:solidFill>
+            <a:srgbClr val="7030A0"/>
+          </a:solidFill>
+        </p:spPr>
+        <p:style>
+          <a:lnRef idx="2">
+            <a:schemeClr val="accent1">
+              <a:shade val="50000"/>
+            </a:schemeClr>
+          </a:lnRef>
+          <a:fillRef idx="1">
+            <a:schemeClr val="accent1"/>
+          </a:fillRef>
+          <a:effectRef idx="0">
+            <a:schemeClr val="accent1"/>
+          </a:effectRef>
+          <a:fontRef idx="minor">
+            <a:schemeClr val="lt1"/>
+          </a:fontRef>
+        </p:style>
+        <p:txBody>
+          <a:bodyPr rtlCol="0" anchor="t"/>
+          <a:lstStyle/>
+          <a:p>
+            <a:pPr algn="ctr"/>
+            <a:r>
+              <a:rPr lang="en-GB" sz="3200" b="1" dirty="0" smtClean="0">
+                <a:latin typeface="Times New Roman" panose="02020603050405020304" pitchFamily="18" charset="0"/>
+                <a:cs typeface="Times New Roman" panose="02020603050405020304" pitchFamily="18" charset="0"/>
+              </a:rPr>
+              <a:t>Scope</a:t>
+            </a:r>
+            <a:endParaRPr lang="en-GB" sz="3200" b="1" dirty="0">
+              <a:latin typeface="Times New Roman" panose="02020603050405020304" pitchFamily="18" charset="0"/>
+              <a:cs typeface="Times New Roman" panose="02020603050405020304" pitchFamily="18" charset="0"/>
+            </a:endParaRPr>
+          </a:p>
+        </p:txBody>
+      </p:sp>
+      <p:sp>
+        <p:nvSpPr>
+          <p:cNvPr id="13" name="TextBox 12"/>
+          <p:cNvSpPr txBox="1"/>
+          <p:nvPr/>
+        </p:nvSpPr>
+        <p:spPr>
+          <a:xfrm>
+            <a:off x="6236628" y="5562445"/>
+            <a:ext cx="364202" cy="523220"/>
+          </a:xfrm>
+          <a:prstGeom prst="rect">
+            <a:avLst/>
+          </a:prstGeom>
+          <a:noFill/>
+        </p:spPr>
+        <p:txBody>
+          <a:bodyPr wrap="none" rtlCol="0">
+            <a:spAutoFit/>
+          </a:bodyPr>
+          <a:lstStyle/>
+          <a:p>
+            <a:r>
+              <a:rPr lang="en-GB" sz="2800" b="1" dirty="0" smtClean="0">
+                <a:solidFill>
+                  <a:schemeClr val="bg1"/>
+                </a:solidFill>
+                <a:latin typeface="Times New Roman" panose="02020603050405020304" pitchFamily="18" charset="0"/>
+                <a:cs typeface="Times New Roman" panose="02020603050405020304" pitchFamily="18" charset="0"/>
+              </a:rPr>
+              <a:t>2</a:t>
+            </a:r>
+            <a:endParaRPr lang="en-GB" b="1" dirty="0">
+              <a:solidFill>
+                <a:schemeClr val="bg1"/>
+              </a:solidFill>
+              <a:latin typeface="Times New Roman" panose="02020603050405020304" pitchFamily="18" charset="0"/>
+              <a:cs typeface="Times New Roman" panose="02020603050405020304" pitchFamily="18" charset="0"/>
+            </a:endParaRPr>
+          </a:p>
+        </p:txBody>
+      </p:sp>
+      <p:sp>
+        <p:nvSpPr>
+          <p:cNvPr id="15" name="TextBox 14"/>
+          <p:cNvSpPr txBox="1"/>
+          <p:nvPr/>
+        </p:nvSpPr>
+        <p:spPr>
+          <a:xfrm>
+            <a:off x="10055592" y="5562445"/>
+            <a:ext cx="364202" cy="523220"/>
+          </a:xfrm>
+          <a:prstGeom prst="rect">
+            <a:avLst/>
+          </a:prstGeom>
+          <a:noFill/>
+        </p:spPr>
+        <p:txBody>
+          <a:bodyPr wrap="none" rtlCol="0">
+            <a:spAutoFit/>
+          </a:bodyPr>
+          <a:lstStyle/>
+          <a:p>
+            <a:r>
+              <a:rPr lang="en-GB" sz="2800" b="1" dirty="0" smtClean="0">
+                <a:solidFill>
+                  <a:schemeClr val="bg1"/>
+                </a:solidFill>
+                <a:latin typeface="Times New Roman" panose="02020603050405020304" pitchFamily="18" charset="0"/>
+                <a:cs typeface="Times New Roman" panose="02020603050405020304" pitchFamily="18" charset="0"/>
+              </a:rPr>
+              <a:t>3</a:t>
+            </a:r>
+            <a:endParaRPr lang="en-GB" b="1" dirty="0">
+              <a:solidFill>
+                <a:schemeClr val="bg1"/>
+              </a:solidFill>
+              <a:latin typeface="Times New Roman" panose="02020603050405020304" pitchFamily="18" charset="0"/>
+              <a:cs typeface="Times New Roman" panose="02020603050405020304" pitchFamily="18" charset="0"/>
+            </a:endParaRPr>
+          </a:p>
+        </p:txBody>
+      </p:sp>
+      <p:sp>
+        <p:nvSpPr>
+          <p:cNvPr id="17" name="TextBox 16"/>
+          <p:cNvSpPr txBox="1"/>
+          <p:nvPr/>
+        </p:nvSpPr>
+        <p:spPr>
+          <a:xfrm>
+            <a:off x="2417664" y="5566772"/>
+            <a:ext cx="364202" cy="523220"/>
+          </a:xfrm>
+          <a:prstGeom prst="rect">
+            <a:avLst/>
+          </a:prstGeom>
+          <a:noFill/>
+        </p:spPr>
+        <p:txBody>
+          <a:bodyPr wrap="none" rtlCol="0">
+            <a:spAutoFit/>
+          </a:bodyPr>
+          <a:lstStyle/>
+          <a:p>
+            <a:r>
+              <a:rPr lang="en-GB" sz="2800" b="1" dirty="0" smtClean="0">
+                <a:solidFill>
+                  <a:schemeClr val="bg1"/>
+                </a:solidFill>
+                <a:latin typeface="Times New Roman" panose="02020603050405020304" pitchFamily="18" charset="0"/>
+                <a:cs typeface="Times New Roman" panose="02020603050405020304" pitchFamily="18" charset="0"/>
+              </a:rPr>
+              <a:t>1</a:t>
+            </a:r>
+            <a:endParaRPr lang="en-GB" b="1" dirty="0">
+              <a:solidFill>
+                <a:schemeClr val="bg1"/>
+              </a:solidFill>
+              <a:latin typeface="Times New Roman" panose="02020603050405020304" pitchFamily="18" charset="0"/>
+              <a:cs typeface="Times New Roman" panose="02020603050405020304" pitchFamily="18" charset="0"/>
+            </a:endParaRPr>
+          </a:p>
+        </p:txBody>
+      </p:sp>
+      <p:sp>
+        <p:nvSpPr>
+          <p:cNvPr id="20" name="TextBox 19"/>
+          <p:cNvSpPr txBox="1"/>
+          <p:nvPr/>
+        </p:nvSpPr>
+        <p:spPr>
+          <a:xfrm>
+            <a:off x="1032221" y="2676606"/>
+            <a:ext cx="2930179" cy="1754326"/>
+          </a:xfrm>
+          <a:prstGeom prst="rect">
+            <a:avLst/>
+          </a:prstGeom>
+          <a:noFill/>
+        </p:spPr>
+        <p:txBody>
+          <a:bodyPr wrap="square" rtlCol="0">
+            <a:spAutoFit/>
+          </a:bodyPr>
+          <a:lstStyle/>
+          <a:p>
+            <a:pPr marL="285750" indent="-285750">
+              <a:buFont typeface="Arial" panose="020B0604020202020204" pitchFamily="34" charset="0"/>
+              <a:buChar char="•"/>
+            </a:pPr>
+            <a:r>
+              <a:rPr lang="en-GB" dirty="0" smtClean="0">
+                <a:solidFill>
+                  <a:schemeClr val="bg1"/>
+                </a:solidFill>
+              </a:rPr>
+              <a:t>HireHawk analyses </a:t>
+            </a:r>
+            <a:r>
+              <a:rPr lang="en-GB" dirty="0">
+                <a:solidFill>
+                  <a:schemeClr val="bg1"/>
+                </a:solidFill>
+              </a:rPr>
+              <a:t>applied applicant resumes and assists HR in recruiting the perfect candidates for the given </a:t>
+            </a:r>
+            <a:r>
+              <a:rPr lang="en-GB" dirty="0" smtClean="0">
+                <a:solidFill>
+                  <a:schemeClr val="bg1"/>
+                </a:solidFill>
+              </a:rPr>
+              <a:t>vacancy.</a:t>
+            </a:r>
+            <a:endParaRPr lang="en-GB" dirty="0">
+              <a:solidFill>
+                <a:schemeClr val="bg1"/>
+              </a:solidFill>
+            </a:endParaRPr>
+          </a:p>
+        </p:txBody>
+      </p:sp>
+      <p:sp>
+        <p:nvSpPr>
+          <p:cNvPr id="21" name="TextBox 20"/>
+          <p:cNvSpPr txBox="1"/>
+          <p:nvPr/>
+        </p:nvSpPr>
+        <p:spPr>
+          <a:xfrm>
+            <a:off x="4869115" y="2676606"/>
+            <a:ext cx="3118438" cy="2308324"/>
+          </a:xfrm>
+          <a:prstGeom prst="rect">
+            <a:avLst/>
+          </a:prstGeom>
+          <a:noFill/>
+        </p:spPr>
+        <p:txBody>
+          <a:bodyPr wrap="square" rtlCol="0">
+            <a:spAutoFit/>
+          </a:bodyPr>
+          <a:lstStyle/>
+          <a:p>
+            <a:pPr marL="285750" indent="-285750">
+              <a:buFont typeface="Arial" panose="020B0604020202020204" pitchFamily="34" charset="0"/>
+              <a:buChar char="•"/>
+            </a:pPr>
+            <a:r>
+              <a:rPr lang="en-GB" dirty="0">
+                <a:solidFill>
+                  <a:schemeClr val="bg1"/>
+                </a:solidFill>
+              </a:rPr>
+              <a:t>S</a:t>
+            </a:r>
+            <a:r>
+              <a:rPr lang="en-GB" dirty="0" smtClean="0">
+                <a:solidFill>
+                  <a:schemeClr val="bg1"/>
+                </a:solidFill>
+              </a:rPr>
+              <a:t>treamline hiring by automating </a:t>
+            </a:r>
+            <a:r>
+              <a:rPr lang="en-GB" dirty="0">
+                <a:solidFill>
+                  <a:schemeClr val="bg1"/>
+                </a:solidFill>
+              </a:rPr>
+              <a:t>resume analysis and </a:t>
+            </a:r>
+            <a:r>
+              <a:rPr lang="en-GB" dirty="0" smtClean="0">
+                <a:solidFill>
+                  <a:schemeClr val="bg1"/>
+                </a:solidFill>
+              </a:rPr>
+              <a:t>scoring</a:t>
+            </a:r>
+          </a:p>
+          <a:p>
+            <a:pPr marL="285750" indent="-285750">
+              <a:buFont typeface="Arial" panose="020B0604020202020204" pitchFamily="34" charset="0"/>
+              <a:buChar char="•"/>
+            </a:pPr>
+            <a:r>
+              <a:rPr lang="en-GB" dirty="0">
+                <a:solidFill>
+                  <a:schemeClr val="bg1"/>
+                </a:solidFill>
+              </a:rPr>
+              <a:t>E</a:t>
+            </a:r>
+            <a:r>
+              <a:rPr lang="en-GB" dirty="0" smtClean="0">
+                <a:solidFill>
+                  <a:schemeClr val="bg1"/>
+                </a:solidFill>
+              </a:rPr>
+              <a:t>fficient </a:t>
+            </a:r>
+            <a:r>
+              <a:rPr lang="en-GB" dirty="0">
+                <a:solidFill>
+                  <a:schemeClr val="bg1"/>
+                </a:solidFill>
+              </a:rPr>
+              <a:t>and accurate matching of skills to job requirements, benefiting both employers and applicants.</a:t>
+            </a:r>
+            <a:endParaRPr lang="en-GB" dirty="0">
+              <a:solidFill>
+                <a:schemeClr val="bg1"/>
+              </a:solidFill>
+            </a:endParaRPr>
+          </a:p>
+        </p:txBody>
+      </p:sp>
+      <p:sp>
+        <p:nvSpPr>
+          <p:cNvPr id="22" name="Rectangle 21"/>
+          <p:cNvSpPr/>
+          <p:nvPr/>
+        </p:nvSpPr>
+        <p:spPr>
+          <a:xfrm>
+            <a:off x="871817" y="742075"/>
+            <a:ext cx="11093823" cy="923330"/>
+          </a:xfrm>
+          <a:prstGeom prst="rect">
+            <a:avLst/>
+          </a:prstGeom>
+        </p:spPr>
+        <p:txBody>
+          <a:bodyPr wrap="square">
+            <a:spAutoFit/>
+          </a:bodyPr>
+          <a:lstStyle/>
+          <a:p>
+            <a:r>
+              <a:rPr lang="en-GB" dirty="0">
+                <a:latin typeface="Times New Roman" panose="02020603050405020304" pitchFamily="18" charset="0"/>
+                <a:cs typeface="Times New Roman" panose="02020603050405020304" pitchFamily="18" charset="0"/>
+              </a:rPr>
+              <a:t>The "Hire-Hawk: An Applicant Tracking System" </a:t>
+            </a:r>
             <a:r>
               <a:rPr lang="en-GB" dirty="0" smtClean="0">
                 <a:latin typeface="Times New Roman" panose="02020603050405020304" pitchFamily="18" charset="0"/>
                 <a:cs typeface="Times New Roman" panose="02020603050405020304" pitchFamily="18" charset="0"/>
               </a:rPr>
-              <a:t>* Background</a:t>
-            </a:r>
-          </a:p>
-          <a:p>
-            <a:r>
-              <a:rPr lang="en-GB" dirty="0" smtClean="0">
+              <a:t>simplifies and </a:t>
+            </a:r>
+            <a:r>
+              <a:rPr lang="en-GB" dirty="0">
                 <a:latin typeface="Times New Roman" panose="02020603050405020304" pitchFamily="18" charset="0"/>
                 <a:cs typeface="Times New Roman" panose="02020603050405020304" pitchFamily="18" charset="0"/>
               </a:rPr>
-              <a:t>Importance</a:t>
-            </a:r>
-          </a:p>
-          <a:p>
-            <a:r>
-              <a:rPr lang="en-GB" dirty="0" smtClean="0">
-                <a:latin typeface="Times New Roman" panose="02020603050405020304" pitchFamily="18" charset="0"/>
-                <a:cs typeface="Times New Roman" panose="02020603050405020304" pitchFamily="18" charset="0"/>
-              </a:rPr>
-              <a:t>Scope</a:t>
+              <a:t>modernize the recruitment process. </a:t>
+            </a:r>
+            <a:endParaRPr lang="en-GB" dirty="0" smtClean="0">
+              <a:latin typeface="Times New Roman" panose="02020603050405020304" pitchFamily="18" charset="0"/>
+              <a:cs typeface="Times New Roman" panose="02020603050405020304" pitchFamily="18" charset="0"/>
+            </a:endParaRPr>
+          </a:p>
+          <a:p>
+            <a:r>
+              <a:rPr lang="en-GB" dirty="0"/>
+              <a:t>The goal is to help companies quickly find the right candidates without going through time-consuming and challenging procedures.</a:t>
             </a:r>
             <a:endParaRPr lang="en-GB" dirty="0">
               <a:latin typeface="Times New Roman" panose="02020603050405020304" pitchFamily="18" charset="0"/>
               <a:cs typeface="Times New Roman" panose="02020603050405020304" pitchFamily="18" charset="0"/>
+            </a:endParaRPr>
+          </a:p>
+        </p:txBody>
+      </p:sp>
+      <p:sp>
+        <p:nvSpPr>
+          <p:cNvPr id="23" name="TextBox 22"/>
+          <p:cNvSpPr txBox="1"/>
+          <p:nvPr/>
+        </p:nvSpPr>
+        <p:spPr>
+          <a:xfrm>
+            <a:off x="8678474" y="2664202"/>
+            <a:ext cx="3118438" cy="3416320"/>
+          </a:xfrm>
+          <a:prstGeom prst="rect">
+            <a:avLst/>
+          </a:prstGeom>
+          <a:noFill/>
+        </p:spPr>
+        <p:txBody>
+          <a:bodyPr wrap="square" rtlCol="0">
+            <a:spAutoFit/>
+          </a:bodyPr>
+          <a:lstStyle/>
+          <a:p>
+            <a:pPr marL="285750" indent="-285750">
+              <a:buFont typeface="Arial" panose="020B0604020202020204" pitchFamily="34" charset="0"/>
+              <a:buChar char="•"/>
+            </a:pPr>
+            <a:r>
+              <a:rPr lang="en-GB" dirty="0">
+                <a:solidFill>
+                  <a:schemeClr val="bg1"/>
+                </a:solidFill>
+              </a:rPr>
+              <a:t>Comprehensive online recruitment system.</a:t>
+            </a:r>
+          </a:p>
+          <a:p>
+            <a:pPr marL="285750" indent="-285750">
+              <a:buFont typeface="Arial" panose="020B0604020202020204" pitchFamily="34" charset="0"/>
+              <a:buChar char="•"/>
+            </a:pPr>
+            <a:endParaRPr lang="en-GB" dirty="0" smtClean="0">
+              <a:solidFill>
+                <a:schemeClr val="bg1"/>
+              </a:solidFill>
+            </a:endParaRPr>
+          </a:p>
+          <a:p>
+            <a:pPr marL="285750" indent="-285750">
+              <a:buFont typeface="Arial" panose="020B0604020202020204" pitchFamily="34" charset="0"/>
+              <a:buChar char="•"/>
+            </a:pPr>
+            <a:r>
+              <a:rPr lang="en-GB" dirty="0" smtClean="0">
+                <a:solidFill>
+                  <a:schemeClr val="bg1"/>
+                </a:solidFill>
+              </a:rPr>
+              <a:t>Effective in Corporate Industries, Human </a:t>
+            </a:r>
+            <a:r>
+              <a:rPr lang="en-GB" dirty="0">
+                <a:solidFill>
+                  <a:schemeClr val="bg1"/>
+                </a:solidFill>
+              </a:rPr>
+              <a:t>Resource </a:t>
+            </a:r>
+            <a:r>
+              <a:rPr lang="en-GB" dirty="0" smtClean="0">
+                <a:solidFill>
+                  <a:schemeClr val="bg1"/>
+                </a:solidFill>
+              </a:rPr>
+              <a:t>Department &amp;</a:t>
+            </a:r>
+            <a:r>
+              <a:rPr lang="en-GB" dirty="0">
+                <a:solidFill>
+                  <a:schemeClr val="bg1"/>
+                </a:solidFill>
+              </a:rPr>
+              <a:t> </a:t>
+            </a:r>
+            <a:r>
+              <a:rPr lang="en-GB" dirty="0" smtClean="0">
+                <a:solidFill>
+                  <a:schemeClr val="bg1"/>
+                </a:solidFill>
+              </a:rPr>
+              <a:t>Recruitment Agencies.</a:t>
+            </a:r>
+          </a:p>
+          <a:p>
+            <a:endParaRPr lang="en-GB" dirty="0" smtClean="0">
+              <a:solidFill>
+                <a:schemeClr val="bg1"/>
+              </a:solidFill>
+            </a:endParaRPr>
+          </a:p>
+          <a:p>
+            <a:pPr marL="285750" indent="-285750">
+              <a:buFont typeface="Arial" panose="020B0604020202020204" pitchFamily="34" charset="0"/>
+              <a:buChar char="•"/>
+            </a:pPr>
+            <a:r>
+              <a:rPr lang="en-GB" dirty="0">
+                <a:solidFill>
+                  <a:schemeClr val="bg1"/>
+                </a:solidFill>
+              </a:rPr>
+              <a:t>Applicant submissions with automated resume analysis.</a:t>
+            </a:r>
+          </a:p>
+          <a:p>
+            <a:pPr marL="285750" indent="-285750">
+              <a:buFont typeface="Arial" panose="020B0604020202020204" pitchFamily="34" charset="0"/>
+              <a:buChar char="•"/>
+            </a:pPr>
+            <a:endParaRPr lang="en-GB" dirty="0" smtClean="0">
+              <a:solidFill>
+                <a:schemeClr val="bg1"/>
+              </a:solidFill>
+            </a:endParaRPr>
+          </a:p>
+          <a:p>
+            <a:pPr marL="285750" indent="-285750">
+              <a:buFont typeface="Arial" panose="020B0604020202020204" pitchFamily="34" charset="0"/>
+              <a:buChar char="•"/>
+            </a:pPr>
+            <a:endParaRPr lang="en-GB" dirty="0">
+              <a:solidFill>
+                <a:schemeClr val="bg1"/>
+              </a:solidFill>
             </a:endParaRPr>
           </a:p>
         </p:txBody>
@@ -6255,9 +9630,181 @@
   <p:timing>
     <p:tnLst>
       <p:par>
-        <p:cTn id="1" dur="indefinite" restart="never" nodeType="tmRoot"/>
+        <p:cTn id="1" dur="indefinite" restart="never" nodeType="tmRoot">
+          <p:childTnLst>
+            <p:seq concurrent="1" nextAc="seek">
+              <p:cTn id="2" dur="indefinite" nodeType="mainSeq">
+                <p:childTnLst>
+                  <p:par>
+                    <p:cTn id="3" fill="hold">
+                      <p:stCondLst>
+                        <p:cond delay="indefinite"/>
+                        <p:cond evt="onBegin" delay="0">
+                          <p:tn val="2"/>
+                        </p:cond>
+                      </p:stCondLst>
+                      <p:childTnLst>
+                        <p:par>
+                          <p:cTn id="4" fill="hold">
+                            <p:stCondLst>
+                              <p:cond delay="0"/>
+                            </p:stCondLst>
+                            <p:childTnLst>
+                              <p:par>
+                                <p:cTn id="5" presetID="10" presetClass="entr" presetSubtype="0" fill="hold" grpId="0" nodeType="afterEffect">
+                                  <p:stCondLst>
+                                    <p:cond delay="0"/>
+                                  </p:stCondLst>
+                                  <p:childTnLst>
+                                    <p:set>
+                                      <p:cBhvr>
+                                        <p:cTn id="6" dur="1" fill="hold">
+                                          <p:stCondLst>
+                                            <p:cond delay="0"/>
+                                          </p:stCondLst>
+                                        </p:cTn>
+                                        <p:tgtEl>
+                                          <p:spTgt spid="4"/>
+                                        </p:tgtEl>
+                                        <p:attrNameLst>
+                                          <p:attrName>style.visibility</p:attrName>
+                                        </p:attrNameLst>
+                                      </p:cBhvr>
+                                      <p:to>
+                                        <p:strVal val="visible"/>
+                                      </p:to>
+                                    </p:set>
+                                    <p:animEffect transition="in" filter="fade">
+                                      <p:cBhvr>
+                                        <p:cTn id="7" dur="500"/>
+                                        <p:tgtEl>
+                                          <p:spTgt spid="4"/>
+                                        </p:tgtEl>
+                                      </p:cBhvr>
+                                    </p:animEffect>
+                                  </p:childTnLst>
+                                </p:cTn>
+                              </p:par>
+                            </p:childTnLst>
+                          </p:cTn>
+                        </p:par>
+                        <p:par>
+                          <p:cTn id="8" fill="hold">
+                            <p:stCondLst>
+                              <p:cond delay="500"/>
+                            </p:stCondLst>
+                            <p:childTnLst>
+                              <p:par>
+                                <p:cTn id="9" presetID="10" presetClass="entr" presetSubtype="0" fill="hold" grpId="0" nodeType="afterEffect">
+                                  <p:stCondLst>
+                                    <p:cond delay="0"/>
+                                  </p:stCondLst>
+                                  <p:childTnLst>
+                                    <p:set>
+                                      <p:cBhvr>
+                                        <p:cTn id="10" dur="1" fill="hold">
+                                          <p:stCondLst>
+                                            <p:cond delay="0"/>
+                                          </p:stCondLst>
+                                        </p:cTn>
+                                        <p:tgtEl>
+                                          <p:spTgt spid="5"/>
+                                        </p:tgtEl>
+                                        <p:attrNameLst>
+                                          <p:attrName>style.visibility</p:attrName>
+                                        </p:attrNameLst>
+                                      </p:cBhvr>
+                                      <p:to>
+                                        <p:strVal val="visible"/>
+                                      </p:to>
+                                    </p:set>
+                                    <p:animEffect transition="in" filter="fade">
+                                      <p:cBhvr>
+                                        <p:cTn id="11" dur="500"/>
+                                        <p:tgtEl>
+                                          <p:spTgt spid="5"/>
+                                        </p:tgtEl>
+                                      </p:cBhvr>
+                                    </p:animEffect>
+                                  </p:childTnLst>
+                                </p:cTn>
+                              </p:par>
+                            </p:childTnLst>
+                          </p:cTn>
+                        </p:par>
+                        <p:par>
+                          <p:cTn id="12" fill="hold">
+                            <p:stCondLst>
+                              <p:cond delay="1000"/>
+                            </p:stCondLst>
+                            <p:childTnLst>
+                              <p:par>
+                                <p:cTn id="13" presetID="10" presetClass="entr" presetSubtype="0" fill="hold" grpId="0" nodeType="afterEffect">
+                                  <p:stCondLst>
+                                    <p:cond delay="0"/>
+                                  </p:stCondLst>
+                                  <p:childTnLst>
+                                    <p:set>
+                                      <p:cBhvr>
+                                        <p:cTn id="14" dur="1" fill="hold">
+                                          <p:stCondLst>
+                                            <p:cond delay="0"/>
+                                          </p:stCondLst>
+                                        </p:cTn>
+                                        <p:tgtEl>
+                                          <p:spTgt spid="6"/>
+                                        </p:tgtEl>
+                                        <p:attrNameLst>
+                                          <p:attrName>style.visibility</p:attrName>
+                                        </p:attrNameLst>
+                                      </p:cBhvr>
+                                      <p:to>
+                                        <p:strVal val="visible"/>
+                                      </p:to>
+                                    </p:set>
+                                    <p:animEffect transition="in" filter="fade">
+                                      <p:cBhvr>
+                                        <p:cTn id="15" dur="500"/>
+                                        <p:tgtEl>
+                                          <p:spTgt spid="6"/>
+                                        </p:tgtEl>
+                                      </p:cBhvr>
+                                    </p:animEffect>
+                                  </p:childTnLst>
+                                </p:cTn>
+                              </p:par>
+                            </p:childTnLst>
+                          </p:cTn>
+                        </p:par>
+                      </p:childTnLst>
+                    </p:cTn>
+                  </p:par>
+                </p:childTnLst>
+              </p:cTn>
+              <p:prevCondLst>
+                <p:cond evt="onPrev" delay="0">
+                  <p:tgtEl>
+                    <p:sldTgt/>
+                  </p:tgtEl>
+                </p:cond>
+              </p:prevCondLst>
+              <p:nextCondLst>
+                <p:cond evt="onNext" delay="0">
+                  <p:tgtEl>
+                    <p:sldTgt/>
+                  </p:tgtEl>
+                </p:cond>
+              </p:nextCondLst>
+            </p:seq>
+          </p:childTnLst>
+        </p:cTn>
       </p:par>
     </p:tnLst>
+    <p:bldLst>
+      <p:bldP spid="4" grpId="0" animBg="1"/>
+      <p:bldP spid="5" grpId="0" animBg="1"/>
+      <p:bldP spid="6" grpId="0" animBg="1"/>
+    </p:bldLst>
   </p:timing>
 </p:sld>
 </file>
@@ -6333,10 +9880,27 @@
           <a:bodyPr/>
           <a:lstStyle/>
           <a:p>
-            <a:endParaRPr lang="en-GB" dirty="0">
-              <a:latin typeface="Times New Roman" panose="02020603050405020304" pitchFamily="18" charset="0"/>
-              <a:cs typeface="Times New Roman" panose="02020603050405020304" pitchFamily="18" charset="0"/>
-            </a:endParaRPr>
+            <a:r>
+              <a:rPr lang="en-GB" dirty="0"/>
+              <a:t>Traditional hiring faces challenges with manual screening and subjective evaluations.</a:t>
+            </a:r>
+          </a:p>
+          <a:p>
+            <a:r>
+              <a:rPr lang="en-GB" dirty="0"/>
+              <a:t>Overwhelmed recruiters, time constraints, and a lack of in-depth analysis of resumes.</a:t>
+            </a:r>
+          </a:p>
+          <a:p>
+            <a:r>
+              <a:rPr lang="en-GB" dirty="0"/>
+              <a:t>"Hire-Hawk" addresses these challenges using the cosine similarity algorithm for objective and efficient resume analysis</a:t>
+            </a:r>
+            <a:r>
+              <a:rPr lang="en-GB" dirty="0" smtClean="0"/>
+              <a:t>.</a:t>
+            </a:r>
+            <a:endParaRPr lang="en-GB" dirty="0"/>
           </a:p>
         </p:txBody>
       </p:sp>
@@ -6431,10 +9995,33 @@
           <a:bodyPr/>
           <a:lstStyle/>
           <a:p>
-            <a:endParaRPr lang="en-GB" dirty="0">
-              <a:latin typeface="Times New Roman" panose="02020603050405020304" pitchFamily="18" charset="0"/>
-              <a:cs typeface="Times New Roman" panose="02020603050405020304" pitchFamily="18" charset="0"/>
-            </a:endParaRPr>
+            <a:r>
+              <a:rPr lang="en-GB" dirty="0"/>
+              <a:t>Revolutionizes recruitment with a transparent and accessible platform.</a:t>
+            </a:r>
+          </a:p>
+          <a:p>
+            <a:r>
+              <a:rPr lang="en-GB" dirty="0"/>
+              <a:t>Automates screening, saving time for recruiters and providing a fair chance for job seekers.</a:t>
+            </a:r>
+          </a:p>
+          <a:p>
+            <a:r>
+              <a:rPr lang="en-GB" dirty="0"/>
+              <a:t>Enhances efficiency and accuracy in matching skills to job requirements.</a:t>
+            </a:r>
+          </a:p>
+          <a:p>
+            <a:r>
+              <a:rPr lang="en-GB" dirty="0"/>
+              <a:t>Objective assessment through the cosine similarity algorithm ensures a fair and efficient evaluation of candidates</a:t>
+            </a:r>
+            <a:r>
+              <a:rPr lang="en-GB" dirty="0" smtClean="0"/>
+              <a:t>.</a:t>
+            </a:r>
+            <a:endParaRPr lang="en-GB" dirty="0"/>
           </a:p>
         </p:txBody>
       </p:sp>
@@ -6529,6 +10116,38 @@
           <a:bodyPr/>
           <a:lstStyle/>
           <a:p>
+            <a:r>
+              <a:rPr lang="en-GB" dirty="0"/>
+              <a:t>Comprehensive online recruitment system.</a:t>
+            </a:r>
+          </a:p>
+          <a:p>
+            <a:r>
+              <a:rPr lang="en-GB" dirty="0"/>
+              <a:t>Job posting, updating, and deletion functionalities for administrators.</a:t>
+            </a:r>
+          </a:p>
+          <a:p>
+            <a:r>
+              <a:rPr lang="en-GB" dirty="0"/>
+              <a:t>Applicant submissions with automated resume analysis.</a:t>
+            </a:r>
+          </a:p>
+          <a:p>
+            <a:r>
+              <a:rPr lang="en-GB" dirty="0"/>
+              <a:t>Scoring mechanism for applicants based on resumes and job criteria</a:t>
+            </a:r>
+            <a:r>
+              <a:rPr lang="en-GB" dirty="0" smtClean="0"/>
+              <a:t>. Security </a:t>
+            </a:r>
+            <a:r>
+              <a:rPr lang="en-GB" dirty="0"/>
+              <a:t>measures for authentication and scalability for growing data and user volumes.</a:t>
+            </a:r>
+          </a:p>
+          <a:p>
             <a:endParaRPr lang="en-GB" dirty="0">
               <a:latin typeface="Times New Roman" panose="02020603050405020304" pitchFamily="18" charset="0"/>
               <a:cs typeface="Times New Roman" panose="02020603050405020304" pitchFamily="18" charset="0"/>
@@ -6628,23 +10247,29 @@
           <a:lstStyle/>
           <a:p>
             <a:r>
-              <a:rPr lang="en-GB" dirty="0" smtClean="0">
-                <a:latin typeface="Times New Roman" panose="02020603050405020304" pitchFamily="18" charset="0"/>
-                <a:cs typeface="Times New Roman" panose="02020603050405020304" pitchFamily="18" charset="0"/>
-              </a:rPr>
-              <a:t>To …</a:t>
-            </a:r>
-          </a:p>
-          <a:p>
-            <a:r>
-              <a:rPr lang="en-GB" dirty="0" smtClean="0">
-                <a:latin typeface="Times New Roman" panose="02020603050405020304" pitchFamily="18" charset="0"/>
-                <a:cs typeface="Times New Roman" panose="02020603050405020304" pitchFamily="18" charset="0"/>
-              </a:rPr>
-              <a:t>To …</a:t>
-            </a:r>
-          </a:p>
-          <a:p>
+              <a:rPr lang="en-GB" dirty="0"/>
+              <a:t>To address challenges in traditional hiring processes characterized by manual screening and subjective evaluations.</a:t>
+            </a:r>
+          </a:p>
+          <a:p>
+            <a:r>
+              <a:rPr lang="en-GB" dirty="0"/>
+              <a:t>To alleviate the overwhelming workload on recruiters dealing with a high volume of resumes</a:t>
+            </a:r>
+            <a:r>
+              <a:rPr lang="en-GB" dirty="0" smtClean="0"/>
+              <a:t>.</a:t>
+            </a:r>
+          </a:p>
+          <a:p>
+            <a:r>
+              <a:rPr lang="en-GB" dirty="0"/>
+              <a:t>To ensure a transparent and efficient connection between employers and job seekers</a:t>
+            </a:r>
+            <a:r>
+              <a:rPr lang="en-GB" dirty="0" smtClean="0"/>
+              <a:t>.</a:t>
+            </a:r>
             <a:endParaRPr lang="en-GB" dirty="0">
               <a:latin typeface="Times New Roman" panose="02020603050405020304" pitchFamily="18" charset="0"/>
               <a:cs typeface="Times New Roman" panose="02020603050405020304" pitchFamily="18" charset="0"/>
@@ -6737,6 +10362,9 @@
           <a:prstGeom prst="rect">
             <a:avLst/>
           </a:prstGeom>
+          <a:solidFill>
+            <a:srgbClr val="7030A0"/>
+          </a:solidFill>
         </p:spPr>
         <p:style>
           <a:lnRef idx="2">
@@ -6760,8 +10388,16 @@
           <a:p>
             <a:pPr algn="ctr"/>
             <a:r>
+              <a:rPr lang="en-GB" dirty="0" err="1" smtClean="0"/>
+              <a:t>Analyze</a:t>
+            </a:r>
+            <a:r>
               <a:rPr lang="en-GB" dirty="0" smtClean="0"/>
-              <a:t>1) </a:t>
+              <a:t> </a:t>
+            </a:r>
+            <a:r>
+              <a:rPr lang="en-GB" dirty="0"/>
+              <a:t>applied applicant resumes and assist HR in the recruitment</a:t>
             </a:r>
             <a:endParaRPr lang="en-GB" dirty="0"/>
           </a:p>
@@ -6781,6 +10417,9 @@
           <a:prstGeom prst="rect">
             <a:avLst/>
           </a:prstGeom>
+          <a:solidFill>
+            <a:srgbClr val="7030A0"/>
+          </a:solidFill>
         </p:spPr>
         <p:style>
           <a:lnRef idx="2">
@@ -6803,7 +10442,11 @@
           <a:lstStyle/>
           <a:p>
             <a:pPr algn="ctr"/>
-            <a:endParaRPr lang="en-GB"/>
+            <a:r>
+              <a:rPr lang="en-GB" dirty="0" smtClean="0"/>
+              <a:t>To identify qualified candidates quickly and easily</a:t>
+            </a:r>
+            <a:endParaRPr lang="en-GB" dirty="0"/>
           </a:p>
         </p:txBody>
       </p:sp>
@@ -6821,6 +10464,9 @@
           <a:prstGeom prst="rect">
             <a:avLst/>
           </a:prstGeom>
+          <a:solidFill>
+            <a:srgbClr val="7030A0"/>
+          </a:solidFill>
         </p:spPr>
         <p:style>
           <a:lnRef idx="2">
@@ -6843,127 +10489,11 @@
           <a:lstStyle/>
           <a:p>
             <a:pPr algn="ctr"/>
-            <a:endParaRPr lang="en-GB"/>
-          </a:p>
-        </p:txBody>
-      </p:sp>
-      <p:sp>
-        <p:nvSpPr>
-          <p:cNvPr id="7" name="Rectangle 6"/>
-          <p:cNvSpPr/>
-          <p:nvPr/>
-        </p:nvSpPr>
-        <p:spPr>
-          <a:xfrm>
-            <a:off x="5791200" y="4627563"/>
-            <a:ext cx="2413000" cy="1562100"/>
-          </a:xfrm>
-          <a:prstGeom prst="rect">
-            <a:avLst/>
-          </a:prstGeom>
-        </p:spPr>
-        <p:style>
-          <a:lnRef idx="2">
-            <a:schemeClr val="accent1">
-              <a:shade val="50000"/>
-            </a:schemeClr>
-          </a:lnRef>
-          <a:fillRef idx="1">
-            <a:schemeClr val="accent1"/>
-          </a:fillRef>
-          <a:effectRef idx="0">
-            <a:schemeClr val="accent1"/>
-          </a:effectRef>
-          <a:fontRef idx="minor">
-            <a:schemeClr val="lt1"/>
-          </a:fontRef>
-        </p:style>
-        <p:txBody>
-          <a:bodyPr rtlCol="0" anchor="ctr"/>
-          <a:lstStyle/>
-          <a:p>
-            <a:pPr algn="ctr"/>
-            <a:endParaRPr lang="en-GB"/>
-          </a:p>
-        </p:txBody>
-      </p:sp>
-      <p:sp>
-        <p:nvSpPr>
-          <p:cNvPr id="8" name="Rectangle 7"/>
-          <p:cNvSpPr/>
-          <p:nvPr/>
-        </p:nvSpPr>
-        <p:spPr>
-          <a:xfrm>
-            <a:off x="8763000" y="1524794"/>
-            <a:ext cx="2413000" cy="1562100"/>
-          </a:xfrm>
-          <a:prstGeom prst="rect">
-            <a:avLst/>
-          </a:prstGeom>
-        </p:spPr>
-        <p:style>
-          <a:lnRef idx="2">
-            <a:schemeClr val="accent1">
-              <a:shade val="50000"/>
-            </a:schemeClr>
-          </a:lnRef>
-          <a:fillRef idx="1">
-            <a:schemeClr val="accent1"/>
-          </a:fillRef>
-          <a:effectRef idx="0">
-            <a:schemeClr val="accent1"/>
-          </a:effectRef>
-          <a:fontRef idx="minor">
-            <a:schemeClr val="lt1"/>
-          </a:fontRef>
-        </p:style>
-        <p:txBody>
-          <a:bodyPr rtlCol="0" anchor="ctr"/>
-          <a:lstStyle/>
-          <a:p>
-            <a:pPr algn="ctr"/>
-            <a:endParaRPr lang="en-GB"/>
-          </a:p>
-        </p:txBody>
-      </p:sp>
-      <p:sp>
-        <p:nvSpPr>
-          <p:cNvPr id="9" name="Rectangle 8"/>
-          <p:cNvSpPr/>
-          <p:nvPr/>
-        </p:nvSpPr>
-        <p:spPr>
-          <a:xfrm>
-            <a:off x="9182100" y="4627563"/>
-            <a:ext cx="2413000" cy="1562100"/>
-          </a:xfrm>
-          <a:prstGeom prst="rect">
-            <a:avLst/>
-          </a:prstGeom>
-        </p:spPr>
-        <p:style>
-          <a:lnRef idx="2">
-            <a:schemeClr val="accent1">
-              <a:shade val="50000"/>
-            </a:schemeClr>
-          </a:lnRef>
-          <a:fillRef idx="1">
-            <a:schemeClr val="accent1"/>
-          </a:fillRef>
-          <a:effectRef idx="0">
-            <a:schemeClr val="accent1"/>
-          </a:effectRef>
-          <a:fontRef idx="minor">
-            <a:schemeClr val="lt1"/>
-          </a:fontRef>
-        </p:style>
-        <p:txBody>
-          <a:bodyPr rtlCol="0" anchor="ctr"/>
-          <a:lstStyle/>
-          <a:p>
-            <a:pPr algn="ctr"/>
-            <a:endParaRPr lang="en-GB"/>
+            <a:r>
+              <a:rPr lang="en-GB" dirty="0"/>
+              <a:t>To save time by automating the initial screening of resumes </a:t>
+            </a:r>
+            <a:endParaRPr lang="en-GB" dirty="0"/>
           </a:p>
         </p:txBody>
       </p:sp>
@@ -7016,7 +10546,7 @@
         </p:nvSpPr>
         <p:spPr>
           <a:xfrm>
-            <a:off x="838200" y="212725"/>
+            <a:off x="300318" y="-29324"/>
             <a:ext cx="10515600" cy="803275"/>
           </a:xfrm>
         </p:spPr>
@@ -7047,14 +10577,14 @@
           <p:nvPr>
             <p:extLst>
               <p:ext uri="{D42A27DB-BD31-4B8C-83A1-F6EECF244321}">
-                <p14:modId xmlns:p14="http://schemas.microsoft.com/office/powerpoint/2010/main" val="3145812756"/>
+                <p14:modId xmlns:p14="http://schemas.microsoft.com/office/powerpoint/2010/main" val="3449224769"/>
               </p:ext>
             </p:extLst>
           </p:nvPr>
         </p:nvGraphicFramePr>
         <p:xfrm>
-          <a:off x="431798" y="1126066"/>
-          <a:ext cx="11227038" cy="5465236"/>
+          <a:off x="170329" y="659903"/>
+          <a:ext cx="11770659" cy="6045696"/>
         </p:xfrm>
         <a:graphic>
           <a:graphicData uri="http://schemas.openxmlformats.org/drawingml/2006/table">
@@ -7063,28 +10593,35 @@
                 <a:tableStyleId>{5C22544A-7EE6-4342-B048-85BDC9FD1C3A}</a:tableStyleId>
               </a:tblPr>
               <a:tblGrid>
-                <a:gridCol w="1871173"/>
-                <a:gridCol w="1871173"/>
-                <a:gridCol w="1871173"/>
-                <a:gridCol w="1871173"/>
-                <a:gridCol w="1871173"/>
-                <a:gridCol w="1871173"/>
+                <a:gridCol w="1735250"/>
+                <a:gridCol w="4984630"/>
+                <a:gridCol w="1952155"/>
+                <a:gridCol w="3098624"/>
               </a:tblGrid>
-              <a:tr h="780748">
+              <a:tr h="769047">
                 <a:tc>
                   <a:txBody>
                     <a:bodyPr/>
                     <a:lstStyle/>
                     <a:p>
                       <a:r>
-                        <a:rPr lang="en-GB" sz="2500" dirty="0" smtClean="0"/>
+                        <a:rPr lang="en-GB" sz="1600" dirty="0" smtClean="0">
+                          <a:latin typeface="Times New Roman" panose="02020603050405020304" pitchFamily="18" charset="0"/>
+                          <a:cs typeface="Times New Roman" panose="02020603050405020304" pitchFamily="18" charset="0"/>
+                        </a:rPr>
                         <a:t>Cites</a:t>
                       </a:r>
                       <a:r>
-                        <a:rPr lang="en-GB" sz="2500" baseline="0" dirty="0" smtClean="0"/>
+                        <a:rPr lang="en-GB" sz="1600" baseline="0" dirty="0" smtClean="0">
+                          <a:latin typeface="Times New Roman" panose="02020603050405020304" pitchFamily="18" charset="0"/>
+                          <a:cs typeface="Times New Roman" panose="02020603050405020304" pitchFamily="18" charset="0"/>
+                        </a:rPr>
                         <a:t> (Date)</a:t>
                       </a:r>
-                      <a:endParaRPr lang="en-GB" sz="2500" dirty="0"/>
+                      <a:endParaRPr lang="en-GB" sz="1600" dirty="0">
+                        <a:latin typeface="Times New Roman" panose="02020603050405020304" pitchFamily="18" charset="0"/>
+                        <a:cs typeface="Times New Roman" panose="02020603050405020304" pitchFamily="18" charset="0"/>
+                      </a:endParaRPr>
                     </a:p>
                   </a:txBody>
                   <a:tcPr marL="126304" marR="126304" marT="63152" marB="63152"/>
@@ -7095,10 +10632,16 @@
                     <a:lstStyle/>
                     <a:p>
                       <a:r>
-                        <a:rPr lang="en-GB" sz="2500" dirty="0" smtClean="0"/>
+                        <a:rPr lang="en-GB" sz="1600" dirty="0" smtClean="0">
+                          <a:latin typeface="Times New Roman" panose="02020603050405020304" pitchFamily="18" charset="0"/>
+                          <a:cs typeface="Times New Roman" panose="02020603050405020304" pitchFamily="18" charset="0"/>
+                        </a:rPr>
                         <a:t>Paper</a:t>
                       </a:r>
-                      <a:endParaRPr lang="en-GB" sz="2500" dirty="0"/>
+                      <a:endParaRPr lang="en-GB" sz="1600" dirty="0">
+                        <a:latin typeface="Times New Roman" panose="02020603050405020304" pitchFamily="18" charset="0"/>
+                        <a:cs typeface="Times New Roman" panose="02020603050405020304" pitchFamily="18" charset="0"/>
+                      </a:endParaRPr>
                     </a:p>
                   </a:txBody>
                   <a:tcPr marL="126304" marR="126304" marT="63152" marB="63152"/>
@@ -7109,10 +10652,16 @@
                     <a:lstStyle/>
                     <a:p>
                       <a:r>
-                        <a:rPr lang="en-GB" sz="2500" dirty="0" smtClean="0"/>
+                        <a:rPr lang="en-GB" sz="1600" dirty="0" smtClean="0">
+                          <a:latin typeface="Times New Roman" panose="02020603050405020304" pitchFamily="18" charset="0"/>
+                          <a:cs typeface="Times New Roman" panose="02020603050405020304" pitchFamily="18" charset="0"/>
+                        </a:rPr>
                         <a:t>Algorithm</a:t>
                       </a:r>
-                      <a:endParaRPr lang="en-GB" sz="2500" dirty="0"/>
+                      <a:endParaRPr lang="en-GB" sz="1600" dirty="0">
+                        <a:latin typeface="Times New Roman" panose="02020603050405020304" pitchFamily="18" charset="0"/>
+                        <a:cs typeface="Times New Roman" panose="02020603050405020304" pitchFamily="18" charset="0"/>
+                      </a:endParaRPr>
                     </a:p>
                   </a:txBody>
                   <a:tcPr marL="126304" marR="126304" marT="63152" marB="63152"/>
@@ -7123,10 +10672,45 @@
                     <a:lstStyle/>
                     <a:p>
                       <a:r>
-                        <a:rPr lang="en-GB" sz="2500" dirty="0" smtClean="0"/>
-                        <a:t>Dataset</a:t>
+                        <a:rPr lang="en-GB" sz="1600" dirty="0" smtClean="0">
+                          <a:latin typeface="Times New Roman" panose="02020603050405020304" pitchFamily="18" charset="0"/>
+                          <a:cs typeface="Times New Roman" panose="02020603050405020304" pitchFamily="18" charset="0"/>
+                        </a:rPr>
+                        <a:t>Limitation</a:t>
                       </a:r>
-                      <a:endParaRPr lang="en-GB" sz="2500" dirty="0"/>
+                      <a:endParaRPr lang="en-GB" sz="1600" dirty="0">
+                        <a:latin typeface="Times New Roman" panose="02020603050405020304" pitchFamily="18" charset="0"/>
+                        <a:cs typeface="Times New Roman" panose="02020603050405020304" pitchFamily="18" charset="0"/>
+                      </a:endParaRPr>
+                    </a:p>
+                  </a:txBody>
+                  <a:tcPr marL="126304" marR="126304" marT="63152" marB="63152"/>
+                </a:tc>
+              </a:tr>
+              <a:tr h="1342646">
+                <a:tc>
+                  <a:txBody>
+                    <a:bodyPr/>
+                    <a:lstStyle/>
+                    <a:p>
+                      <a:r>
+                        <a:rPr lang="en-GB" sz="1600" dirty="0" smtClean="0">
+                          <a:latin typeface="Times New Roman" panose="02020603050405020304" pitchFamily="18" charset="0"/>
+                          <a:cs typeface="Times New Roman" panose="02020603050405020304" pitchFamily="18" charset="0"/>
+                        </a:rPr>
+                        <a:t>1 (</a:t>
+                      </a:r>
+                      <a:r>
+                        <a:rPr lang="en-GB" sz="1600" dirty="0" smtClean="0">
+                          <a:latin typeface="Times New Roman" panose="02020603050405020304" pitchFamily="18" charset="0"/>
+                          <a:cs typeface="Times New Roman" panose="02020603050405020304" pitchFamily="18" charset="0"/>
+                        </a:rPr>
+                        <a:t>2020)</a:t>
+                      </a:r>
+                      <a:endParaRPr lang="en-GB" sz="1600" dirty="0">
+                        <a:latin typeface="Times New Roman" panose="02020603050405020304" pitchFamily="18" charset="0"/>
+                        <a:cs typeface="Times New Roman" panose="02020603050405020304" pitchFamily="18" charset="0"/>
+                      </a:endParaRPr>
                     </a:p>
                   </a:txBody>
                   <a:tcPr marL="126304" marR="126304" marT="63152" marB="63152"/>
@@ -7137,10 +10721,16 @@
                     <a:lstStyle/>
                     <a:p>
                       <a:r>
-                        <a:rPr lang="en-GB" sz="2500" dirty="0" smtClean="0"/>
-                        <a:t>Limitation</a:t>
+                        <a:rPr lang="en-GB" sz="1600" dirty="0" smtClean="0">
+                          <a:latin typeface="Times New Roman" panose="02020603050405020304" pitchFamily="18" charset="0"/>
+                          <a:cs typeface="Times New Roman" panose="02020603050405020304" pitchFamily="18" charset="0"/>
+                        </a:rPr>
+                        <a:t>AN AUTOMATED RESUME SCREENING SYSTEM USING NATURAL LANGUAGE PROCESSING AND SIMILARITY</a:t>
                       </a:r>
-                      <a:endParaRPr lang="en-GB" sz="2500" dirty="0"/>
+                      <a:endParaRPr lang="en-GB" sz="1600" dirty="0">
+                        <a:latin typeface="Times New Roman" panose="02020603050405020304" pitchFamily="18" charset="0"/>
+                        <a:cs typeface="Times New Roman" panose="02020603050405020304" pitchFamily="18" charset="0"/>
+                      </a:endParaRPr>
                     </a:p>
                   </a:txBody>
                   <a:tcPr marL="126304" marR="126304" marT="63152" marB="63152"/>
@@ -7150,23 +10740,71 @@
                     <a:bodyPr/>
                     <a:lstStyle/>
                     <a:p>
-                      <a:endParaRPr lang="en-GB" sz="2500" dirty="0"/>
+                      <a:r>
+                        <a:rPr lang="en-GB" sz="1600" b="0" i="0" kern="1200" dirty="0" smtClean="0">
+                          <a:solidFill>
+                            <a:schemeClr val="dk1"/>
+                          </a:solidFill>
+                          <a:effectLst/>
+                          <a:latin typeface="Times New Roman" panose="02020603050405020304" pitchFamily="18" charset="0"/>
+                          <a:ea typeface="+mn-ea"/>
+                          <a:cs typeface="Times New Roman" panose="02020603050405020304" pitchFamily="18" charset="0"/>
+                        </a:rPr>
+                        <a:t>TF-IDF </a:t>
+                      </a:r>
+                      <a:r>
+                        <a:rPr lang="en-GB" sz="1600" b="0" i="0" kern="1200" dirty="0" err="1" smtClean="0">
+                          <a:solidFill>
+                            <a:schemeClr val="dk1"/>
+                          </a:solidFill>
+                          <a:effectLst/>
+                          <a:latin typeface="Times New Roman" panose="02020603050405020304" pitchFamily="18" charset="0"/>
+                          <a:ea typeface="+mn-ea"/>
+                          <a:cs typeface="Times New Roman" panose="02020603050405020304" pitchFamily="18" charset="0"/>
+                        </a:rPr>
+                        <a:t>Vectorization</a:t>
+                      </a:r>
+                      <a:r>
+                        <a:rPr lang="en-GB" sz="1600" b="0" i="0" kern="1200" baseline="0" dirty="0" smtClean="0">
+                          <a:solidFill>
+                            <a:schemeClr val="dk1"/>
+                          </a:solidFill>
+                          <a:effectLst/>
+                          <a:latin typeface="Times New Roman" panose="02020603050405020304" pitchFamily="18" charset="0"/>
+                          <a:ea typeface="+mn-ea"/>
+                          <a:cs typeface="Times New Roman" panose="02020603050405020304" pitchFamily="18" charset="0"/>
+                        </a:rPr>
+                        <a:t> &amp;</a:t>
+                      </a:r>
+                      <a:endParaRPr lang="en-GB" sz="1600" b="0" i="0" kern="1200" dirty="0" smtClean="0">
+                        <a:solidFill>
+                          <a:schemeClr val="dk1"/>
+                        </a:solidFill>
+                        <a:effectLst/>
+                        <a:latin typeface="Times New Roman" panose="02020603050405020304" pitchFamily="18" charset="0"/>
+                        <a:ea typeface="+mn-ea"/>
+                        <a:cs typeface="Times New Roman" panose="02020603050405020304" pitchFamily="18" charset="0"/>
+                      </a:endParaRPr>
                     </a:p>
-                  </a:txBody>
-                  <a:tcPr marL="126304" marR="126304" marT="63152" marB="63152"/>
-                </a:tc>
-              </a:tr>
-              <a:tr h="780748">
-                <a:tc>
-                  <a:txBody>
-                    <a:bodyPr/>
-                    <a:lstStyle/>
                     <a:p>
                       <a:r>
-                        <a:rPr lang="en-GB" sz="2500" dirty="0" smtClean="0"/>
-                        <a:t>1 (2023)</a:t>
+                        <a:rPr lang="en-GB" sz="1600" b="0" i="0" kern="1200" dirty="0" smtClean="0">
+                          <a:solidFill>
+                            <a:schemeClr val="dk1"/>
+                          </a:solidFill>
+                          <a:effectLst/>
+                          <a:latin typeface="Times New Roman" panose="02020603050405020304" pitchFamily="18" charset="0"/>
+                          <a:ea typeface="+mn-ea"/>
+                          <a:cs typeface="Times New Roman" panose="02020603050405020304" pitchFamily="18" charset="0"/>
+                        </a:rPr>
+                        <a:t>Cosine Similarity</a:t>
                       </a:r>
-                      <a:endParaRPr lang="en-GB" sz="2500" dirty="0"/>
+                    </a:p>
+                    <a:p>
+                      <a:endParaRPr lang="en-GB" sz="1600" dirty="0">
+                        <a:latin typeface="Times New Roman" panose="02020603050405020304" pitchFamily="18" charset="0"/>
+                        <a:cs typeface="Times New Roman" panose="02020603050405020304" pitchFamily="18" charset="0"/>
+                      </a:endParaRPr>
                     </a:p>
                   </a:txBody>
                   <a:tcPr marL="126304" marR="126304" marT="63152" marB="63152"/>
@@ -7176,7 +10814,44 @@
                     <a:bodyPr/>
                     <a:lstStyle/>
                     <a:p>
-                      <a:endParaRPr lang="en-GB" sz="2500"/>
+                      <a:r>
+                        <a:rPr lang="en-GB" sz="1600" b="0" i="0" kern="1200" dirty="0" smtClean="0">
+                          <a:solidFill>
+                            <a:schemeClr val="dk1"/>
+                          </a:solidFill>
+                          <a:effectLst/>
+                          <a:latin typeface="Times New Roman" panose="02020603050405020304" pitchFamily="18" charset="0"/>
+                          <a:ea typeface="+mn-ea"/>
+                          <a:cs typeface="Times New Roman" panose="02020603050405020304" pitchFamily="18" charset="0"/>
+                        </a:rPr>
+                        <a:t>may miss out on providing complete information, affecting the accuracy of the system's matching.</a:t>
+                      </a:r>
+                      <a:endParaRPr lang="en-GB" sz="1600" dirty="0">
+                        <a:latin typeface="Times New Roman" panose="02020603050405020304" pitchFamily="18" charset="0"/>
+                        <a:cs typeface="Times New Roman" panose="02020603050405020304" pitchFamily="18" charset="0"/>
+                      </a:endParaRPr>
+                    </a:p>
+                  </a:txBody>
+                  <a:tcPr marL="126304" marR="126304" marT="63152" marB="63152"/>
+                </a:tc>
+              </a:tr>
+              <a:tr h="1639825">
+                <a:tc>
+                  <a:txBody>
+                    <a:bodyPr/>
+                    <a:lstStyle/>
+                    <a:p>
+                      <a:r>
+                        <a:rPr lang="en-GB" sz="1600" dirty="0" smtClean="0">
+                          <a:latin typeface="Times New Roman" panose="02020603050405020304" pitchFamily="18" charset="0"/>
+                          <a:cs typeface="Times New Roman" panose="02020603050405020304" pitchFamily="18" charset="0"/>
+                        </a:rPr>
+                        <a:t>2(2017)</a:t>
+                      </a:r>
+                      <a:endParaRPr lang="en-GB" sz="1600" dirty="0">
+                        <a:latin typeface="Times New Roman" panose="02020603050405020304" pitchFamily="18" charset="0"/>
+                        <a:cs typeface="Times New Roman" panose="02020603050405020304" pitchFamily="18" charset="0"/>
+                      </a:endParaRPr>
                     </a:p>
                   </a:txBody>
                   <a:tcPr marL="126304" marR="126304" marT="63152" marB="63152"/>
@@ -7186,7 +10861,22 @@
                     <a:bodyPr/>
                     <a:lstStyle/>
                     <a:p>
-                      <a:endParaRPr lang="en-GB" sz="2500"/>
+                      <a:r>
+                        <a:rPr lang="en-GB" sz="1600" b="0" i="0" kern="1200" dirty="0" smtClean="0">
+                          <a:solidFill>
+                            <a:schemeClr val="dk1"/>
+                          </a:solidFill>
+                          <a:effectLst/>
+                          <a:latin typeface="Times New Roman" panose="02020603050405020304" pitchFamily="18" charset="0"/>
+                          <a:ea typeface="+mn-ea"/>
+                          <a:cs typeface="Times New Roman" panose="02020603050405020304" pitchFamily="18" charset="0"/>
+                        </a:rPr>
+                        <a:t>JRC: A Job Post and Resume Classification System for Online Recruitment</a:t>
+                      </a:r>
+                      <a:endParaRPr lang="en-GB" sz="1600" dirty="0">
+                        <a:latin typeface="Times New Roman" panose="02020603050405020304" pitchFamily="18" charset="0"/>
+                        <a:cs typeface="Times New Roman" panose="02020603050405020304" pitchFamily="18" charset="0"/>
+                      </a:endParaRPr>
                     </a:p>
                   </a:txBody>
                   <a:tcPr marL="126304" marR="126304" marT="63152" marB="63152"/>
@@ -7196,7 +10886,42 @@
                     <a:bodyPr/>
                     <a:lstStyle/>
                     <a:p>
-                      <a:endParaRPr lang="en-GB" sz="2500" dirty="0"/>
+                      <a:r>
+                        <a:rPr lang="en-GB" sz="1600" b="0" i="0" kern="1200" dirty="0" smtClean="0">
+                          <a:solidFill>
+                            <a:schemeClr val="dk1"/>
+                          </a:solidFill>
+                          <a:effectLst/>
+                          <a:latin typeface="Times New Roman" panose="02020603050405020304" pitchFamily="18" charset="0"/>
+                          <a:ea typeface="+mn-ea"/>
+                          <a:cs typeface="Times New Roman" panose="02020603050405020304" pitchFamily="18" charset="0"/>
+                        </a:rPr>
+                        <a:t>Section-Based Segmentation Module</a:t>
+                      </a:r>
+                      <a:r>
+                        <a:rPr lang="en-GB" sz="1600" b="0" i="0" kern="1200" baseline="0" dirty="0" smtClean="0">
+                          <a:solidFill>
+                            <a:schemeClr val="dk1"/>
+                          </a:solidFill>
+                          <a:effectLst/>
+                          <a:latin typeface="Times New Roman" panose="02020603050405020304" pitchFamily="18" charset="0"/>
+                          <a:ea typeface="+mn-ea"/>
+                          <a:cs typeface="Times New Roman" panose="02020603050405020304" pitchFamily="18" charset="0"/>
+                        </a:rPr>
+                        <a:t> &amp; </a:t>
+                      </a:r>
+                      <a:r>
+                        <a:rPr lang="en-GB" sz="1600" b="0" i="0" kern="1200" dirty="0" smtClean="0">
+                          <a:solidFill>
+                            <a:schemeClr val="dk1"/>
+                          </a:solidFill>
+                          <a:effectLst/>
+                          <a:latin typeface="Times New Roman" panose="02020603050405020304" pitchFamily="18" charset="0"/>
+                          <a:ea typeface="+mn-ea"/>
+                          <a:cs typeface="Times New Roman" panose="02020603050405020304" pitchFamily="18" charset="0"/>
+                        </a:rPr>
+                        <a:t>Integrated Knowledge Base</a:t>
+                      </a:r>
                     </a:p>
                   </a:txBody>
                   <a:tcPr marL="126304" marR="126304" marT="63152" marB="63152"/>
@@ -7206,7 +10931,47 @@
                     <a:bodyPr/>
                     <a:lstStyle/>
                     <a:p>
-                      <a:endParaRPr lang="en-GB" sz="2500"/>
+                      <a:r>
+                        <a:rPr lang="en-GB" sz="1600" b="0" dirty="0" smtClean="0">
+                          <a:latin typeface="Times New Roman" panose="02020603050405020304" pitchFamily="18" charset="0"/>
+                          <a:cs typeface="Times New Roman" panose="02020603050405020304" pitchFamily="18" charset="0"/>
+                        </a:rPr>
+                        <a:t>Lacks </a:t>
+                      </a:r>
+                      <a:r>
+                        <a:rPr lang="en-GB" sz="1600" b="0" i="0" kern="1200" dirty="0" smtClean="0">
+                          <a:solidFill>
+                            <a:schemeClr val="dk1"/>
+                          </a:solidFill>
+                          <a:effectLst/>
+                          <a:latin typeface="Times New Roman" panose="02020603050405020304" pitchFamily="18" charset="0"/>
+                          <a:ea typeface="+mn-ea"/>
+                          <a:cs typeface="Times New Roman" panose="02020603050405020304" pitchFamily="18" charset="0"/>
+                        </a:rPr>
+                        <a:t>an automatic matching procedure between candidate resumes and their corresponding job postings</a:t>
+                      </a:r>
+                    </a:p>
+                  </a:txBody>
+                  <a:tcPr marL="126304" marR="126304" marT="63152" marB="63152"/>
+                </a:tc>
+              </a:tr>
+              <a:tr h="1342646">
+                <a:tc>
+                  <a:txBody>
+                    <a:bodyPr/>
+                    <a:lstStyle/>
+                    <a:p>
+                      <a:r>
+                        <a:rPr lang="en-GB" sz="1600" dirty="0" smtClean="0">
+                          <a:latin typeface="Times New Roman" panose="02020603050405020304" pitchFamily="18" charset="0"/>
+                          <a:cs typeface="Times New Roman" panose="02020603050405020304" pitchFamily="18" charset="0"/>
+                        </a:rPr>
+                        <a:t>3(2017)</a:t>
+                      </a:r>
+                      <a:endParaRPr lang="en-GB" sz="1600" dirty="0">
+                        <a:latin typeface="Times New Roman" panose="02020603050405020304" pitchFamily="18" charset="0"/>
+                        <a:cs typeface="Times New Roman" panose="02020603050405020304" pitchFamily="18" charset="0"/>
+                      </a:endParaRPr>
                     </a:p>
                   </a:txBody>
                   <a:tcPr marL="126304" marR="126304" marT="63152" marB="63152"/>
@@ -7216,19 +10981,27 @@
                     <a:bodyPr/>
                     <a:lstStyle/>
                     <a:p>
-                      <a:endParaRPr lang="en-GB" sz="2500"/>
-                    </a:p>
-                  </a:txBody>
-                  <a:tcPr marL="126304" marR="126304" marT="63152" marB="63152"/>
-                </a:tc>
-              </a:tr>
-              <a:tr h="780748">
-                <a:tc>
-                  <a:txBody>
-                    <a:bodyPr/>
-                    <a:lstStyle/>
-                    <a:p>
-                      <a:endParaRPr lang="en-GB" sz="2500"/>
+                      <a:r>
+                        <a:rPr lang="en-GB" sz="1600" b="0" i="0" kern="1200" dirty="0" smtClean="0">
+                          <a:solidFill>
+                            <a:schemeClr val="dk1"/>
+                          </a:solidFill>
+                          <a:effectLst/>
+                          <a:latin typeface="+mn-lt"/>
+                          <a:ea typeface="+mn-ea"/>
+                          <a:cs typeface="+mn-cs"/>
+                        </a:rPr>
+                        <a:t>Applying Learning-to-Rank to Human Resourcing's Job-Candidate Matching Problem: A Case Study.</a:t>
+                      </a:r>
+                      <a:endParaRPr lang="en-GB" sz="1600" b="0" i="0" kern="1200" dirty="0">
+                        <a:solidFill>
+                          <a:schemeClr val="dk1"/>
+                        </a:solidFill>
+                        <a:effectLst/>
+                        <a:latin typeface="+mn-lt"/>
+                        <a:ea typeface="+mn-ea"/>
+                        <a:cs typeface="+mn-cs"/>
+                      </a:endParaRPr>
                     </a:p>
                   </a:txBody>
                   <a:tcPr marL="126304" marR="126304" marT="63152" marB="63152"/>
@@ -7238,7 +11011,51 @@
                     <a:bodyPr/>
                     <a:lstStyle/>
                     <a:p>
-                      <a:endParaRPr lang="en-GB" sz="2500"/>
+                      <a:r>
+                        <a:rPr lang="en-GB" sz="1600" b="0" i="0" kern="1200" dirty="0" smtClean="0">
+                          <a:solidFill>
+                            <a:schemeClr val="dk1"/>
+                          </a:solidFill>
+                          <a:effectLst/>
+                          <a:latin typeface="Times New Roman" panose="02020603050405020304" pitchFamily="18" charset="0"/>
+                          <a:ea typeface="+mn-ea"/>
+                          <a:cs typeface="Times New Roman" panose="02020603050405020304" pitchFamily="18" charset="0"/>
+                        </a:rPr>
+                        <a:t>Gradient Boosted Regression Trees (GBRT)</a:t>
+                      </a:r>
+                      <a:r>
+                        <a:rPr lang="en-GB" sz="1600" b="0" i="0" kern="1200" baseline="0" dirty="0" smtClean="0">
+                          <a:solidFill>
+                            <a:schemeClr val="dk1"/>
+                          </a:solidFill>
+                          <a:effectLst/>
+                          <a:latin typeface="Times New Roman" panose="02020603050405020304" pitchFamily="18" charset="0"/>
+                          <a:ea typeface="+mn-ea"/>
+                          <a:cs typeface="Times New Roman" panose="02020603050405020304" pitchFamily="18" charset="0"/>
+                        </a:rPr>
+                        <a:t> &amp; </a:t>
+                      </a:r>
+                      <a:r>
+                        <a:rPr lang="en-GB" sz="1600" b="0" i="0" kern="1200" dirty="0" err="1" smtClean="0">
+                          <a:solidFill>
+                            <a:schemeClr val="dk1"/>
+                          </a:solidFill>
+                          <a:effectLst/>
+                          <a:latin typeface="Times New Roman" panose="02020603050405020304" pitchFamily="18" charset="0"/>
+                          <a:ea typeface="+mn-ea"/>
+                          <a:cs typeface="Times New Roman" panose="02020603050405020304" pitchFamily="18" charset="0"/>
+                        </a:rPr>
+                        <a:t>LambdaMART</a:t>
+                      </a:r>
+                      <a:endParaRPr lang="en-GB" sz="1600" b="0" i="0" kern="1200" dirty="0" smtClean="0">
+                        <a:solidFill>
+                          <a:schemeClr val="dk1"/>
+                        </a:solidFill>
+                        <a:effectLst/>
+                        <a:latin typeface="Times New Roman" panose="02020603050405020304" pitchFamily="18" charset="0"/>
+                        <a:ea typeface="+mn-ea"/>
+                        <a:cs typeface="Times New Roman" panose="02020603050405020304" pitchFamily="18" charset="0"/>
+                      </a:endParaRPr>
                     </a:p>
                   </a:txBody>
                   <a:tcPr marL="126304" marR="126304" marT="63152" marB="63152"/>
@@ -7248,7 +11065,61 @@
                     <a:bodyPr/>
                     <a:lstStyle/>
                     <a:p>
-                      <a:endParaRPr lang="en-GB" sz="2500"/>
+                      <a:pPr marL="0" marR="0" indent="0" algn="l" defTabSz="914400" rtl="0" eaLnBrk="1" fontAlgn="auto" latinLnBrk="0" hangingPunct="1">
+                        <a:lnSpc>
+                          <a:spcPct val="100000"/>
+                        </a:lnSpc>
+                        <a:spcBef>
+                          <a:spcPts val="0"/>
+                        </a:spcBef>
+                        <a:spcAft>
+                          <a:spcPts val="0"/>
+                        </a:spcAft>
+                        <a:buClrTx/>
+                        <a:buSzTx/>
+                        <a:buFontTx/>
+                        <a:buNone/>
+                        <a:tabLst/>
+                        <a:defRPr/>
+                      </a:pPr>
+                      <a:r>
+                        <a:rPr lang="en-GB" sz="1600" b="0" i="0" kern="1200" dirty="0" smtClean="0">
+                          <a:solidFill>
+                            <a:schemeClr val="dk1"/>
+                          </a:solidFill>
+                          <a:effectLst/>
+                          <a:latin typeface="Times New Roman" panose="02020603050405020304" pitchFamily="18" charset="0"/>
+                          <a:ea typeface="+mn-ea"/>
+                          <a:cs typeface="Times New Roman" panose="02020603050405020304" pitchFamily="18" charset="0"/>
+                        </a:rPr>
+                        <a:t>Incorrectly categorized data &amp; Lacks Automatic mailing system</a:t>
+                      </a:r>
+                      <a:endParaRPr lang="en-GB" sz="1600" dirty="0" smtClean="0">
+                        <a:latin typeface="Times New Roman" panose="02020603050405020304" pitchFamily="18" charset="0"/>
+                        <a:cs typeface="Times New Roman" panose="02020603050405020304" pitchFamily="18" charset="0"/>
+                      </a:endParaRPr>
+                    </a:p>
+                  </a:txBody>
+                  <a:tcPr marL="126304" marR="126304" marT="63152" marB="63152"/>
+                </a:tc>
+              </a:tr>
+              <a:tr h="951532">
+                <a:tc>
+                  <a:txBody>
+                    <a:bodyPr/>
+                    <a:lstStyle/>
+                    <a:p>
+                      <a:r>
+                        <a:rPr lang="en-GB" sz="1600" dirty="0" smtClean="0">
+                          <a:latin typeface="Times New Roman" panose="02020603050405020304" pitchFamily="18" charset="0"/>
+                          <a:cs typeface="Times New Roman" panose="02020603050405020304" pitchFamily="18" charset="0"/>
+                        </a:rPr>
+                        <a:t>Proposed</a:t>
+                      </a:r>
+                      <a:endParaRPr lang="en-GB" sz="1600" dirty="0">
+                        <a:latin typeface="Times New Roman" panose="02020603050405020304" pitchFamily="18" charset="0"/>
+                        <a:cs typeface="Times New Roman" panose="02020603050405020304" pitchFamily="18" charset="0"/>
+                      </a:endParaRPr>
                     </a:p>
                   </a:txBody>
                   <a:tcPr marL="126304" marR="126304" marT="63152" marB="63152"/>
@@ -7258,7 +11129,24 @@
                     <a:bodyPr/>
                     <a:lstStyle/>
                     <a:p>
-                      <a:endParaRPr lang="en-GB" sz="2500" dirty="0"/>
+                      <a:r>
+                        <a:rPr lang="en-GB" sz="1600" dirty="0" smtClean="0">
+                          <a:latin typeface="Times New Roman" panose="02020603050405020304" pitchFamily="18" charset="0"/>
+                          <a:cs typeface="Times New Roman" panose="02020603050405020304" pitchFamily="18" charset="0"/>
+                        </a:rPr>
+                        <a:t>Categorized</a:t>
+                      </a:r>
+                      <a:r>
+                        <a:rPr lang="en-GB" sz="1600" baseline="0" dirty="0" smtClean="0">
+                          <a:latin typeface="Times New Roman" panose="02020603050405020304" pitchFamily="18" charset="0"/>
+                          <a:cs typeface="Times New Roman" panose="02020603050405020304" pitchFamily="18" charset="0"/>
+                        </a:rPr>
+                        <a:t> and provided with complete information with transparent salary, highly accurate</a:t>
+                      </a:r>
+                      <a:endParaRPr lang="en-GB" sz="1600" dirty="0">
+                        <a:latin typeface="Times New Roman" panose="02020603050405020304" pitchFamily="18" charset="0"/>
+                        <a:cs typeface="Times New Roman" panose="02020603050405020304" pitchFamily="18" charset="0"/>
+                      </a:endParaRPr>
                     </a:p>
                   </a:txBody>
                   <a:tcPr marL="126304" marR="126304" marT="63152" marB="63152"/>
@@ -7268,7 +11156,24 @@
                     <a:bodyPr/>
                     <a:lstStyle/>
                     <a:p>
-                      <a:endParaRPr lang="en-GB" sz="2500"/>
+                      <a:r>
+                        <a:rPr lang="en-GB" sz="1600" dirty="0" smtClean="0">
+                          <a:latin typeface="Times New Roman" panose="02020603050405020304" pitchFamily="18" charset="0"/>
+                          <a:cs typeface="Times New Roman" panose="02020603050405020304" pitchFamily="18" charset="0"/>
+                        </a:rPr>
+                        <a:t>Cosine</a:t>
+                      </a:r>
+                      <a:r>
+                        <a:rPr lang="en-GB" sz="1600" baseline="0" dirty="0" smtClean="0">
+                          <a:latin typeface="Times New Roman" panose="02020603050405020304" pitchFamily="18" charset="0"/>
+                          <a:cs typeface="Times New Roman" panose="02020603050405020304" pitchFamily="18" charset="0"/>
+                        </a:rPr>
+                        <a:t> Similarity</a:t>
+                      </a:r>
+                      <a:endParaRPr lang="en-GB" sz="1600" dirty="0">
+                        <a:latin typeface="Times New Roman" panose="02020603050405020304" pitchFamily="18" charset="0"/>
+                        <a:cs typeface="Times New Roman" panose="02020603050405020304" pitchFamily="18" charset="0"/>
+                      </a:endParaRPr>
                     </a:p>
                   </a:txBody>
                   <a:tcPr marL="126304" marR="126304" marT="63152" marB="63152"/>
@@ -7278,255 +11183,10 @@
                     <a:bodyPr/>
                     <a:lstStyle/>
                     <a:p>
-                      <a:endParaRPr lang="en-GB" sz="2500"/>
-                    </a:p>
-                  </a:txBody>
-                  <a:tcPr marL="126304" marR="126304" marT="63152" marB="63152"/>
-                </a:tc>
-              </a:tr>
-              <a:tr h="780748">
-                <a:tc>
-                  <a:txBody>
-                    <a:bodyPr/>
-                    <a:lstStyle/>
-                    <a:p>
-                      <a:endParaRPr lang="en-GB" sz="2500"/>
-                    </a:p>
-                  </a:txBody>
-                  <a:tcPr marL="126304" marR="126304" marT="63152" marB="63152"/>
-                </a:tc>
-                <a:tc>
-                  <a:txBody>
-                    <a:bodyPr/>
-                    <a:lstStyle/>
-                    <a:p>
-                      <a:endParaRPr lang="en-GB" sz="2500" dirty="0"/>
-                    </a:p>
-                  </a:txBody>
-                  <a:tcPr marL="126304" marR="126304" marT="63152" marB="63152"/>
-                </a:tc>
-                <a:tc>
-                  <a:txBody>
-                    <a:bodyPr/>
-                    <a:lstStyle/>
-                    <a:p>
-                      <a:endParaRPr lang="en-GB" sz="2500"/>
-                    </a:p>
-                  </a:txBody>
-                  <a:tcPr marL="126304" marR="126304" marT="63152" marB="63152"/>
-                </a:tc>
-                <a:tc>
-                  <a:txBody>
-                    <a:bodyPr/>
-                    <a:lstStyle/>
-                    <a:p>
-                      <a:endParaRPr lang="en-GB" sz="2500"/>
-                    </a:p>
-                  </a:txBody>
-                  <a:tcPr marL="126304" marR="126304" marT="63152" marB="63152"/>
-                </a:tc>
-                <a:tc>
-                  <a:txBody>
-                    <a:bodyPr/>
-                    <a:lstStyle/>
-                    <a:p>
-                      <a:endParaRPr lang="en-GB" sz="2500" dirty="0"/>
-                    </a:p>
-                  </a:txBody>
-                  <a:tcPr marL="126304" marR="126304" marT="63152" marB="63152"/>
-                </a:tc>
-                <a:tc>
-                  <a:txBody>
-                    <a:bodyPr/>
-                    <a:lstStyle/>
-                    <a:p>
-                      <a:endParaRPr lang="en-GB" sz="2500"/>
-                    </a:p>
-                  </a:txBody>
-                  <a:tcPr marL="126304" marR="126304" marT="63152" marB="63152"/>
-                </a:tc>
-              </a:tr>
-              <a:tr h="780748">
-                <a:tc>
-                  <a:txBody>
-                    <a:bodyPr/>
-                    <a:lstStyle/>
-                    <a:p>
-                      <a:endParaRPr lang="en-GB" sz="2500"/>
-                    </a:p>
-                  </a:txBody>
-                  <a:tcPr marL="126304" marR="126304" marT="63152" marB="63152"/>
-                </a:tc>
-                <a:tc>
-                  <a:txBody>
-                    <a:bodyPr/>
-                    <a:lstStyle/>
-                    <a:p>
-                      <a:endParaRPr lang="en-GB" sz="2500" dirty="0"/>
-                    </a:p>
-                  </a:txBody>
-                  <a:tcPr marL="126304" marR="126304" marT="63152" marB="63152"/>
-                </a:tc>
-                <a:tc>
-                  <a:txBody>
-                    <a:bodyPr/>
-                    <a:lstStyle/>
-                    <a:p>
-                      <a:endParaRPr lang="en-GB" sz="2500"/>
-                    </a:p>
-                  </a:txBody>
-                  <a:tcPr marL="126304" marR="126304" marT="63152" marB="63152"/>
-                </a:tc>
-                <a:tc>
-                  <a:txBody>
-                    <a:bodyPr/>
-                    <a:lstStyle/>
-                    <a:p>
-                      <a:endParaRPr lang="en-GB" sz="2500"/>
-                    </a:p>
-                  </a:txBody>
-                  <a:tcPr marL="126304" marR="126304" marT="63152" marB="63152"/>
-                </a:tc>
-                <a:tc>
-                  <a:txBody>
-                    <a:bodyPr/>
-                    <a:lstStyle/>
-                    <a:p>
-                      <a:endParaRPr lang="en-GB" sz="2500"/>
-                    </a:p>
-                  </a:txBody>
-                  <a:tcPr marL="126304" marR="126304" marT="63152" marB="63152"/>
-                </a:tc>
-                <a:tc>
-                  <a:txBody>
-                    <a:bodyPr/>
-                    <a:lstStyle/>
-                    <a:p>
-                      <a:endParaRPr lang="en-GB" sz="2500"/>
-                    </a:p>
-                  </a:txBody>
-                  <a:tcPr marL="126304" marR="126304" marT="63152" marB="63152"/>
-                </a:tc>
-              </a:tr>
-              <a:tr h="780748">
-                <a:tc>
-                  <a:txBody>
-                    <a:bodyPr/>
-                    <a:lstStyle/>
-                    <a:p>
-                      <a:endParaRPr lang="en-GB" sz="2500"/>
-                    </a:p>
-                  </a:txBody>
-                  <a:tcPr marL="126304" marR="126304" marT="63152" marB="63152"/>
-                </a:tc>
-                <a:tc>
-                  <a:txBody>
-                    <a:bodyPr/>
-                    <a:lstStyle/>
-                    <a:p>
-                      <a:endParaRPr lang="en-GB" sz="2500" dirty="0"/>
-                    </a:p>
-                  </a:txBody>
-                  <a:tcPr marL="126304" marR="126304" marT="63152" marB="63152"/>
-                </a:tc>
-                <a:tc>
-                  <a:txBody>
-                    <a:bodyPr/>
-                    <a:lstStyle/>
-                    <a:p>
-                      <a:endParaRPr lang="en-GB" sz="2500"/>
-                    </a:p>
-                  </a:txBody>
-                  <a:tcPr marL="126304" marR="126304" marT="63152" marB="63152"/>
-                </a:tc>
-                <a:tc>
-                  <a:txBody>
-                    <a:bodyPr/>
-                    <a:lstStyle/>
-                    <a:p>
-                      <a:endParaRPr lang="en-GB" sz="2500"/>
-                    </a:p>
-                  </a:txBody>
-                  <a:tcPr marL="126304" marR="126304" marT="63152" marB="63152"/>
-                </a:tc>
-                <a:tc>
-                  <a:txBody>
-                    <a:bodyPr/>
-                    <a:lstStyle/>
-                    <a:p>
-                      <a:endParaRPr lang="en-GB" sz="2500"/>
-                    </a:p>
-                  </a:txBody>
-                  <a:tcPr marL="126304" marR="126304" marT="63152" marB="63152"/>
-                </a:tc>
-                <a:tc>
-                  <a:txBody>
-                    <a:bodyPr/>
-                    <a:lstStyle/>
-                    <a:p>
-                      <a:endParaRPr lang="en-GB" sz="2500"/>
-                    </a:p>
-                  </a:txBody>
-                  <a:tcPr marL="126304" marR="126304" marT="63152" marB="63152"/>
-                </a:tc>
-              </a:tr>
-              <a:tr h="780748">
-                <a:tc>
-                  <a:txBody>
-                    <a:bodyPr/>
-                    <a:lstStyle/>
-                    <a:p>
-                      <a:endParaRPr lang="en-GB" sz="2500"/>
-                    </a:p>
-                  </a:txBody>
-                  <a:tcPr marL="126304" marR="126304" marT="63152" marB="63152"/>
-                </a:tc>
-                <a:tc>
-                  <a:txBody>
-                    <a:bodyPr/>
-                    <a:lstStyle/>
-                    <a:p>
-                      <a:endParaRPr lang="en-GB" sz="2500"/>
-                    </a:p>
-                  </a:txBody>
-                  <a:tcPr marL="126304" marR="126304" marT="63152" marB="63152"/>
-                </a:tc>
-                <a:tc>
-                  <a:txBody>
-                    <a:bodyPr/>
-                    <a:lstStyle/>
-                    <a:p>
-                      <a:endParaRPr lang="en-GB" sz="2500"/>
-                    </a:p>
-                  </a:txBody>
-                  <a:tcPr marL="126304" marR="126304" marT="63152" marB="63152"/>
-                </a:tc>
-                <a:tc>
-                  <a:txBody>
-                    <a:bodyPr/>
-                    <a:lstStyle/>
-                    <a:p>
-                      <a:endParaRPr lang="en-GB" sz="2500"/>
-                    </a:p>
-                  </a:txBody>
-                  <a:tcPr marL="126304" marR="126304" marT="63152" marB="63152"/>
-                </a:tc>
-                <a:tc>
-                  <a:txBody>
-                    <a:bodyPr/>
-                    <a:lstStyle/>
-                    <a:p>
-                      <a:endParaRPr lang="en-GB" sz="2500"/>
-                    </a:p>
-                  </a:txBody>
-                  <a:tcPr marL="126304" marR="126304" marT="63152" marB="63152"/>
-                </a:tc>
-                <a:tc>
-                  <a:txBody>
-                    <a:bodyPr/>
-                    <a:lstStyle/>
-                    <a:p>
-                      <a:endParaRPr lang="en-GB" sz="2500" dirty="0"/>
+                      <a:endParaRPr lang="en-GB" sz="1600" dirty="0">
+                        <a:latin typeface="Times New Roman" panose="02020603050405020304" pitchFamily="18" charset="0"/>
+                        <a:cs typeface="Times New Roman" panose="02020603050405020304" pitchFamily="18" charset="0"/>
+                      </a:endParaRPr>
                     </a:p>
                   </a:txBody>
                   <a:tcPr marL="126304" marR="126304" marT="63152" marB="63152"/>
